--- a/rapport_marc_guynot.pptx
+++ b/rapport_marc_guynot.pptx
@@ -6,12 +6,16 @@
   </p:sldMasterIdLst>
   <p:sldIdLst>
     <p:sldId id="256" r:id="rId2"/>
-    <p:sldId id="257" r:id="rId3"/>
-    <p:sldId id="258" r:id="rId4"/>
-    <p:sldId id="259" r:id="rId5"/>
-    <p:sldId id="260" r:id="rId6"/>
-    <p:sldId id="261" r:id="rId7"/>
-    <p:sldId id="262" r:id="rId8"/>
+    <p:sldId id="263" r:id="rId3"/>
+    <p:sldId id="257" r:id="rId4"/>
+    <p:sldId id="258" r:id="rId5"/>
+    <p:sldId id="259" r:id="rId6"/>
+    <p:sldId id="260" r:id="rId7"/>
+    <p:sldId id="261" r:id="rId8"/>
+    <p:sldId id="262" r:id="rId9"/>
+    <p:sldId id="264" r:id="rId10"/>
+    <p:sldId id="265" r:id="rId11"/>
+    <p:sldId id="266" r:id="rId12"/>
   </p:sldIdLst>
   <p:sldSz cx="12192000" cy="6858000"/>
   <p:notesSz cx="6858000" cy="9144000"/>
@@ -3827,11 +3831,11 @@
           <a:p>
             <a:r>
               <a:rPr lang="fr-FR" dirty="0" smtClean="0"/>
-              <a:t>Rapport Python for </a:t>
+              <a:t>Rapport Python for Data </a:t>
             </a:r>
             <a:r>
               <a:rPr lang="fr-FR" dirty="0" err="1" smtClean="0"/>
-              <a:t>DataScience</a:t>
+              <a:t>Analysis</a:t>
             </a:r>
             <a:endParaRPr lang="en-US" dirty="0"/>
           </a:p>
@@ -3871,6 +3875,826 @@
     <p:extLst>
       <p:ext uri="{BB962C8B-B14F-4D97-AF65-F5344CB8AC3E}">
         <p14:creationId xmlns:p14="http://schemas.microsoft.com/office/powerpoint/2010/main" val="372478605"/>
+      </p:ext>
+    </p:extLst>
+  </p:cSld>
+  <p:clrMapOvr>
+    <a:masterClrMapping/>
+  </p:clrMapOvr>
+  <p:timing>
+    <p:tnLst>
+      <p:par>
+        <p:cTn id="1" dur="indefinite" restart="never" nodeType="tmRoot"/>
+      </p:par>
+    </p:tnLst>
+  </p:timing>
+</p:sld>
+</file>
+
+<file path=ppt/slides/slide10.xml><?xml version="1.0" encoding="utf-8"?>
+<p:sld xmlns:a="http://schemas.openxmlformats.org/drawingml/2006/main" xmlns:r="http://schemas.openxmlformats.org/officeDocument/2006/relationships" xmlns:p="http://schemas.openxmlformats.org/presentationml/2006/main">
+  <p:cSld>
+    <p:spTree>
+      <p:nvGrpSpPr>
+        <p:cNvPr id="1" name=""/>
+        <p:cNvGrpSpPr/>
+        <p:nvPr/>
+      </p:nvGrpSpPr>
+      <p:grpSpPr>
+        <a:xfrm>
+          <a:off x="0" y="0"/>
+          <a:ext cx="0" cy="0"/>
+          <a:chOff x="0" y="0"/>
+          <a:chExt cx="0" cy="0"/>
+        </a:xfrm>
+      </p:grpSpPr>
+      <p:sp>
+        <p:nvSpPr>
+          <p:cNvPr id="4" name="Title 1"/>
+          <p:cNvSpPr>
+            <a:spLocks noGrp="1"/>
+          </p:cNvSpPr>
+          <p:nvPr>
+            <p:ph type="title"/>
+          </p:nvPr>
+        </p:nvSpPr>
+        <p:spPr>
+          <a:xfrm>
+            <a:off x="1097280" y="436072"/>
+            <a:ext cx="10058400" cy="522289"/>
+          </a:xfrm>
+        </p:spPr>
+        <p:txBody>
+          <a:bodyPr>
+            <a:normAutofit/>
+          </a:bodyPr>
+          <a:lstStyle/>
+          <a:p>
+            <a:pPr>
+              <a:lnSpc>
+                <a:spcPct val="100000"/>
+              </a:lnSpc>
+              <a:spcBef>
+                <a:spcPts val="0"/>
+              </a:spcBef>
+              <a:defRPr/>
+            </a:pPr>
+            <a:r>
+              <a:rPr lang="fr-FR" sz="2400" dirty="0" smtClean="0"/>
+              <a:t>3 </a:t>
+            </a:r>
+            <a:r>
+              <a:rPr lang="fr-FR" sz="2400" dirty="0"/>
+              <a:t>) Data visualisation et affinage </a:t>
+            </a:r>
+            <a:r>
+              <a:rPr lang="fr-FR" sz="2400" dirty="0" smtClean="0"/>
+              <a:t>prédiction</a:t>
+            </a:r>
+            <a:endParaRPr lang="en-US" sz="2400" dirty="0"/>
+          </a:p>
+        </p:txBody>
+      </p:sp>
+      <p:sp>
+        <p:nvSpPr>
+          <p:cNvPr id="5" name="Rectangle 4"/>
+          <p:cNvSpPr/>
+          <p:nvPr/>
+        </p:nvSpPr>
+        <p:spPr>
+          <a:xfrm>
+            <a:off x="984738" y="2206869"/>
+            <a:ext cx="10179734" cy="237392"/>
+          </a:xfrm>
+          <a:prstGeom prst="rect">
+            <a:avLst/>
+          </a:prstGeom>
+          <a:solidFill>
+            <a:schemeClr val="bg1"/>
+          </a:solidFill>
+          <a:ln>
+            <a:solidFill>
+              <a:schemeClr val="bg1"/>
+            </a:solidFill>
+          </a:ln>
+        </p:spPr>
+        <p:style>
+          <a:lnRef idx="2">
+            <a:schemeClr val="accent1">
+              <a:shade val="50000"/>
+            </a:schemeClr>
+          </a:lnRef>
+          <a:fillRef idx="1">
+            <a:schemeClr val="accent1"/>
+          </a:fillRef>
+          <a:effectRef idx="0">
+            <a:schemeClr val="accent1"/>
+          </a:effectRef>
+          <a:fontRef idx="minor">
+            <a:schemeClr val="lt1"/>
+          </a:fontRef>
+        </p:style>
+        <p:txBody>
+          <a:bodyPr rtlCol="0" anchor="ctr"/>
+          <a:lstStyle/>
+          <a:p>
+            <a:pPr algn="ctr"/>
+            <a:endParaRPr lang="en-US"/>
+          </a:p>
+        </p:txBody>
+      </p:sp>
+      <p:sp>
+        <p:nvSpPr>
+          <p:cNvPr id="19" name="Rectangle 18"/>
+          <p:cNvSpPr/>
+          <p:nvPr/>
+        </p:nvSpPr>
+        <p:spPr>
+          <a:xfrm>
+            <a:off x="975946" y="1661746"/>
+            <a:ext cx="10179734" cy="237392"/>
+          </a:xfrm>
+          <a:prstGeom prst="rect">
+            <a:avLst/>
+          </a:prstGeom>
+          <a:solidFill>
+            <a:schemeClr val="bg1"/>
+          </a:solidFill>
+          <a:ln>
+            <a:solidFill>
+              <a:schemeClr val="bg1"/>
+            </a:solidFill>
+          </a:ln>
+        </p:spPr>
+        <p:style>
+          <a:lnRef idx="2">
+            <a:schemeClr val="accent1">
+              <a:shade val="50000"/>
+            </a:schemeClr>
+          </a:lnRef>
+          <a:fillRef idx="1">
+            <a:schemeClr val="accent1"/>
+          </a:fillRef>
+          <a:effectRef idx="0">
+            <a:schemeClr val="accent1"/>
+          </a:effectRef>
+          <a:fontRef idx="minor">
+            <a:schemeClr val="lt1"/>
+          </a:fontRef>
+        </p:style>
+        <p:txBody>
+          <a:bodyPr rtlCol="0" anchor="ctr"/>
+          <a:lstStyle/>
+          <a:p>
+            <a:pPr algn="ctr"/>
+            <a:endParaRPr lang="en-US"/>
+          </a:p>
+        </p:txBody>
+      </p:sp>
+      <p:sp>
+        <p:nvSpPr>
+          <p:cNvPr id="9" name="Title 1"/>
+          <p:cNvSpPr txBox="1">
+            <a:spLocks/>
+          </p:cNvSpPr>
+          <p:nvPr/>
+        </p:nvSpPr>
+        <p:spPr>
+          <a:xfrm>
+            <a:off x="975946" y="1560315"/>
+            <a:ext cx="4554416" cy="3380962"/>
+          </a:xfrm>
+          <a:prstGeom prst="rect">
+            <a:avLst/>
+          </a:prstGeom>
+        </p:spPr>
+        <p:txBody>
+          <a:bodyPr vert="horz" lIns="91440" tIns="45720" rIns="91440" bIns="45720" rtlCol="0" anchor="t">
+            <a:noAutofit/>
+          </a:bodyPr>
+          <a:lstStyle>
+            <a:lvl1pPr marL="0" algn="l" defTabSz="914400" rtl="0" eaLnBrk="1" latinLnBrk="0" hangingPunct="1">
+              <a:lnSpc>
+                <a:spcPct val="85000"/>
+              </a:lnSpc>
+              <a:spcBef>
+                <a:spcPct val="0"/>
+              </a:spcBef>
+              <a:buNone/>
+              <a:defRPr sz="4800" kern="1200" spc="-50" baseline="0">
+                <a:solidFill>
+                  <a:schemeClr val="tx1">
+                    <a:lumMod val="75000"/>
+                    <a:lumOff val="25000"/>
+                  </a:schemeClr>
+                </a:solidFill>
+                <a:latin typeface="+mj-lt"/>
+                <a:ea typeface="+mj-ea"/>
+                <a:cs typeface="+mj-cs"/>
+              </a:defRPr>
+            </a:lvl1pPr>
+          </a:lstStyle>
+          <a:p>
+            <a:r>
+              <a:rPr lang="fr-FR" sz="1600" b="1" dirty="0" err="1" smtClean="0"/>
+              <a:t>Features</a:t>
+            </a:r>
+            <a:r>
+              <a:rPr lang="fr-FR" sz="1600" b="1" dirty="0"/>
+              <a:t> engineering </a:t>
+            </a:r>
+            <a:r>
+              <a:rPr lang="fr-FR" sz="1600" b="1" dirty="0" smtClean="0"/>
+              <a:t>:</a:t>
+            </a:r>
+          </a:p>
+          <a:p>
+            <a:pPr marL="285750" indent="-285750">
+              <a:buFont typeface="Wingdings" panose="05000000000000000000" pitchFamily="2" charset="2"/>
+              <a:buChar char="Ø"/>
+            </a:pPr>
+            <a:endParaRPr lang="fr-FR" sz="1600" b="1" dirty="0" smtClean="0"/>
+          </a:p>
+          <a:p>
+            <a:pPr marL="285750" indent="-285750">
+              <a:buFont typeface="Wingdings" panose="05000000000000000000" pitchFamily="2" charset="2"/>
+              <a:buChar char="Ø"/>
+            </a:pPr>
+            <a:r>
+              <a:rPr lang="fr-FR" sz="1600" b="1" dirty="0" smtClean="0"/>
+              <a:t>La data est déjà très propre, aucun NA  pas de données hors normes</a:t>
+            </a:r>
+          </a:p>
+          <a:p>
+            <a:pPr marL="285750" indent="-285750">
+              <a:buFont typeface="Wingdings" panose="05000000000000000000" pitchFamily="2" charset="2"/>
+              <a:buChar char="Ø"/>
+            </a:pPr>
+            <a:endParaRPr lang="fr-FR" sz="1600" b="1" dirty="0" smtClean="0"/>
+          </a:p>
+          <a:p>
+            <a:pPr marL="285750" indent="-285750">
+              <a:buFont typeface="Wingdings" panose="05000000000000000000" pitchFamily="2" charset="2"/>
+              <a:buChar char="Ø"/>
+            </a:pPr>
+            <a:r>
+              <a:rPr lang="fr-FR" sz="1600" b="1" dirty="0" smtClean="0"/>
+              <a:t>Seulement des valeurs numériques</a:t>
+            </a:r>
+          </a:p>
+          <a:p>
+            <a:pPr marL="285750" indent="-285750">
+              <a:buFont typeface="Wingdings" panose="05000000000000000000" pitchFamily="2" charset="2"/>
+              <a:buChar char="Ø"/>
+            </a:pPr>
+            <a:endParaRPr lang="fr-FR" sz="1600" b="1" dirty="0" smtClean="0"/>
+          </a:p>
+          <a:p>
+            <a:pPr marL="285750" indent="-285750">
+              <a:buFont typeface="Wingdings" panose="05000000000000000000" pitchFamily="2" charset="2"/>
+              <a:buChar char="Ø"/>
+            </a:pPr>
+            <a:r>
+              <a:rPr lang="fr-FR" sz="1600" b="1" dirty="0" smtClean="0"/>
+              <a:t>Pas de création de variables imaginable, les données sont certes brutes mais trop abstraites </a:t>
+            </a:r>
+          </a:p>
+          <a:p>
+            <a:pPr marL="285750" indent="-285750">
+              <a:buFont typeface="Wingdings" panose="05000000000000000000" pitchFamily="2" charset="2"/>
+              <a:buChar char="Ø"/>
+            </a:pPr>
+            <a:endParaRPr lang="fr-FR" sz="1600" b="1" dirty="0" smtClean="0"/>
+          </a:p>
+          <a:p>
+            <a:pPr marL="285750" indent="-285750">
+              <a:buFont typeface="Wingdings" panose="05000000000000000000" pitchFamily="2" charset="2"/>
+              <a:buChar char="Ø"/>
+            </a:pPr>
+            <a:r>
+              <a:rPr lang="fr-FR" sz="1600" b="1" dirty="0" smtClean="0"/>
+              <a:t>Le meilleurs traitement à faire serait de retirer des variables car il y en a au total 561</a:t>
+            </a:r>
+            <a:endParaRPr lang="en-US" sz="1600" b="1" dirty="0"/>
+          </a:p>
+        </p:txBody>
+      </p:sp>
+      <p:pic>
+        <p:nvPicPr>
+          <p:cNvPr id="2" name="Picture 1"/>
+          <p:cNvPicPr>
+            <a:picLocks noChangeAspect="1"/>
+          </p:cNvPicPr>
+          <p:nvPr/>
+        </p:nvPicPr>
+        <p:blipFill>
+          <a:blip r:embed="rId2"/>
+          <a:stretch>
+            <a:fillRect/>
+          </a:stretch>
+        </p:blipFill>
+        <p:spPr>
+          <a:xfrm>
+            <a:off x="5796451" y="835268"/>
+            <a:ext cx="5826761" cy="5251752"/>
+          </a:xfrm>
+          <a:prstGeom prst="rect">
+            <a:avLst/>
+          </a:prstGeom>
+        </p:spPr>
+      </p:pic>
+    </p:spTree>
+    <p:extLst>
+      <p:ext uri="{BB962C8B-B14F-4D97-AF65-F5344CB8AC3E}">
+        <p14:creationId xmlns:p14="http://schemas.microsoft.com/office/powerpoint/2010/main" val="3118400759"/>
+      </p:ext>
+    </p:extLst>
+  </p:cSld>
+  <p:clrMapOvr>
+    <a:masterClrMapping/>
+  </p:clrMapOvr>
+  <p:timing>
+    <p:tnLst>
+      <p:par>
+        <p:cTn id="1" dur="indefinite" restart="never" nodeType="tmRoot"/>
+      </p:par>
+    </p:tnLst>
+  </p:timing>
+</p:sld>
+</file>
+
+<file path=ppt/slides/slide11.xml><?xml version="1.0" encoding="utf-8"?>
+<p:sld xmlns:a="http://schemas.openxmlformats.org/drawingml/2006/main" xmlns:r="http://schemas.openxmlformats.org/officeDocument/2006/relationships" xmlns:p="http://schemas.openxmlformats.org/presentationml/2006/main">
+  <p:cSld>
+    <p:spTree>
+      <p:nvGrpSpPr>
+        <p:cNvPr id="1" name=""/>
+        <p:cNvGrpSpPr/>
+        <p:nvPr/>
+      </p:nvGrpSpPr>
+      <p:grpSpPr>
+        <a:xfrm>
+          <a:off x="0" y="0"/>
+          <a:ext cx="0" cy="0"/>
+          <a:chOff x="0" y="0"/>
+          <a:chExt cx="0" cy="0"/>
+        </a:xfrm>
+      </p:grpSpPr>
+      <p:sp>
+        <p:nvSpPr>
+          <p:cNvPr id="5" name="Title 1"/>
+          <p:cNvSpPr txBox="1">
+            <a:spLocks/>
+          </p:cNvSpPr>
+          <p:nvPr/>
+        </p:nvSpPr>
+        <p:spPr>
+          <a:xfrm>
+            <a:off x="1097280" y="436072"/>
+            <a:ext cx="10058400" cy="522289"/>
+          </a:xfrm>
+          <a:prstGeom prst="rect">
+            <a:avLst/>
+          </a:prstGeom>
+        </p:spPr>
+        <p:txBody>
+          <a:bodyPr vert="horz" lIns="91440" tIns="45720" rIns="91440" bIns="45720" rtlCol="0" anchor="b">
+            <a:normAutofit/>
+          </a:bodyPr>
+          <a:lstStyle>
+            <a:lvl1pPr marL="0" algn="l" defTabSz="914400" rtl="0" eaLnBrk="1" latinLnBrk="0" hangingPunct="1">
+              <a:lnSpc>
+                <a:spcPct val="85000"/>
+              </a:lnSpc>
+              <a:spcBef>
+                <a:spcPct val="0"/>
+              </a:spcBef>
+              <a:buNone/>
+              <a:defRPr sz="4800" kern="1200" spc="-50" baseline="0">
+                <a:solidFill>
+                  <a:schemeClr val="tx1">
+                    <a:lumMod val="75000"/>
+                    <a:lumOff val="25000"/>
+                  </a:schemeClr>
+                </a:solidFill>
+                <a:latin typeface="+mj-lt"/>
+                <a:ea typeface="+mj-ea"/>
+                <a:cs typeface="+mj-cs"/>
+              </a:defRPr>
+            </a:lvl1pPr>
+          </a:lstStyle>
+          <a:p>
+            <a:pPr>
+              <a:lnSpc>
+                <a:spcPct val="100000"/>
+              </a:lnSpc>
+              <a:spcBef>
+                <a:spcPts val="0"/>
+              </a:spcBef>
+              <a:defRPr/>
+            </a:pPr>
+            <a:r>
+              <a:rPr lang="fr-FR" sz="2400" smtClean="0"/>
+              <a:t>3 ) Data visualisation et affinage prédiction</a:t>
+            </a:r>
+            <a:endParaRPr lang="en-US" sz="2400" dirty="0"/>
+          </a:p>
+        </p:txBody>
+      </p:sp>
+      <p:sp>
+        <p:nvSpPr>
+          <p:cNvPr id="6" name="Rectangle 5"/>
+          <p:cNvSpPr/>
+          <p:nvPr/>
+        </p:nvSpPr>
+        <p:spPr>
+          <a:xfrm>
+            <a:off x="975946" y="1661746"/>
+            <a:ext cx="10179734" cy="237392"/>
+          </a:xfrm>
+          <a:prstGeom prst="rect">
+            <a:avLst/>
+          </a:prstGeom>
+          <a:solidFill>
+            <a:schemeClr val="bg1"/>
+          </a:solidFill>
+          <a:ln>
+            <a:solidFill>
+              <a:schemeClr val="bg1"/>
+            </a:solidFill>
+          </a:ln>
+        </p:spPr>
+        <p:style>
+          <a:lnRef idx="2">
+            <a:schemeClr val="accent1">
+              <a:shade val="50000"/>
+            </a:schemeClr>
+          </a:lnRef>
+          <a:fillRef idx="1">
+            <a:schemeClr val="accent1"/>
+          </a:fillRef>
+          <a:effectRef idx="0">
+            <a:schemeClr val="accent1"/>
+          </a:effectRef>
+          <a:fontRef idx="minor">
+            <a:schemeClr val="lt1"/>
+          </a:fontRef>
+        </p:style>
+        <p:txBody>
+          <a:bodyPr rtlCol="0" anchor="ctr"/>
+          <a:lstStyle/>
+          <a:p>
+            <a:pPr algn="ctr"/>
+            <a:endParaRPr lang="en-US"/>
+          </a:p>
+        </p:txBody>
+      </p:sp>
+      <p:sp>
+        <p:nvSpPr>
+          <p:cNvPr id="7" name="Title 1"/>
+          <p:cNvSpPr txBox="1">
+            <a:spLocks/>
+          </p:cNvSpPr>
+          <p:nvPr/>
+        </p:nvSpPr>
+        <p:spPr>
+          <a:xfrm>
+            <a:off x="3508125" y="1747095"/>
+            <a:ext cx="2971806" cy="3380962"/>
+          </a:xfrm>
+          <a:prstGeom prst="rect">
+            <a:avLst/>
+          </a:prstGeom>
+        </p:spPr>
+        <p:txBody>
+          <a:bodyPr vert="horz" lIns="91440" tIns="45720" rIns="91440" bIns="45720" rtlCol="0" anchor="t">
+            <a:noAutofit/>
+          </a:bodyPr>
+          <a:lstStyle>
+            <a:lvl1pPr marL="0" algn="l" defTabSz="914400" rtl="0" eaLnBrk="1" latinLnBrk="0" hangingPunct="1">
+              <a:lnSpc>
+                <a:spcPct val="85000"/>
+              </a:lnSpc>
+              <a:spcBef>
+                <a:spcPct val="0"/>
+              </a:spcBef>
+              <a:buNone/>
+              <a:defRPr sz="4800" kern="1200" spc="-50" baseline="0">
+                <a:solidFill>
+                  <a:schemeClr val="tx1">
+                    <a:lumMod val="75000"/>
+                    <a:lumOff val="25000"/>
+                  </a:schemeClr>
+                </a:solidFill>
+                <a:latin typeface="+mj-lt"/>
+                <a:ea typeface="+mj-ea"/>
+                <a:cs typeface="+mj-cs"/>
+              </a:defRPr>
+            </a:lvl1pPr>
+          </a:lstStyle>
+          <a:p>
+            <a:r>
+              <a:rPr lang="fr-FR" sz="1600" b="1" dirty="0" err="1" smtClean="0"/>
+              <a:t>Features</a:t>
+            </a:r>
+            <a:r>
+              <a:rPr lang="fr-FR" sz="1600" b="1" dirty="0"/>
+              <a:t> engineering </a:t>
+            </a:r>
+            <a:r>
+              <a:rPr lang="fr-FR" sz="1600" b="1" dirty="0" smtClean="0"/>
+              <a:t>:</a:t>
+            </a:r>
+          </a:p>
+          <a:p>
+            <a:pPr marL="285750" indent="-285750">
+              <a:buFont typeface="Wingdings" panose="05000000000000000000" pitchFamily="2" charset="2"/>
+              <a:buChar char="Ø"/>
+            </a:pPr>
+            <a:endParaRPr lang="fr-FR" sz="1600" b="1" dirty="0" smtClean="0"/>
+          </a:p>
+          <a:p>
+            <a:pPr marL="285750" indent="-285750">
+              <a:buFont typeface="Wingdings" panose="05000000000000000000" pitchFamily="2" charset="2"/>
+              <a:buChar char="Ø"/>
+            </a:pPr>
+            <a:r>
+              <a:rPr lang="fr-FR" sz="1600" b="1" dirty="0" smtClean="0"/>
+              <a:t>En enlevant les postures intermédiaires qui sont présentes en sous nombre on améliore la prédiction</a:t>
+            </a:r>
+            <a:endParaRPr lang="en-US" sz="1600" b="1" dirty="0"/>
+          </a:p>
+        </p:txBody>
+      </p:sp>
+      <p:pic>
+        <p:nvPicPr>
+          <p:cNvPr id="8" name="Picture 7"/>
+          <p:cNvPicPr>
+            <a:picLocks noChangeAspect="1"/>
+          </p:cNvPicPr>
+          <p:nvPr/>
+        </p:nvPicPr>
+        <p:blipFill>
+          <a:blip r:embed="rId2"/>
+          <a:stretch>
+            <a:fillRect/>
+          </a:stretch>
+        </p:blipFill>
+        <p:spPr>
+          <a:xfrm>
+            <a:off x="894806" y="1661746"/>
+            <a:ext cx="2524477" cy="2838846"/>
+          </a:xfrm>
+          <a:prstGeom prst="rect">
+            <a:avLst/>
+          </a:prstGeom>
+        </p:spPr>
+      </p:pic>
+      <p:sp>
+        <p:nvSpPr>
+          <p:cNvPr id="9" name="Rectangle 8"/>
+          <p:cNvSpPr/>
+          <p:nvPr/>
+        </p:nvSpPr>
+        <p:spPr>
+          <a:xfrm>
+            <a:off x="1450427" y="3309768"/>
+            <a:ext cx="1213642" cy="1081454"/>
+          </a:xfrm>
+          <a:prstGeom prst="rect">
+            <a:avLst/>
+          </a:prstGeom>
+          <a:solidFill>
+            <a:srgbClr val="FF0000">
+              <a:alpha val="27843"/>
+            </a:srgbClr>
+          </a:solidFill>
+        </p:spPr>
+        <p:style>
+          <a:lnRef idx="2">
+            <a:schemeClr val="accent1">
+              <a:shade val="50000"/>
+            </a:schemeClr>
+          </a:lnRef>
+          <a:fillRef idx="1">
+            <a:schemeClr val="accent1"/>
+          </a:fillRef>
+          <a:effectRef idx="0">
+            <a:schemeClr val="accent1"/>
+          </a:effectRef>
+          <a:fontRef idx="minor">
+            <a:schemeClr val="lt1"/>
+          </a:fontRef>
+        </p:style>
+        <p:txBody>
+          <a:bodyPr rtlCol="0" anchor="ctr"/>
+          <a:lstStyle/>
+          <a:p>
+            <a:pPr algn="ctr"/>
+            <a:endParaRPr lang="en-US"/>
+          </a:p>
+        </p:txBody>
+      </p:sp>
+      <p:pic>
+        <p:nvPicPr>
+          <p:cNvPr id="10" name="Picture 9"/>
+          <p:cNvPicPr>
+            <a:picLocks noChangeAspect="1"/>
+          </p:cNvPicPr>
+          <p:nvPr/>
+        </p:nvPicPr>
+        <p:blipFill>
+          <a:blip r:embed="rId3"/>
+          <a:stretch>
+            <a:fillRect/>
+          </a:stretch>
+        </p:blipFill>
+        <p:spPr>
+          <a:xfrm>
+            <a:off x="894803" y="4599345"/>
+            <a:ext cx="5553850" cy="1057423"/>
+          </a:xfrm>
+          <a:prstGeom prst="rect">
+            <a:avLst/>
+          </a:prstGeom>
+        </p:spPr>
+      </p:pic>
+      <p:sp>
+        <p:nvSpPr>
+          <p:cNvPr id="11" name="Rectangle 10"/>
+          <p:cNvSpPr/>
+          <p:nvPr/>
+        </p:nvSpPr>
+        <p:spPr>
+          <a:xfrm>
+            <a:off x="756138" y="1512277"/>
+            <a:ext cx="5890847" cy="4492869"/>
+          </a:xfrm>
+          <a:prstGeom prst="rect">
+            <a:avLst/>
+          </a:prstGeom>
+          <a:noFill/>
+          <a:ln w="9525" cap="flat" cmpd="sng" algn="ctr">
+            <a:solidFill>
+              <a:schemeClr val="accent6"/>
+            </a:solidFill>
+            <a:prstDash val="solid"/>
+            <a:round/>
+            <a:headEnd type="none" w="med" len="med"/>
+            <a:tailEnd type="none" w="med" len="med"/>
+          </a:ln>
+        </p:spPr>
+        <p:style>
+          <a:lnRef idx="0">
+            <a:scrgbClr r="0" g="0" b="0"/>
+          </a:lnRef>
+          <a:fillRef idx="0">
+            <a:scrgbClr r="0" g="0" b="0"/>
+          </a:fillRef>
+          <a:effectRef idx="0">
+            <a:scrgbClr r="0" g="0" b="0"/>
+          </a:effectRef>
+          <a:fontRef idx="minor">
+            <a:schemeClr val="accent6"/>
+          </a:fontRef>
+        </p:style>
+        <p:txBody>
+          <a:bodyPr rtlCol="0" anchor="ctr"/>
+          <a:lstStyle/>
+          <a:p>
+            <a:pPr algn="ctr"/>
+            <a:endParaRPr lang="en-US"/>
+          </a:p>
+        </p:txBody>
+      </p:sp>
+      <p:pic>
+        <p:nvPicPr>
+          <p:cNvPr id="12" name="Picture 11"/>
+          <p:cNvPicPr>
+            <a:picLocks noChangeAspect="1"/>
+          </p:cNvPicPr>
+          <p:nvPr/>
+        </p:nvPicPr>
+        <p:blipFill>
+          <a:blip r:embed="rId4"/>
+          <a:stretch>
+            <a:fillRect/>
+          </a:stretch>
+        </p:blipFill>
+        <p:spPr>
+          <a:xfrm>
+            <a:off x="7202606" y="2179657"/>
+            <a:ext cx="3934374" cy="2419688"/>
+          </a:xfrm>
+          <a:prstGeom prst="rect">
+            <a:avLst/>
+          </a:prstGeom>
+        </p:spPr>
+      </p:pic>
+      <p:sp>
+        <p:nvSpPr>
+          <p:cNvPr id="13" name="Title 1"/>
+          <p:cNvSpPr txBox="1">
+            <a:spLocks/>
+          </p:cNvSpPr>
+          <p:nvPr/>
+        </p:nvSpPr>
+        <p:spPr>
+          <a:xfrm>
+            <a:off x="7675096" y="4737366"/>
+            <a:ext cx="2989393" cy="405516"/>
+          </a:xfrm>
+          <a:prstGeom prst="rect">
+            <a:avLst/>
+          </a:prstGeom>
+        </p:spPr>
+        <p:txBody>
+          <a:bodyPr vert="horz" lIns="91440" tIns="45720" rIns="91440" bIns="45720" rtlCol="0" anchor="t">
+            <a:noAutofit/>
+          </a:bodyPr>
+          <a:lstStyle>
+            <a:lvl1pPr marL="0" algn="l" defTabSz="914400" rtl="0" eaLnBrk="1" latinLnBrk="0" hangingPunct="1">
+              <a:lnSpc>
+                <a:spcPct val="85000"/>
+              </a:lnSpc>
+              <a:spcBef>
+                <a:spcPct val="0"/>
+              </a:spcBef>
+              <a:buNone/>
+              <a:defRPr sz="4800" kern="1200" spc="-50" baseline="0">
+                <a:solidFill>
+                  <a:schemeClr val="tx1">
+                    <a:lumMod val="75000"/>
+                    <a:lumOff val="25000"/>
+                  </a:schemeClr>
+                </a:solidFill>
+                <a:latin typeface="+mj-lt"/>
+                <a:ea typeface="+mj-ea"/>
+                <a:cs typeface="+mj-cs"/>
+              </a:defRPr>
+            </a:lvl1pPr>
+          </a:lstStyle>
+          <a:p>
+            <a:r>
+              <a:rPr lang="fr-FR" sz="1600" b="1" dirty="0" smtClean="0"/>
+              <a:t>Modèle SVC : 98.7 % de précision</a:t>
+            </a:r>
+            <a:endParaRPr lang="en-US" sz="1600" b="1" dirty="0"/>
+          </a:p>
+        </p:txBody>
+      </p:sp>
+      <p:sp>
+        <p:nvSpPr>
+          <p:cNvPr id="14" name="Rectangle 13"/>
+          <p:cNvSpPr/>
+          <p:nvPr/>
+        </p:nvSpPr>
+        <p:spPr>
+          <a:xfrm>
+            <a:off x="6761285" y="1747095"/>
+            <a:ext cx="4774223" cy="3677759"/>
+          </a:xfrm>
+          <a:prstGeom prst="rect">
+            <a:avLst/>
+          </a:prstGeom>
+          <a:noFill/>
+          <a:ln w="9525" cap="flat" cmpd="sng" algn="ctr">
+            <a:solidFill>
+              <a:schemeClr val="accent6"/>
+            </a:solidFill>
+            <a:prstDash val="solid"/>
+            <a:round/>
+            <a:headEnd type="none" w="med" len="med"/>
+            <a:tailEnd type="none" w="med" len="med"/>
+          </a:ln>
+        </p:spPr>
+        <p:style>
+          <a:lnRef idx="0">
+            <a:scrgbClr r="0" g="0" b="0"/>
+          </a:lnRef>
+          <a:fillRef idx="0">
+            <a:scrgbClr r="0" g="0" b="0"/>
+          </a:fillRef>
+          <a:effectRef idx="0">
+            <a:scrgbClr r="0" g="0" b="0"/>
+          </a:effectRef>
+          <a:fontRef idx="minor">
+            <a:schemeClr val="accent6"/>
+          </a:fontRef>
+        </p:style>
+        <p:txBody>
+          <a:bodyPr rtlCol="0" anchor="ctr"/>
+          <a:lstStyle/>
+          <a:p>
+            <a:pPr algn="ctr"/>
+            <a:endParaRPr lang="en-US"/>
+          </a:p>
+        </p:txBody>
+      </p:sp>
+    </p:spTree>
+    <p:extLst>
+      <p:ext uri="{BB962C8B-B14F-4D97-AF65-F5344CB8AC3E}">
+        <p14:creationId xmlns:p14="http://schemas.microsoft.com/office/powerpoint/2010/main" val="1383090784"/>
       </p:ext>
     </p:extLst>
   </p:cSld>
@@ -3920,6 +4744,103 @@
           <a:lstStyle/>
           <a:p>
             <a:r>
+              <a:rPr lang="fr-FR" dirty="0" smtClean="0"/>
+              <a:t>Objectif</a:t>
+            </a:r>
+            <a:endParaRPr lang="en-US" dirty="0"/>
+          </a:p>
+        </p:txBody>
+      </p:sp>
+      <p:sp>
+        <p:nvSpPr>
+          <p:cNvPr id="3" name="Content Placeholder 2"/>
+          <p:cNvSpPr>
+            <a:spLocks noGrp="1"/>
+          </p:cNvSpPr>
+          <p:nvPr>
+            <p:ph idx="1"/>
+          </p:nvPr>
+        </p:nvSpPr>
+        <p:spPr/>
+        <p:txBody>
+          <a:bodyPr/>
+          <a:lstStyle/>
+          <a:p>
+            <a:r>
+              <a:rPr lang="fr-FR" dirty="0" smtClean="0"/>
+              <a:t>A partir d’un </a:t>
+            </a:r>
+            <a:r>
+              <a:rPr lang="fr-FR" dirty="0" err="1" smtClean="0"/>
+              <a:t>dataset</a:t>
+            </a:r>
+            <a:r>
+              <a:rPr lang="fr-FR" dirty="0" smtClean="0"/>
+              <a:t> de 11k observations de 561 variables issues de différents capteurs d’un téléphone accroché à une ceinture sur 30 individus différents.</a:t>
+            </a:r>
+            <a:endParaRPr lang="en-US" dirty="0" smtClean="0"/>
+          </a:p>
+          <a:p>
+            <a:r>
+              <a:rPr lang="fr-FR" dirty="0" smtClean="0"/>
+              <a:t>&gt; Déterminer l’une des 12 postures labellisées</a:t>
+            </a:r>
+          </a:p>
+        </p:txBody>
+      </p:sp>
+    </p:spTree>
+    <p:extLst>
+      <p:ext uri="{BB962C8B-B14F-4D97-AF65-F5344CB8AC3E}">
+        <p14:creationId xmlns:p14="http://schemas.microsoft.com/office/powerpoint/2010/main" val="1931724407"/>
+      </p:ext>
+    </p:extLst>
+  </p:cSld>
+  <p:clrMapOvr>
+    <a:masterClrMapping/>
+  </p:clrMapOvr>
+  <p:timing>
+    <p:tnLst>
+      <p:par>
+        <p:cTn id="1" dur="indefinite" restart="never" nodeType="tmRoot"/>
+      </p:par>
+    </p:tnLst>
+  </p:timing>
+</p:sld>
+</file>
+
+<file path=ppt/slides/slide3.xml><?xml version="1.0" encoding="utf-8"?>
+<p:sld xmlns:a="http://schemas.openxmlformats.org/drawingml/2006/main" xmlns:r="http://schemas.openxmlformats.org/officeDocument/2006/relationships" xmlns:p="http://schemas.openxmlformats.org/presentationml/2006/main">
+  <p:cSld>
+    <p:spTree>
+      <p:nvGrpSpPr>
+        <p:cNvPr id="1" name=""/>
+        <p:cNvGrpSpPr/>
+        <p:nvPr/>
+      </p:nvGrpSpPr>
+      <p:grpSpPr>
+        <a:xfrm>
+          <a:off x="0" y="0"/>
+          <a:ext cx="0" cy="0"/>
+          <a:chOff x="0" y="0"/>
+          <a:chExt cx="0" cy="0"/>
+        </a:xfrm>
+      </p:grpSpPr>
+      <p:sp>
+        <p:nvSpPr>
+          <p:cNvPr id="2" name="Title 1"/>
+          <p:cNvSpPr>
+            <a:spLocks noGrp="1"/>
+          </p:cNvSpPr>
+          <p:nvPr>
+            <p:ph type="title"/>
+          </p:nvPr>
+        </p:nvSpPr>
+        <p:spPr/>
+        <p:txBody>
+          <a:bodyPr/>
+          <a:lstStyle/>
+          <a:p>
+            <a:r>
               <a:rPr lang="fr-FR" dirty="0" err="1" smtClean="0"/>
               <a:t>Process</a:t>
             </a:r>
@@ -3937,7 +4858,7 @@
             <p:ph idx="1"/>
             <p:extLst>
               <p:ext uri="{D42A27DB-BD31-4B8C-83A1-F6EECF244321}">
-                <p14:modId xmlns:p14="http://schemas.microsoft.com/office/powerpoint/2010/main" val="539319774"/>
+                <p14:modId xmlns:p14="http://schemas.microsoft.com/office/powerpoint/2010/main" val="402711857"/>
               </p:ext>
             </p:extLst>
           </p:nvPr>
@@ -3989,12 +4910,16 @@
                     <a:lstStyle/>
                     <a:p>
                       <a:r>
-                        <a:rPr lang="fr-FR" smtClean="0"/>
+                        <a:rPr lang="fr-FR" dirty="0" smtClean="0"/>
                         <a:t>Intégration</a:t>
                       </a:r>
                       <a:r>
-                        <a:rPr lang="fr-FR" baseline="0" smtClean="0"/>
-                        <a:t> DataSet</a:t>
+                        <a:rPr lang="fr-FR" baseline="0" dirty="0" smtClean="0"/>
+                        <a:t> </a:t>
+                      </a:r>
+                      <a:r>
+                        <a:rPr lang="fr-FR" baseline="0" dirty="0" err="1" smtClean="0"/>
+                        <a:t>DataSet</a:t>
                       </a:r>
                       <a:endParaRPr lang="en-US" dirty="0"/>
                     </a:p>
@@ -4775,242 +5700,6 @@
 </p:sld>
 </file>
 
-<file path=ppt/slides/slide3.xml><?xml version="1.0" encoding="utf-8"?>
-<p:sld xmlns:a="http://schemas.openxmlformats.org/drawingml/2006/main" xmlns:r="http://schemas.openxmlformats.org/officeDocument/2006/relationships" xmlns:p="http://schemas.openxmlformats.org/presentationml/2006/main">
-  <p:cSld>
-    <p:spTree>
-      <p:nvGrpSpPr>
-        <p:cNvPr id="1" name=""/>
-        <p:cNvGrpSpPr/>
-        <p:nvPr/>
-      </p:nvGrpSpPr>
-      <p:grpSpPr>
-        <a:xfrm>
-          <a:off x="0" y="0"/>
-          <a:ext cx="0" cy="0"/>
-          <a:chOff x="0" y="0"/>
-          <a:chExt cx="0" cy="0"/>
-        </a:xfrm>
-      </p:grpSpPr>
-      <p:sp>
-        <p:nvSpPr>
-          <p:cNvPr id="2" name="Title 1"/>
-          <p:cNvSpPr>
-            <a:spLocks noGrp="1"/>
-          </p:cNvSpPr>
-          <p:nvPr>
-            <p:ph type="title"/>
-          </p:nvPr>
-        </p:nvSpPr>
-        <p:spPr>
-          <a:xfrm>
-            <a:off x="1097280" y="436072"/>
-            <a:ext cx="10058400" cy="522289"/>
-          </a:xfrm>
-        </p:spPr>
-        <p:txBody>
-          <a:bodyPr>
-            <a:normAutofit/>
-          </a:bodyPr>
-          <a:lstStyle/>
-          <a:p>
-            <a:r>
-              <a:rPr lang="fr-FR" sz="2400" dirty="0"/>
-              <a:t>1 ) </a:t>
-            </a:r>
-            <a:r>
-              <a:rPr lang="fr-FR" sz="2400" dirty="0" smtClean="0"/>
-              <a:t>Préparation </a:t>
-            </a:r>
-            <a:r>
-              <a:rPr lang="fr-FR" sz="2400" dirty="0"/>
-              <a:t>environnement &amp; 1</a:t>
-            </a:r>
-            <a:r>
-              <a:rPr lang="fr-FR" sz="2400" baseline="30000" dirty="0"/>
-              <a:t>ère</a:t>
-            </a:r>
-            <a:r>
-              <a:rPr lang="fr-FR" sz="2400" dirty="0"/>
-              <a:t> </a:t>
-            </a:r>
-            <a:r>
-              <a:rPr lang="fr-FR" sz="2400" dirty="0" smtClean="0"/>
-              <a:t>prédiction</a:t>
-            </a:r>
-            <a:endParaRPr lang="en-US" sz="2400" dirty="0"/>
-          </a:p>
-        </p:txBody>
-      </p:sp>
-      <p:pic>
-        <p:nvPicPr>
-          <p:cNvPr id="4" name="Content Placeholder 3"/>
-          <p:cNvPicPr>
-            <a:picLocks noGrp="1" noChangeAspect="1"/>
-          </p:cNvPicPr>
-          <p:nvPr>
-            <p:ph idx="1"/>
-          </p:nvPr>
-        </p:nvPicPr>
-        <p:blipFill>
-          <a:blip r:embed="rId2"/>
-          <a:stretch>
-            <a:fillRect/>
-          </a:stretch>
-        </p:blipFill>
-        <p:spPr>
-          <a:xfrm>
-            <a:off x="1097280" y="1286694"/>
-            <a:ext cx="10058400" cy="3559247"/>
-          </a:xfrm>
-          <a:prstGeom prst="rect">
-            <a:avLst/>
-          </a:prstGeom>
-          <a:ln>
-            <a:solidFill>
-              <a:schemeClr val="tx1"/>
-            </a:solidFill>
-          </a:ln>
-        </p:spPr>
-      </p:pic>
-      <p:sp>
-        <p:nvSpPr>
-          <p:cNvPr id="5" name="Title 1"/>
-          <p:cNvSpPr txBox="1">
-            <a:spLocks/>
-          </p:cNvSpPr>
-          <p:nvPr/>
-        </p:nvSpPr>
-        <p:spPr>
-          <a:xfrm>
-            <a:off x="1097280" y="5097767"/>
-            <a:ext cx="10058400" cy="933756"/>
-          </a:xfrm>
-          <a:prstGeom prst="rect">
-            <a:avLst/>
-          </a:prstGeom>
-        </p:spPr>
-        <p:txBody>
-          <a:bodyPr vert="horz" lIns="91440" tIns="45720" rIns="91440" bIns="45720" rtlCol="0" anchor="b">
-            <a:normAutofit/>
-          </a:bodyPr>
-          <a:lstStyle>
-            <a:lvl1pPr marL="0" algn="l" defTabSz="914400" rtl="0" eaLnBrk="1" latinLnBrk="0" hangingPunct="1">
-              <a:lnSpc>
-                <a:spcPct val="85000"/>
-              </a:lnSpc>
-              <a:spcBef>
-                <a:spcPct val="0"/>
-              </a:spcBef>
-              <a:buNone/>
-              <a:defRPr sz="4800" kern="1200" spc="-50" baseline="0">
-                <a:solidFill>
-                  <a:schemeClr val="tx1">
-                    <a:lumMod val="75000"/>
-                    <a:lumOff val="25000"/>
-                  </a:schemeClr>
-                </a:solidFill>
-                <a:latin typeface="+mj-lt"/>
-                <a:ea typeface="+mj-ea"/>
-                <a:cs typeface="+mj-cs"/>
-              </a:defRPr>
-            </a:lvl1pPr>
-          </a:lstStyle>
-          <a:p>
-            <a:pPr marL="285750" indent="-285750">
-              <a:buFont typeface="Wingdings" panose="05000000000000000000" pitchFamily="2" charset="2"/>
-              <a:buChar char="Ø"/>
-            </a:pPr>
-            <a:r>
-              <a:rPr lang="fr-FR" sz="1800" dirty="0" smtClean="0"/>
-              <a:t>Import des données et création du train-test</a:t>
-            </a:r>
-          </a:p>
-          <a:p>
-            <a:endParaRPr lang="fr-FR" sz="1800" dirty="0" smtClean="0"/>
-          </a:p>
-          <a:p>
-            <a:r>
-              <a:rPr lang="fr-FR" sz="1800" dirty="0" smtClean="0"/>
-              <a:t>11k observations et 561 variables</a:t>
-            </a:r>
-            <a:endParaRPr lang="en-US" sz="1800" dirty="0"/>
-          </a:p>
-        </p:txBody>
-      </p:sp>
-      <p:sp>
-        <p:nvSpPr>
-          <p:cNvPr id="6" name="Title 1"/>
-          <p:cNvSpPr txBox="1">
-            <a:spLocks/>
-          </p:cNvSpPr>
-          <p:nvPr/>
-        </p:nvSpPr>
-        <p:spPr>
-          <a:xfrm>
-            <a:off x="10277035" y="49015"/>
-            <a:ext cx="1757289" cy="522289"/>
-          </a:xfrm>
-          <a:prstGeom prst="rect">
-            <a:avLst/>
-          </a:prstGeom>
-        </p:spPr>
-        <p:txBody>
-          <a:bodyPr vert="horz" lIns="91440" tIns="45720" rIns="91440" bIns="45720" rtlCol="0" anchor="b">
-            <a:normAutofit/>
-          </a:bodyPr>
-          <a:lstStyle>
-            <a:lvl1pPr marL="0" algn="l" defTabSz="914400" rtl="0" eaLnBrk="1" latinLnBrk="0" hangingPunct="1">
-              <a:lnSpc>
-                <a:spcPct val="85000"/>
-              </a:lnSpc>
-              <a:spcBef>
-                <a:spcPct val="0"/>
-              </a:spcBef>
-              <a:buNone/>
-              <a:defRPr sz="4800" kern="1200" spc="-50" baseline="0">
-                <a:solidFill>
-                  <a:schemeClr val="tx1">
-                    <a:lumMod val="75000"/>
-                    <a:lumOff val="25000"/>
-                  </a:schemeClr>
-                </a:solidFill>
-                <a:latin typeface="+mj-lt"/>
-                <a:ea typeface="+mj-ea"/>
-                <a:cs typeface="+mj-cs"/>
-              </a:defRPr>
-            </a:lvl1pPr>
-          </a:lstStyle>
-          <a:p>
-            <a:pPr algn="r"/>
-            <a:r>
-              <a:rPr lang="fr-FR" sz="2800" b="1" dirty="0" smtClean="0"/>
-              <a:t>IMPORT</a:t>
-            </a:r>
-            <a:endParaRPr lang="en-US" sz="2800" b="1" dirty="0"/>
-          </a:p>
-        </p:txBody>
-      </p:sp>
-    </p:spTree>
-    <p:extLst>
-      <p:ext uri="{BB962C8B-B14F-4D97-AF65-F5344CB8AC3E}">
-        <p14:creationId xmlns:p14="http://schemas.microsoft.com/office/powerpoint/2010/main" val="2409333925"/>
-      </p:ext>
-    </p:extLst>
-  </p:cSld>
-  <p:clrMapOvr>
-    <a:masterClrMapping/>
-  </p:clrMapOvr>
-  <p:timing>
-    <p:tnLst>
-      <p:par>
-        <p:cTn id="1" dur="indefinite" restart="never" nodeType="tmRoot"/>
-      </p:par>
-    </p:tnLst>
-  </p:timing>
-</p:sld>
-</file>
-
 <file path=ppt/slides/slide4.xml><?xml version="1.0" encoding="utf-8"?>
 <p:sld xmlns:a="http://schemas.openxmlformats.org/drawingml/2006/main" xmlns:r="http://schemas.openxmlformats.org/officeDocument/2006/relationships" xmlns:p="http://schemas.openxmlformats.org/presentationml/2006/main">
   <p:cSld>
@@ -5030,7 +5719,7 @@
       </p:grpSpPr>
       <p:sp>
         <p:nvSpPr>
-          <p:cNvPr id="5" name="Title 1"/>
+          <p:cNvPr id="2" name="Title 1"/>
           <p:cNvSpPr>
             <a:spLocks noGrp="1"/>
           </p:cNvSpPr>
@@ -5078,9 +5767,40 @@
           </a:p>
         </p:txBody>
       </p:sp>
-      <p:sp>
-        <p:nvSpPr>
-          <p:cNvPr id="6" name="Title 1"/>
+      <p:pic>
+        <p:nvPicPr>
+          <p:cNvPr id="4" name="Content Placeholder 3"/>
+          <p:cNvPicPr>
+            <a:picLocks noGrp="1" noChangeAspect="1"/>
+          </p:cNvPicPr>
+          <p:nvPr>
+            <p:ph idx="1"/>
+          </p:nvPr>
+        </p:nvPicPr>
+        <p:blipFill>
+          <a:blip r:embed="rId2"/>
+          <a:stretch>
+            <a:fillRect/>
+          </a:stretch>
+        </p:blipFill>
+        <p:spPr>
+          <a:xfrm>
+            <a:off x="1097280" y="1286694"/>
+            <a:ext cx="10058400" cy="3559247"/>
+          </a:xfrm>
+          <a:prstGeom prst="rect">
+            <a:avLst/>
+          </a:prstGeom>
+          <a:ln>
+            <a:solidFill>
+              <a:schemeClr val="tx1"/>
+            </a:solidFill>
+          </a:ln>
+        </p:spPr>
+      </p:pic>
+      <p:sp>
+        <p:nvSpPr>
+          <p:cNvPr id="5" name="Title 1"/>
           <p:cNvSpPr txBox="1">
             <a:spLocks/>
           </p:cNvSpPr>
@@ -5128,7 +5848,7 @@
             </a:pPr>
             <a:r>
               <a:rPr lang="fr-FR" sz="1800" dirty="0" smtClean="0"/>
-              <a:t>Premier modèle de test non paramétré</a:t>
+              <a:t>Import des données et création du train-test</a:t>
             </a:r>
           </a:p>
           <a:p>
@@ -5137,7 +5857,7 @@
           <a:p>
             <a:r>
               <a:rPr lang="fr-FR" sz="1800" dirty="0" smtClean="0"/>
-              <a:t>Régression logistique avec 94,7 % de précision pour un temps d’exécution de 77 secondes</a:t>
+              <a:t>11k observations et 561 variables</a:t>
             </a:r>
             <a:endParaRPr lang="en-US" sz="1800" dirty="0"/>
           </a:p>
@@ -5145,113 +5865,7 @@
       </p:sp>
       <p:sp>
         <p:nvSpPr>
-          <p:cNvPr id="8" name="Rectangle 7"/>
-          <p:cNvSpPr/>
-          <p:nvPr/>
-        </p:nvSpPr>
-        <p:spPr>
-          <a:xfrm>
-            <a:off x="7262446" y="1705708"/>
-            <a:ext cx="3893234" cy="193430"/>
-          </a:xfrm>
-          <a:prstGeom prst="rect">
-            <a:avLst/>
-          </a:prstGeom>
-          <a:solidFill>
-            <a:schemeClr val="bg1"/>
-          </a:solidFill>
-          <a:ln>
-            <a:solidFill>
-              <a:schemeClr val="bg1"/>
-            </a:solidFill>
-          </a:ln>
-        </p:spPr>
-        <p:style>
-          <a:lnRef idx="2">
-            <a:schemeClr val="accent1">
-              <a:shade val="50000"/>
-            </a:schemeClr>
-          </a:lnRef>
-          <a:fillRef idx="1">
-            <a:schemeClr val="accent1"/>
-          </a:fillRef>
-          <a:effectRef idx="0">
-            <a:schemeClr val="accent1"/>
-          </a:effectRef>
-          <a:fontRef idx="minor">
-            <a:schemeClr val="lt1"/>
-          </a:fontRef>
-        </p:style>
-        <p:txBody>
-          <a:bodyPr rtlCol="0" anchor="ctr"/>
-          <a:lstStyle/>
-          <a:p>
-            <a:pPr algn="ctr"/>
-            <a:endParaRPr lang="en-US"/>
-          </a:p>
-        </p:txBody>
-      </p:sp>
-      <p:pic>
-        <p:nvPicPr>
-          <p:cNvPr id="9" name="Picture 8"/>
-          <p:cNvPicPr>
-            <a:picLocks noChangeAspect="1"/>
-          </p:cNvPicPr>
-          <p:nvPr/>
-        </p:nvPicPr>
-        <p:blipFill>
-          <a:blip r:embed="rId2"/>
-          <a:stretch>
-            <a:fillRect/>
-          </a:stretch>
-        </p:blipFill>
-        <p:spPr>
-          <a:xfrm>
-            <a:off x="1097280" y="1209554"/>
-            <a:ext cx="6261882" cy="3888213"/>
-          </a:xfrm>
-          <a:prstGeom prst="rect">
-            <a:avLst/>
-          </a:prstGeom>
-          <a:ln>
-            <a:solidFill>
-              <a:schemeClr val="tx1"/>
-            </a:solidFill>
-          </a:ln>
-        </p:spPr>
-      </p:pic>
-      <p:pic>
-        <p:nvPicPr>
-          <p:cNvPr id="10" name="Picture 9"/>
-          <p:cNvPicPr>
-            <a:picLocks noChangeAspect="1"/>
-          </p:cNvPicPr>
-          <p:nvPr/>
-        </p:nvPicPr>
-        <p:blipFill>
-          <a:blip r:embed="rId3"/>
-          <a:stretch>
-            <a:fillRect/>
-          </a:stretch>
-        </p:blipFill>
-        <p:spPr>
-          <a:xfrm>
-            <a:off x="7473495" y="1209554"/>
-            <a:ext cx="4044427" cy="3031294"/>
-          </a:xfrm>
-          <a:prstGeom prst="rect">
-            <a:avLst/>
-          </a:prstGeom>
-          <a:ln>
-            <a:solidFill>
-              <a:schemeClr val="tx1"/>
-            </a:solidFill>
-          </a:ln>
-        </p:spPr>
-      </p:pic>
-      <p:sp>
-        <p:nvSpPr>
-          <p:cNvPr id="11" name="Title 1"/>
+          <p:cNvPr id="6" name="Title 1"/>
           <p:cNvSpPr txBox="1">
             <a:spLocks/>
           </p:cNvSpPr>
@@ -5296,7 +5910,7 @@
             <a:pPr algn="r"/>
             <a:r>
               <a:rPr lang="fr-FR" sz="2800" b="1" dirty="0" smtClean="0"/>
-              <a:t>MODEL</a:t>
+              <a:t>IMPORT</a:t>
             </a:r>
             <a:endParaRPr lang="en-US" sz="2800" b="1" dirty="0"/>
           </a:p>
@@ -5305,7 +5919,7 @@
     </p:spTree>
     <p:extLst>
       <p:ext uri="{BB962C8B-B14F-4D97-AF65-F5344CB8AC3E}">
-        <p14:creationId xmlns:p14="http://schemas.microsoft.com/office/powerpoint/2010/main" val="3919804062"/>
+        <p14:creationId xmlns:p14="http://schemas.microsoft.com/office/powerpoint/2010/main" val="2409333925"/>
       </p:ext>
     </p:extLst>
   </p:cSld>
@@ -5341,14 +5955,129 @@
       </p:grpSpPr>
       <p:sp>
         <p:nvSpPr>
-          <p:cNvPr id="6" name="Rectangle 5"/>
+          <p:cNvPr id="5" name="Title 1"/>
+          <p:cNvSpPr>
+            <a:spLocks noGrp="1"/>
+          </p:cNvSpPr>
+          <p:nvPr>
+            <p:ph type="title"/>
+          </p:nvPr>
+        </p:nvSpPr>
+        <p:spPr>
+          <a:xfrm>
+            <a:off x="1097280" y="436072"/>
+            <a:ext cx="10058400" cy="522289"/>
+          </a:xfrm>
+        </p:spPr>
+        <p:txBody>
+          <a:bodyPr>
+            <a:normAutofit/>
+          </a:bodyPr>
+          <a:lstStyle/>
+          <a:p>
+            <a:r>
+              <a:rPr lang="fr-FR" sz="2400" dirty="0"/>
+              <a:t>1 ) </a:t>
+            </a:r>
+            <a:r>
+              <a:rPr lang="fr-FR" sz="2400" dirty="0" smtClean="0"/>
+              <a:t>Préparation </a:t>
+            </a:r>
+            <a:r>
+              <a:rPr lang="fr-FR" sz="2400" dirty="0"/>
+              <a:t>environnement &amp; 1</a:t>
+            </a:r>
+            <a:r>
+              <a:rPr lang="fr-FR" sz="2400" baseline="30000" dirty="0"/>
+              <a:t>ère</a:t>
+            </a:r>
+            <a:r>
+              <a:rPr lang="fr-FR" sz="2400" dirty="0"/>
+              <a:t> </a:t>
+            </a:r>
+            <a:r>
+              <a:rPr lang="fr-FR" sz="2400" dirty="0" smtClean="0"/>
+              <a:t>prédiction</a:t>
+            </a:r>
+            <a:endParaRPr lang="en-US" sz="2400" dirty="0"/>
+          </a:p>
+        </p:txBody>
+      </p:sp>
+      <p:sp>
+        <p:nvSpPr>
+          <p:cNvPr id="6" name="Title 1"/>
+          <p:cNvSpPr txBox="1">
+            <a:spLocks/>
+          </p:cNvSpPr>
+          <p:nvPr/>
+        </p:nvSpPr>
+        <p:spPr>
+          <a:xfrm>
+            <a:off x="1097280" y="5097767"/>
+            <a:ext cx="10058400" cy="933756"/>
+          </a:xfrm>
+          <a:prstGeom prst="rect">
+            <a:avLst/>
+          </a:prstGeom>
+        </p:spPr>
+        <p:txBody>
+          <a:bodyPr vert="horz" lIns="91440" tIns="45720" rIns="91440" bIns="45720" rtlCol="0" anchor="b">
+            <a:normAutofit/>
+          </a:bodyPr>
+          <a:lstStyle>
+            <a:lvl1pPr marL="0" algn="l" defTabSz="914400" rtl="0" eaLnBrk="1" latinLnBrk="0" hangingPunct="1">
+              <a:lnSpc>
+                <a:spcPct val="85000"/>
+              </a:lnSpc>
+              <a:spcBef>
+                <a:spcPct val="0"/>
+              </a:spcBef>
+              <a:buNone/>
+              <a:defRPr sz="4800" kern="1200" spc="-50" baseline="0">
+                <a:solidFill>
+                  <a:schemeClr val="tx1">
+                    <a:lumMod val="75000"/>
+                    <a:lumOff val="25000"/>
+                  </a:schemeClr>
+                </a:solidFill>
+                <a:latin typeface="+mj-lt"/>
+                <a:ea typeface="+mj-ea"/>
+                <a:cs typeface="+mj-cs"/>
+              </a:defRPr>
+            </a:lvl1pPr>
+          </a:lstStyle>
+          <a:p>
+            <a:pPr marL="285750" indent="-285750">
+              <a:buFont typeface="Wingdings" panose="05000000000000000000" pitchFamily="2" charset="2"/>
+              <a:buChar char="Ø"/>
+            </a:pPr>
+            <a:r>
+              <a:rPr lang="fr-FR" sz="1800" dirty="0" smtClean="0"/>
+              <a:t>Premier modèle de test non paramétré</a:t>
+            </a:r>
+          </a:p>
+          <a:p>
+            <a:endParaRPr lang="fr-FR" sz="1800" dirty="0" smtClean="0"/>
+          </a:p>
+          <a:p>
+            <a:r>
+              <a:rPr lang="fr-FR" sz="1800" dirty="0" smtClean="0"/>
+              <a:t>Régression logistique avec 94,7 % de précision pour un temps d’exécution de 77 secondes</a:t>
+            </a:r>
+            <a:endParaRPr lang="en-US" sz="1800" dirty="0"/>
+          </a:p>
+        </p:txBody>
+      </p:sp>
+      <p:sp>
+        <p:nvSpPr>
+          <p:cNvPr id="8" name="Rectangle 7"/>
           <p:cNvSpPr/>
           <p:nvPr/>
         </p:nvSpPr>
         <p:spPr>
           <a:xfrm>
-            <a:off x="975946" y="1661746"/>
-            <a:ext cx="10179734" cy="237392"/>
+            <a:off x="7262446" y="1705708"/>
+            <a:ext cx="3893234" cy="193430"/>
           </a:xfrm>
           <a:prstGeom prst="rect">
             <a:avLst/>
@@ -5389,7 +6118,7 @@
       </p:sp>
       <p:pic>
         <p:nvPicPr>
-          <p:cNvPr id="4" name="Picture 3"/>
+          <p:cNvPr id="9" name="Picture 8"/>
           <p:cNvPicPr>
             <a:picLocks noChangeAspect="1"/>
           </p:cNvPicPr>
@@ -5403,8 +6132,8 @@
         </p:blipFill>
         <p:spPr>
           <a:xfrm>
-            <a:off x="1961321" y="1309272"/>
-            <a:ext cx="4887007" cy="704948"/>
+            <a:off x="1097280" y="1209554"/>
+            <a:ext cx="6261882" cy="3888213"/>
           </a:xfrm>
           <a:prstGeom prst="rect">
             <a:avLst/>
@@ -5416,76 +6145,55 @@
           </a:ln>
         </p:spPr>
       </p:pic>
-      <p:sp>
-        <p:nvSpPr>
-          <p:cNvPr id="5" name="Title 1"/>
-          <p:cNvSpPr>
-            <a:spLocks noGrp="1"/>
-          </p:cNvSpPr>
-          <p:nvPr>
-            <p:ph type="title"/>
-          </p:nvPr>
-        </p:nvSpPr>
-        <p:spPr>
-          <a:xfrm>
-            <a:off x="1097280" y="436072"/>
-            <a:ext cx="10058400" cy="522289"/>
-          </a:xfrm>
-        </p:spPr>
-        <p:txBody>
-          <a:bodyPr>
-            <a:normAutofit/>
-          </a:bodyPr>
-          <a:lstStyle/>
-          <a:p>
-            <a:r>
-              <a:rPr lang="fr-FR" sz="2400" dirty="0"/>
-              <a:t>1 ) </a:t>
-            </a:r>
-            <a:r>
-              <a:rPr lang="fr-FR" sz="2400" dirty="0" smtClean="0"/>
-              <a:t>Préparation </a:t>
-            </a:r>
-            <a:r>
-              <a:rPr lang="fr-FR" sz="2400" dirty="0"/>
-              <a:t>environnement &amp; 1</a:t>
-            </a:r>
-            <a:r>
-              <a:rPr lang="fr-FR" sz="2400" baseline="30000" dirty="0"/>
-              <a:t>ère</a:t>
-            </a:r>
-            <a:r>
-              <a:rPr lang="fr-FR" sz="2400" dirty="0"/>
-              <a:t> </a:t>
-            </a:r>
-            <a:r>
-              <a:rPr lang="fr-FR" sz="2400" dirty="0" smtClean="0"/>
-              <a:t>prédiction</a:t>
-            </a:r>
-            <a:endParaRPr lang="en-US" sz="2400" dirty="0"/>
-          </a:p>
-        </p:txBody>
-      </p:sp>
-      <p:sp>
-        <p:nvSpPr>
-          <p:cNvPr id="7" name="Title 1"/>
-          <p:cNvSpPr txBox="1">
-            <a:spLocks/>
-          </p:cNvSpPr>
+      <p:pic>
+        <p:nvPicPr>
+          <p:cNvPr id="10" name="Picture 9"/>
+          <p:cNvPicPr>
+            <a:picLocks noChangeAspect="1"/>
+          </p:cNvPicPr>
           <p:nvPr/>
-        </p:nvSpPr>
-        <p:spPr>
-          <a:xfrm>
-            <a:off x="1961321" y="2103987"/>
-            <a:ext cx="1706587" cy="261144"/>
+        </p:nvPicPr>
+        <p:blipFill>
+          <a:blip r:embed="rId3"/>
+          <a:stretch>
+            <a:fillRect/>
+          </a:stretch>
+        </p:blipFill>
+        <p:spPr>
+          <a:xfrm>
+            <a:off x="7473495" y="1209554"/>
+            <a:ext cx="4044427" cy="3031294"/>
           </a:xfrm>
           <a:prstGeom prst="rect">
             <a:avLst/>
           </a:prstGeom>
+          <a:ln>
+            <a:solidFill>
+              <a:schemeClr val="tx1"/>
+            </a:solidFill>
+          </a:ln>
+        </p:spPr>
+      </p:pic>
+      <p:sp>
+        <p:nvSpPr>
+          <p:cNvPr id="11" name="Title 1"/>
+          <p:cNvSpPr txBox="1">
+            <a:spLocks/>
+          </p:cNvSpPr>
+          <p:nvPr/>
+        </p:nvSpPr>
+        <p:spPr>
+          <a:xfrm>
+            <a:off x="10277035" y="49015"/>
+            <a:ext cx="1757289" cy="522289"/>
+          </a:xfrm>
+          <a:prstGeom prst="rect">
+            <a:avLst/>
+          </a:prstGeom>
         </p:spPr>
         <p:txBody>
           <a:bodyPr vert="horz" lIns="91440" tIns="45720" rIns="91440" bIns="45720" rtlCol="0" anchor="b">
-            <a:noAutofit/>
+            <a:normAutofit/>
           </a:bodyPr>
           <a:lstStyle>
             <a:lvl1pPr marL="0" algn="l" defTabSz="914400" rtl="0" eaLnBrk="1" latinLnBrk="0" hangingPunct="1">
@@ -5510,241 +6218,19 @@
             </a:lvl1pPr>
           </a:lstStyle>
           <a:p>
-            <a:r>
-              <a:rPr lang="fr-FR" sz="1600" dirty="0" smtClean="0"/>
-              <a:t>1) Export du model</a:t>
-            </a:r>
-            <a:endParaRPr lang="en-US" sz="1600" dirty="0"/>
-          </a:p>
-        </p:txBody>
-      </p:sp>
-      <p:pic>
-        <p:nvPicPr>
-          <p:cNvPr id="8" name="Picture 7"/>
-          <p:cNvPicPr>
-            <a:picLocks noChangeAspect="1"/>
-          </p:cNvPicPr>
-          <p:nvPr/>
-        </p:nvPicPr>
-        <p:blipFill>
-          <a:blip r:embed="rId3"/>
-          <a:stretch>
-            <a:fillRect/>
-          </a:stretch>
-        </p:blipFill>
-        <p:spPr>
-          <a:xfrm>
-            <a:off x="7383904" y="1309272"/>
-            <a:ext cx="2097191" cy="4344182"/>
-          </a:xfrm>
-          <a:prstGeom prst="rect">
-            <a:avLst/>
-          </a:prstGeom>
-          <a:ln>
-            <a:solidFill>
-              <a:schemeClr val="tx1"/>
-            </a:solidFill>
-          </a:ln>
-        </p:spPr>
-      </p:pic>
-      <p:sp>
-        <p:nvSpPr>
-          <p:cNvPr id="9" name="Title 1"/>
-          <p:cNvSpPr txBox="1">
-            <a:spLocks/>
-          </p:cNvSpPr>
-          <p:nvPr/>
-        </p:nvSpPr>
-        <p:spPr>
-          <a:xfrm>
-            <a:off x="7301183" y="5743221"/>
-            <a:ext cx="2001079" cy="261144"/>
-          </a:xfrm>
-          <a:prstGeom prst="rect">
-            <a:avLst/>
-          </a:prstGeom>
-        </p:spPr>
-        <p:txBody>
-          <a:bodyPr vert="horz" lIns="91440" tIns="45720" rIns="91440" bIns="45720" rtlCol="0" anchor="b">
-            <a:noAutofit/>
-          </a:bodyPr>
-          <a:lstStyle>
-            <a:lvl1pPr marL="0" algn="l" defTabSz="914400" rtl="0" eaLnBrk="1" latinLnBrk="0" hangingPunct="1">
-              <a:lnSpc>
-                <a:spcPct val="85000"/>
-              </a:lnSpc>
-              <a:spcBef>
-                <a:spcPct val="0"/>
-              </a:spcBef>
-              <a:buNone/>
-              <a:defRPr sz="4800" kern="1200" spc="-50" baseline="0">
-                <a:solidFill>
-                  <a:schemeClr val="tx1">
-                    <a:lumMod val="75000"/>
-                    <a:lumOff val="25000"/>
-                  </a:schemeClr>
-                </a:solidFill>
-                <a:latin typeface="+mj-lt"/>
-                <a:ea typeface="+mj-ea"/>
-                <a:cs typeface="+mj-cs"/>
-              </a:defRPr>
-            </a:lvl1pPr>
-          </a:lstStyle>
-          <a:p>
-            <a:r>
-              <a:rPr lang="fr-FR" sz="1600" dirty="0" smtClean="0"/>
-              <a:t>2) Architecture Django</a:t>
-            </a:r>
-            <a:endParaRPr lang="en-US" sz="1600" dirty="0"/>
-          </a:p>
-        </p:txBody>
-      </p:sp>
-      <p:sp>
-        <p:nvSpPr>
-          <p:cNvPr id="11" name="Title 1"/>
-          <p:cNvSpPr txBox="1">
-            <a:spLocks/>
-          </p:cNvSpPr>
-          <p:nvPr/>
-        </p:nvSpPr>
-        <p:spPr>
-          <a:xfrm>
-            <a:off x="1961321" y="5743221"/>
-            <a:ext cx="2232609" cy="261144"/>
-          </a:xfrm>
-          <a:prstGeom prst="rect">
-            <a:avLst/>
-          </a:prstGeom>
-        </p:spPr>
-        <p:txBody>
-          <a:bodyPr vert="horz" lIns="91440" tIns="45720" rIns="91440" bIns="45720" rtlCol="0" anchor="b">
-            <a:noAutofit/>
-          </a:bodyPr>
-          <a:lstStyle>
-            <a:lvl1pPr marL="0" algn="l" defTabSz="914400" rtl="0" eaLnBrk="1" latinLnBrk="0" hangingPunct="1">
-              <a:lnSpc>
-                <a:spcPct val="85000"/>
-              </a:lnSpc>
-              <a:spcBef>
-                <a:spcPct val="0"/>
-              </a:spcBef>
-              <a:buNone/>
-              <a:defRPr sz="4800" kern="1200" spc="-50" baseline="0">
-                <a:solidFill>
-                  <a:schemeClr val="tx1">
-                    <a:lumMod val="75000"/>
-                    <a:lumOff val="25000"/>
-                  </a:schemeClr>
-                </a:solidFill>
-                <a:latin typeface="+mj-lt"/>
-                <a:ea typeface="+mj-ea"/>
-                <a:cs typeface="+mj-cs"/>
-              </a:defRPr>
-            </a:lvl1pPr>
-          </a:lstStyle>
-          <a:p>
-            <a:r>
-              <a:rPr lang="fr-FR" sz="1600" dirty="0" smtClean="0"/>
-              <a:t>3) views.py : Class </a:t>
-            </a:r>
-            <a:r>
-              <a:rPr lang="fr-FR" sz="1600" dirty="0" err="1" smtClean="0"/>
-              <a:t>Predict</a:t>
-            </a:r>
-            <a:r>
-              <a:rPr lang="fr-FR" sz="1600" dirty="0" smtClean="0"/>
-              <a:t> </a:t>
-            </a:r>
-            <a:endParaRPr lang="en-US" sz="1600" dirty="0"/>
-          </a:p>
-        </p:txBody>
-      </p:sp>
-      <p:sp>
-        <p:nvSpPr>
-          <p:cNvPr id="12" name="Title 1"/>
-          <p:cNvSpPr txBox="1">
-            <a:spLocks/>
-          </p:cNvSpPr>
-          <p:nvPr/>
-        </p:nvSpPr>
-        <p:spPr>
-          <a:xfrm>
-            <a:off x="10277035" y="49015"/>
-            <a:ext cx="1757289" cy="522289"/>
-          </a:xfrm>
-          <a:prstGeom prst="rect">
-            <a:avLst/>
-          </a:prstGeom>
-        </p:spPr>
-        <p:txBody>
-          <a:bodyPr vert="horz" lIns="91440" tIns="45720" rIns="91440" bIns="45720" rtlCol="0" anchor="b">
-            <a:normAutofit/>
-          </a:bodyPr>
-          <a:lstStyle>
-            <a:lvl1pPr marL="0" algn="l" defTabSz="914400" rtl="0" eaLnBrk="1" latinLnBrk="0" hangingPunct="1">
-              <a:lnSpc>
-                <a:spcPct val="85000"/>
-              </a:lnSpc>
-              <a:spcBef>
-                <a:spcPct val="0"/>
-              </a:spcBef>
-              <a:buNone/>
-              <a:defRPr sz="4800" kern="1200" spc="-50" baseline="0">
-                <a:solidFill>
-                  <a:schemeClr val="tx1">
-                    <a:lumMod val="75000"/>
-                    <a:lumOff val="25000"/>
-                  </a:schemeClr>
-                </a:solidFill>
-                <a:latin typeface="+mj-lt"/>
-                <a:ea typeface="+mj-ea"/>
-                <a:cs typeface="+mj-cs"/>
-              </a:defRPr>
-            </a:lvl1pPr>
-          </a:lstStyle>
-          <a:p>
             <a:pPr algn="r"/>
             <a:r>
               <a:rPr lang="fr-FR" sz="2800" b="1" dirty="0" smtClean="0"/>
-              <a:t>DJANGO</a:t>
+              <a:t>MODEL</a:t>
             </a:r>
             <a:endParaRPr lang="en-US" sz="2800" b="1" dirty="0"/>
           </a:p>
         </p:txBody>
       </p:sp>
-      <p:pic>
-        <p:nvPicPr>
-          <p:cNvPr id="13" name="Picture 12"/>
-          <p:cNvPicPr>
-            <a:picLocks noChangeAspect="1"/>
-          </p:cNvPicPr>
-          <p:nvPr/>
-        </p:nvPicPr>
-        <p:blipFill>
-          <a:blip r:embed="rId4"/>
-          <a:stretch>
-            <a:fillRect/>
-          </a:stretch>
-        </p:blipFill>
-        <p:spPr>
-          <a:xfrm>
-            <a:off x="1961321" y="2454898"/>
-            <a:ext cx="4972744" cy="3096057"/>
-          </a:xfrm>
-          <a:prstGeom prst="rect">
-            <a:avLst/>
-          </a:prstGeom>
-          <a:ln>
-            <a:solidFill>
-              <a:schemeClr val="tx1"/>
-            </a:solidFill>
-          </a:ln>
-        </p:spPr>
-      </p:pic>
     </p:spTree>
     <p:extLst>
       <p:ext uri="{BB962C8B-B14F-4D97-AF65-F5344CB8AC3E}">
-        <p14:creationId xmlns:p14="http://schemas.microsoft.com/office/powerpoint/2010/main" val="4161914827"/>
+        <p14:creationId xmlns:p14="http://schemas.microsoft.com/office/powerpoint/2010/main" val="3919804062"/>
       </p:ext>
     </p:extLst>
   </p:cSld>
@@ -5826,6 +6312,35 @@
           </a:p>
         </p:txBody>
       </p:sp>
+      <p:pic>
+        <p:nvPicPr>
+          <p:cNvPr id="4" name="Picture 3"/>
+          <p:cNvPicPr>
+            <a:picLocks noChangeAspect="1"/>
+          </p:cNvPicPr>
+          <p:nvPr/>
+        </p:nvPicPr>
+        <p:blipFill>
+          <a:blip r:embed="rId2"/>
+          <a:stretch>
+            <a:fillRect/>
+          </a:stretch>
+        </p:blipFill>
+        <p:spPr>
+          <a:xfrm>
+            <a:off x="1961321" y="1309272"/>
+            <a:ext cx="4887007" cy="704948"/>
+          </a:xfrm>
+          <a:prstGeom prst="rect">
+            <a:avLst/>
+          </a:prstGeom>
+          <a:ln>
+            <a:solidFill>
+              <a:schemeClr val="tx1"/>
+            </a:solidFill>
+          </a:ln>
+        </p:spPr>
+      </p:pic>
       <p:sp>
         <p:nvSpPr>
           <p:cNvPr id="5" name="Title 1"/>
@@ -5878,7 +6393,7 @@
       </p:sp>
       <p:sp>
         <p:nvSpPr>
-          <p:cNvPr id="9" name="Title 1"/>
+          <p:cNvPr id="7" name="Title 1"/>
           <p:cNvSpPr txBox="1">
             <a:spLocks/>
           </p:cNvSpPr>
@@ -5886,15 +6401,15 @@
         </p:nvSpPr>
         <p:spPr>
           <a:xfrm>
-            <a:off x="521383" y="4904102"/>
-            <a:ext cx="7950005" cy="923194"/>
+            <a:off x="1961321" y="2103987"/>
+            <a:ext cx="1706587" cy="261144"/>
           </a:xfrm>
           <a:prstGeom prst="rect">
             <a:avLst/>
           </a:prstGeom>
         </p:spPr>
         <p:txBody>
-          <a:bodyPr vert="horz" lIns="91440" tIns="45720" rIns="91440" bIns="45720" rtlCol="0" anchor="t">
+          <a:bodyPr vert="horz" lIns="91440" tIns="45720" rIns="91440" bIns="45720" rtlCol="0" anchor="b">
             <a:noAutofit/>
           </a:bodyPr>
           <a:lstStyle>
@@ -5922,60 +6437,61 @@
           <a:p>
             <a:r>
               <a:rPr lang="fr-FR" sz="1600" dirty="0" smtClean="0"/>
-              <a:t>Test de l’intégration sur le serveur local Django</a:t>
-            </a:r>
-          </a:p>
-          <a:p>
-            <a:pPr marL="285750" indent="-285750">
-              <a:buFont typeface="Wingdings" panose="05000000000000000000" pitchFamily="2" charset="2"/>
-              <a:buChar char="Ø"/>
-            </a:pPr>
-            <a:r>
-              <a:rPr lang="fr-FR" sz="1600" dirty="0" smtClean="0"/>
-              <a:t>Envoie de 5 observations </a:t>
-            </a:r>
-          </a:p>
-          <a:p>
-            <a:pPr marL="285750" indent="-285750">
-              <a:buFont typeface="Wingdings" panose="05000000000000000000" pitchFamily="2" charset="2"/>
-              <a:buChar char="Ø"/>
-            </a:pPr>
-            <a:r>
-              <a:rPr lang="fr-FR" sz="1600" dirty="0" smtClean="0"/>
-              <a:t>Réponse en  18ms </a:t>
-            </a:r>
-            <a:r>
-              <a:rPr lang="fr-FR" sz="1600" dirty="0"/>
-              <a:t>(serveur local)</a:t>
-            </a:r>
-            <a:r>
-              <a:rPr lang="fr-FR" sz="1600" dirty="0" smtClean="0"/>
-              <a:t>, quelque soit le nombre d’observation envoyées</a:t>
+              <a:t>1) Export du model</a:t>
             </a:r>
             <a:endParaRPr lang="en-US" sz="1600" dirty="0"/>
           </a:p>
         </p:txBody>
       </p:sp>
-      <p:sp>
-        <p:nvSpPr>
-          <p:cNvPr id="12" name="Title 1"/>
-          <p:cNvSpPr txBox="1">
-            <a:spLocks/>
-          </p:cNvSpPr>
+      <p:pic>
+        <p:nvPicPr>
+          <p:cNvPr id="8" name="Picture 7"/>
+          <p:cNvPicPr>
+            <a:picLocks noChangeAspect="1"/>
+          </p:cNvPicPr>
           <p:nvPr/>
-        </p:nvSpPr>
-        <p:spPr>
-          <a:xfrm>
-            <a:off x="10277035" y="49015"/>
-            <a:ext cx="1757289" cy="522289"/>
+        </p:nvPicPr>
+        <p:blipFill>
+          <a:blip r:embed="rId3"/>
+          <a:stretch>
+            <a:fillRect/>
+          </a:stretch>
+        </p:blipFill>
+        <p:spPr>
+          <a:xfrm>
+            <a:off x="7383904" y="1309272"/>
+            <a:ext cx="2097191" cy="4344182"/>
           </a:xfrm>
           <a:prstGeom prst="rect">
             <a:avLst/>
           </a:prstGeom>
+          <a:ln>
+            <a:solidFill>
+              <a:schemeClr val="tx1"/>
+            </a:solidFill>
+          </a:ln>
+        </p:spPr>
+      </p:pic>
+      <p:sp>
+        <p:nvSpPr>
+          <p:cNvPr id="9" name="Title 1"/>
+          <p:cNvSpPr txBox="1">
+            <a:spLocks/>
+          </p:cNvSpPr>
+          <p:nvPr/>
+        </p:nvSpPr>
+        <p:spPr>
+          <a:xfrm>
+            <a:off x="7301183" y="5743221"/>
+            <a:ext cx="2001079" cy="261144"/>
+          </a:xfrm>
+          <a:prstGeom prst="rect">
+            <a:avLst/>
+          </a:prstGeom>
         </p:spPr>
         <p:txBody>
           <a:bodyPr vert="horz" lIns="91440" tIns="45720" rIns="91440" bIns="45720" rtlCol="0" anchor="b">
-            <a:normAutofit/>
+            <a:noAutofit/>
           </a:bodyPr>
           <a:lstStyle>
             <a:lvl1pPr marL="0" algn="l" defTabSz="914400" rtl="0" eaLnBrk="1" latinLnBrk="0" hangingPunct="1">
@@ -6000,87 +6516,33 @@
             </a:lvl1pPr>
           </a:lstStyle>
           <a:p>
-            <a:pPr algn="r"/>
-            <a:r>
-              <a:rPr lang="fr-FR" sz="2800" b="1" dirty="0" smtClean="0"/>
-              <a:t>REQUEST</a:t>
-            </a:r>
-            <a:endParaRPr lang="en-US" sz="2800" b="1" dirty="0"/>
-          </a:p>
-        </p:txBody>
-      </p:sp>
-      <p:pic>
-        <p:nvPicPr>
-          <p:cNvPr id="3" name="Picture 2"/>
-          <p:cNvPicPr>
-            <a:picLocks noChangeAspect="1"/>
-          </p:cNvPicPr>
+            <a:r>
+              <a:rPr lang="fr-FR" sz="1600" dirty="0" smtClean="0"/>
+              <a:t>2) Architecture Django</a:t>
+            </a:r>
+            <a:endParaRPr lang="en-US" sz="1600" dirty="0"/>
+          </a:p>
+        </p:txBody>
+      </p:sp>
+      <p:sp>
+        <p:nvSpPr>
+          <p:cNvPr id="11" name="Title 1"/>
+          <p:cNvSpPr txBox="1">
+            <a:spLocks/>
+          </p:cNvSpPr>
           <p:nvPr/>
-        </p:nvPicPr>
-        <p:blipFill>
-          <a:blip r:embed="rId2"/>
-          <a:stretch>
-            <a:fillRect/>
-          </a:stretch>
-        </p:blipFill>
-        <p:spPr>
-          <a:xfrm>
-            <a:off x="552157" y="1174961"/>
-            <a:ext cx="7888459" cy="3487353"/>
+        </p:nvSpPr>
+        <p:spPr>
+          <a:xfrm>
+            <a:off x="1961321" y="5743221"/>
+            <a:ext cx="2232609" cy="261144"/>
           </a:xfrm>
           <a:prstGeom prst="rect">
             <a:avLst/>
           </a:prstGeom>
-          <a:ln>
-            <a:solidFill>
-              <a:schemeClr val="tx1"/>
-            </a:solidFill>
-          </a:ln>
-        </p:spPr>
-      </p:pic>
-      <p:pic>
-        <p:nvPicPr>
-          <p:cNvPr id="13" name="Picture 12"/>
-          <p:cNvPicPr>
-            <a:picLocks noChangeAspect="1"/>
-          </p:cNvPicPr>
-          <p:nvPr/>
-        </p:nvPicPr>
-        <p:blipFill>
-          <a:blip r:embed="rId3"/>
-          <a:stretch>
-            <a:fillRect/>
-          </a:stretch>
-        </p:blipFill>
-        <p:spPr>
-          <a:xfrm>
-            <a:off x="8528538" y="2133860"/>
-            <a:ext cx="3182306" cy="1569553"/>
-          </a:xfrm>
-          <a:prstGeom prst="rect">
-            <a:avLst/>
-          </a:prstGeom>
-        </p:spPr>
-      </p:pic>
-      <p:sp>
-        <p:nvSpPr>
-          <p:cNvPr id="14" name="Title 1"/>
-          <p:cNvSpPr txBox="1">
-            <a:spLocks/>
-          </p:cNvSpPr>
-          <p:nvPr/>
-        </p:nvSpPr>
-        <p:spPr>
-          <a:xfrm>
-            <a:off x="9474884" y="3783536"/>
-            <a:ext cx="2790386" cy="309197"/>
-          </a:xfrm>
-          <a:prstGeom prst="rect">
-            <a:avLst/>
-          </a:prstGeom>
-        </p:spPr>
-        <p:txBody>
-          <a:bodyPr vert="horz" lIns="91440" tIns="45720" rIns="91440" bIns="45720" rtlCol="0" anchor="t">
+        </p:spPr>
+        <p:txBody>
+          <a:bodyPr vert="horz" lIns="91440" tIns="45720" rIns="91440" bIns="45720" rtlCol="0" anchor="b">
             <a:noAutofit/>
           </a:bodyPr>
           <a:lstStyle>
@@ -6108,16 +6570,106 @@
           <a:p>
             <a:r>
               <a:rPr lang="fr-FR" sz="1600" dirty="0" smtClean="0"/>
-              <a:t>Logs Django</a:t>
+              <a:t>3) views.py : Class </a:t>
+            </a:r>
+            <a:r>
+              <a:rPr lang="fr-FR" sz="1600" dirty="0" err="1" smtClean="0"/>
+              <a:t>Predict</a:t>
+            </a:r>
+            <a:r>
+              <a:rPr lang="fr-FR" sz="1600" dirty="0" smtClean="0"/>
+              <a:t> </a:t>
             </a:r>
             <a:endParaRPr lang="en-US" sz="1600" dirty="0"/>
           </a:p>
         </p:txBody>
       </p:sp>
+      <p:sp>
+        <p:nvSpPr>
+          <p:cNvPr id="12" name="Title 1"/>
+          <p:cNvSpPr txBox="1">
+            <a:spLocks/>
+          </p:cNvSpPr>
+          <p:nvPr/>
+        </p:nvSpPr>
+        <p:spPr>
+          <a:xfrm>
+            <a:off x="10277035" y="49015"/>
+            <a:ext cx="1757289" cy="522289"/>
+          </a:xfrm>
+          <a:prstGeom prst="rect">
+            <a:avLst/>
+          </a:prstGeom>
+        </p:spPr>
+        <p:txBody>
+          <a:bodyPr vert="horz" lIns="91440" tIns="45720" rIns="91440" bIns="45720" rtlCol="0" anchor="b">
+            <a:normAutofit/>
+          </a:bodyPr>
+          <a:lstStyle>
+            <a:lvl1pPr marL="0" algn="l" defTabSz="914400" rtl="0" eaLnBrk="1" latinLnBrk="0" hangingPunct="1">
+              <a:lnSpc>
+                <a:spcPct val="85000"/>
+              </a:lnSpc>
+              <a:spcBef>
+                <a:spcPct val="0"/>
+              </a:spcBef>
+              <a:buNone/>
+              <a:defRPr sz="4800" kern="1200" spc="-50" baseline="0">
+                <a:solidFill>
+                  <a:schemeClr val="tx1">
+                    <a:lumMod val="75000"/>
+                    <a:lumOff val="25000"/>
+                  </a:schemeClr>
+                </a:solidFill>
+                <a:latin typeface="+mj-lt"/>
+                <a:ea typeface="+mj-ea"/>
+                <a:cs typeface="+mj-cs"/>
+              </a:defRPr>
+            </a:lvl1pPr>
+          </a:lstStyle>
+          <a:p>
+            <a:pPr algn="r"/>
+            <a:r>
+              <a:rPr lang="fr-FR" sz="2800" b="1" dirty="0" smtClean="0"/>
+              <a:t>DJANGO</a:t>
+            </a:r>
+            <a:endParaRPr lang="en-US" sz="2800" b="1" dirty="0"/>
+          </a:p>
+        </p:txBody>
+      </p:sp>
+      <p:pic>
+        <p:nvPicPr>
+          <p:cNvPr id="13" name="Picture 12"/>
+          <p:cNvPicPr>
+            <a:picLocks noChangeAspect="1"/>
+          </p:cNvPicPr>
+          <p:nvPr/>
+        </p:nvPicPr>
+        <p:blipFill>
+          <a:blip r:embed="rId4"/>
+          <a:stretch>
+            <a:fillRect/>
+          </a:stretch>
+        </p:blipFill>
+        <p:spPr>
+          <a:xfrm>
+            <a:off x="1961321" y="2454898"/>
+            <a:ext cx="4972744" cy="3096057"/>
+          </a:xfrm>
+          <a:prstGeom prst="rect">
+            <a:avLst/>
+          </a:prstGeom>
+          <a:ln>
+            <a:solidFill>
+              <a:schemeClr val="tx1"/>
+            </a:solidFill>
+          </a:ln>
+        </p:spPr>
+      </p:pic>
     </p:spTree>
     <p:extLst>
       <p:ext uri="{BB962C8B-B14F-4D97-AF65-F5344CB8AC3E}">
-        <p14:creationId xmlns:p14="http://schemas.microsoft.com/office/powerpoint/2010/main" val="1183419382"/>
+        <p14:creationId xmlns:p14="http://schemas.microsoft.com/office/powerpoint/2010/main" val="4161914827"/>
       </p:ext>
     </p:extLst>
   </p:cSld>
@@ -6153,58 +6705,7 @@
       </p:grpSpPr>
       <p:sp>
         <p:nvSpPr>
-          <p:cNvPr id="4" name="Title 1"/>
-          <p:cNvSpPr>
-            <a:spLocks noGrp="1"/>
-          </p:cNvSpPr>
-          <p:nvPr>
-            <p:ph type="title"/>
-          </p:nvPr>
-        </p:nvSpPr>
-        <p:spPr>
-          <a:xfrm>
-            <a:off x="1097280" y="436072"/>
-            <a:ext cx="10058400" cy="522289"/>
-          </a:xfrm>
-        </p:spPr>
-        <p:txBody>
-          <a:bodyPr>
-            <a:normAutofit/>
-          </a:bodyPr>
-          <a:lstStyle/>
-          <a:p>
-            <a:pPr lvl="0">
-              <a:lnSpc>
-                <a:spcPct val="100000"/>
-              </a:lnSpc>
-              <a:spcBef>
-                <a:spcPts val="0"/>
-              </a:spcBef>
-              <a:defRPr/>
-            </a:pPr>
-            <a:r>
-              <a:rPr lang="fr-FR" sz="2400" dirty="0"/>
-              <a:t>2 ) </a:t>
-            </a:r>
-            <a:r>
-              <a:rPr lang="fr-FR" sz="2400" dirty="0" err="1"/>
-              <a:t>Models</a:t>
-            </a:r>
-            <a:r>
-              <a:rPr lang="fr-FR" sz="2400" dirty="0"/>
-              <a:t> </a:t>
-            </a:r>
-            <a:r>
-              <a:rPr lang="fr-FR" sz="2400" dirty="0" err="1"/>
-              <a:t>tunning</a:t>
-            </a:r>
-            <a:endParaRPr lang="en-US" sz="2400" dirty="0"/>
-          </a:p>
-        </p:txBody>
-      </p:sp>
-      <p:sp>
-        <p:nvSpPr>
-          <p:cNvPr id="5" name="Rectangle 4"/>
+          <p:cNvPr id="6" name="Rectangle 5"/>
           <p:cNvSpPr/>
           <p:nvPr/>
         </p:nvSpPr>
@@ -6250,10 +6751,1460 @@
           </a:p>
         </p:txBody>
       </p:sp>
+      <p:sp>
+        <p:nvSpPr>
+          <p:cNvPr id="5" name="Title 1"/>
+          <p:cNvSpPr>
+            <a:spLocks noGrp="1"/>
+          </p:cNvSpPr>
+          <p:nvPr>
+            <p:ph type="title"/>
+          </p:nvPr>
+        </p:nvSpPr>
+        <p:spPr>
+          <a:xfrm>
+            <a:off x="1097280" y="436072"/>
+            <a:ext cx="10058400" cy="522289"/>
+          </a:xfrm>
+        </p:spPr>
+        <p:txBody>
+          <a:bodyPr>
+            <a:normAutofit/>
+          </a:bodyPr>
+          <a:lstStyle/>
+          <a:p>
+            <a:r>
+              <a:rPr lang="fr-FR" sz="2400" dirty="0"/>
+              <a:t>1 ) </a:t>
+            </a:r>
+            <a:r>
+              <a:rPr lang="fr-FR" sz="2400" dirty="0" smtClean="0"/>
+              <a:t>Préparation </a:t>
+            </a:r>
+            <a:r>
+              <a:rPr lang="fr-FR" sz="2400" dirty="0"/>
+              <a:t>environnement &amp; 1</a:t>
+            </a:r>
+            <a:r>
+              <a:rPr lang="fr-FR" sz="2400" baseline="30000" dirty="0"/>
+              <a:t>ère</a:t>
+            </a:r>
+            <a:r>
+              <a:rPr lang="fr-FR" sz="2400" dirty="0"/>
+              <a:t> </a:t>
+            </a:r>
+            <a:r>
+              <a:rPr lang="fr-FR" sz="2400" dirty="0" smtClean="0"/>
+              <a:t>prédiction</a:t>
+            </a:r>
+            <a:endParaRPr lang="en-US" sz="2400" dirty="0"/>
+          </a:p>
+        </p:txBody>
+      </p:sp>
+      <p:sp>
+        <p:nvSpPr>
+          <p:cNvPr id="9" name="Title 1"/>
+          <p:cNvSpPr txBox="1">
+            <a:spLocks/>
+          </p:cNvSpPr>
+          <p:nvPr/>
+        </p:nvSpPr>
+        <p:spPr>
+          <a:xfrm>
+            <a:off x="521383" y="4904102"/>
+            <a:ext cx="7950005" cy="923194"/>
+          </a:xfrm>
+          <a:prstGeom prst="rect">
+            <a:avLst/>
+          </a:prstGeom>
+        </p:spPr>
+        <p:txBody>
+          <a:bodyPr vert="horz" lIns="91440" tIns="45720" rIns="91440" bIns="45720" rtlCol="0" anchor="t">
+            <a:noAutofit/>
+          </a:bodyPr>
+          <a:lstStyle>
+            <a:lvl1pPr marL="0" algn="l" defTabSz="914400" rtl="0" eaLnBrk="1" latinLnBrk="0" hangingPunct="1">
+              <a:lnSpc>
+                <a:spcPct val="85000"/>
+              </a:lnSpc>
+              <a:spcBef>
+                <a:spcPct val="0"/>
+              </a:spcBef>
+              <a:buNone/>
+              <a:defRPr sz="4800" kern="1200" spc="-50" baseline="0">
+                <a:solidFill>
+                  <a:schemeClr val="tx1">
+                    <a:lumMod val="75000"/>
+                    <a:lumOff val="25000"/>
+                  </a:schemeClr>
+                </a:solidFill>
+                <a:latin typeface="+mj-lt"/>
+                <a:ea typeface="+mj-ea"/>
+                <a:cs typeface="+mj-cs"/>
+              </a:defRPr>
+            </a:lvl1pPr>
+          </a:lstStyle>
+          <a:p>
+            <a:r>
+              <a:rPr lang="fr-FR" sz="1600" dirty="0" smtClean="0"/>
+              <a:t>Test de l’intégration sur le serveur local Django</a:t>
+            </a:r>
+          </a:p>
+          <a:p>
+            <a:pPr marL="285750" indent="-285750">
+              <a:buFont typeface="Wingdings" panose="05000000000000000000" pitchFamily="2" charset="2"/>
+              <a:buChar char="Ø"/>
+            </a:pPr>
+            <a:r>
+              <a:rPr lang="fr-FR" sz="1600" dirty="0" smtClean="0"/>
+              <a:t>Envoie de 5 observations </a:t>
+            </a:r>
+          </a:p>
+          <a:p>
+            <a:pPr marL="285750" indent="-285750">
+              <a:buFont typeface="Wingdings" panose="05000000000000000000" pitchFamily="2" charset="2"/>
+              <a:buChar char="Ø"/>
+            </a:pPr>
+            <a:r>
+              <a:rPr lang="fr-FR" sz="1600" dirty="0" smtClean="0"/>
+              <a:t>Réponse en  18ms </a:t>
+            </a:r>
+            <a:r>
+              <a:rPr lang="fr-FR" sz="1600" dirty="0"/>
+              <a:t>(serveur local)</a:t>
+            </a:r>
+            <a:r>
+              <a:rPr lang="fr-FR" sz="1600" dirty="0" smtClean="0"/>
+              <a:t>, quelque soit le nombre d’observation envoyées</a:t>
+            </a:r>
+            <a:endParaRPr lang="en-US" sz="1600" dirty="0"/>
+          </a:p>
+        </p:txBody>
+      </p:sp>
+      <p:sp>
+        <p:nvSpPr>
+          <p:cNvPr id="12" name="Title 1"/>
+          <p:cNvSpPr txBox="1">
+            <a:spLocks/>
+          </p:cNvSpPr>
+          <p:nvPr/>
+        </p:nvSpPr>
+        <p:spPr>
+          <a:xfrm>
+            <a:off x="10277035" y="49015"/>
+            <a:ext cx="1757289" cy="522289"/>
+          </a:xfrm>
+          <a:prstGeom prst="rect">
+            <a:avLst/>
+          </a:prstGeom>
+        </p:spPr>
+        <p:txBody>
+          <a:bodyPr vert="horz" lIns="91440" tIns="45720" rIns="91440" bIns="45720" rtlCol="0" anchor="b">
+            <a:normAutofit/>
+          </a:bodyPr>
+          <a:lstStyle>
+            <a:lvl1pPr marL="0" algn="l" defTabSz="914400" rtl="0" eaLnBrk="1" latinLnBrk="0" hangingPunct="1">
+              <a:lnSpc>
+                <a:spcPct val="85000"/>
+              </a:lnSpc>
+              <a:spcBef>
+                <a:spcPct val="0"/>
+              </a:spcBef>
+              <a:buNone/>
+              <a:defRPr sz="4800" kern="1200" spc="-50" baseline="0">
+                <a:solidFill>
+                  <a:schemeClr val="tx1">
+                    <a:lumMod val="75000"/>
+                    <a:lumOff val="25000"/>
+                  </a:schemeClr>
+                </a:solidFill>
+                <a:latin typeface="+mj-lt"/>
+                <a:ea typeface="+mj-ea"/>
+                <a:cs typeface="+mj-cs"/>
+              </a:defRPr>
+            </a:lvl1pPr>
+          </a:lstStyle>
+          <a:p>
+            <a:pPr algn="r"/>
+            <a:r>
+              <a:rPr lang="fr-FR" sz="2800" b="1" dirty="0" smtClean="0"/>
+              <a:t>REQUEST</a:t>
+            </a:r>
+            <a:endParaRPr lang="en-US" sz="2800" b="1" dirty="0"/>
+          </a:p>
+        </p:txBody>
+      </p:sp>
+      <p:pic>
+        <p:nvPicPr>
+          <p:cNvPr id="3" name="Picture 2"/>
+          <p:cNvPicPr>
+            <a:picLocks noChangeAspect="1"/>
+          </p:cNvPicPr>
+          <p:nvPr/>
+        </p:nvPicPr>
+        <p:blipFill>
+          <a:blip r:embed="rId2"/>
+          <a:stretch>
+            <a:fillRect/>
+          </a:stretch>
+        </p:blipFill>
+        <p:spPr>
+          <a:xfrm>
+            <a:off x="552157" y="1174961"/>
+            <a:ext cx="7888459" cy="3487353"/>
+          </a:xfrm>
+          <a:prstGeom prst="rect">
+            <a:avLst/>
+          </a:prstGeom>
+          <a:ln>
+            <a:solidFill>
+              <a:schemeClr val="tx1"/>
+            </a:solidFill>
+          </a:ln>
+        </p:spPr>
+      </p:pic>
+      <p:pic>
+        <p:nvPicPr>
+          <p:cNvPr id="13" name="Picture 12"/>
+          <p:cNvPicPr>
+            <a:picLocks noChangeAspect="1"/>
+          </p:cNvPicPr>
+          <p:nvPr/>
+        </p:nvPicPr>
+        <p:blipFill>
+          <a:blip r:embed="rId3"/>
+          <a:stretch>
+            <a:fillRect/>
+          </a:stretch>
+        </p:blipFill>
+        <p:spPr>
+          <a:xfrm>
+            <a:off x="8528538" y="2133860"/>
+            <a:ext cx="3182306" cy="1569553"/>
+          </a:xfrm>
+          <a:prstGeom prst="rect">
+            <a:avLst/>
+          </a:prstGeom>
+        </p:spPr>
+      </p:pic>
+      <p:sp>
+        <p:nvSpPr>
+          <p:cNvPr id="14" name="Title 1"/>
+          <p:cNvSpPr txBox="1">
+            <a:spLocks/>
+          </p:cNvSpPr>
+          <p:nvPr/>
+        </p:nvSpPr>
+        <p:spPr>
+          <a:xfrm>
+            <a:off x="9474884" y="3783536"/>
+            <a:ext cx="2790386" cy="309197"/>
+          </a:xfrm>
+          <a:prstGeom prst="rect">
+            <a:avLst/>
+          </a:prstGeom>
+        </p:spPr>
+        <p:txBody>
+          <a:bodyPr vert="horz" lIns="91440" tIns="45720" rIns="91440" bIns="45720" rtlCol="0" anchor="t">
+            <a:noAutofit/>
+          </a:bodyPr>
+          <a:lstStyle>
+            <a:lvl1pPr marL="0" algn="l" defTabSz="914400" rtl="0" eaLnBrk="1" latinLnBrk="0" hangingPunct="1">
+              <a:lnSpc>
+                <a:spcPct val="85000"/>
+              </a:lnSpc>
+              <a:spcBef>
+                <a:spcPct val="0"/>
+              </a:spcBef>
+              <a:buNone/>
+              <a:defRPr sz="4800" kern="1200" spc="-50" baseline="0">
+                <a:solidFill>
+                  <a:schemeClr val="tx1">
+                    <a:lumMod val="75000"/>
+                    <a:lumOff val="25000"/>
+                  </a:schemeClr>
+                </a:solidFill>
+                <a:latin typeface="+mj-lt"/>
+                <a:ea typeface="+mj-ea"/>
+                <a:cs typeface="+mj-cs"/>
+              </a:defRPr>
+            </a:lvl1pPr>
+          </a:lstStyle>
+          <a:p>
+            <a:r>
+              <a:rPr lang="fr-FR" sz="1600" dirty="0" smtClean="0"/>
+              <a:t>Logs Django</a:t>
+            </a:r>
+            <a:endParaRPr lang="en-US" sz="1600" dirty="0"/>
+          </a:p>
+        </p:txBody>
+      </p:sp>
+    </p:spTree>
+    <p:extLst>
+      <p:ext uri="{BB962C8B-B14F-4D97-AF65-F5344CB8AC3E}">
+        <p14:creationId xmlns:p14="http://schemas.microsoft.com/office/powerpoint/2010/main" val="1183419382"/>
+      </p:ext>
+    </p:extLst>
+  </p:cSld>
+  <p:clrMapOvr>
+    <a:masterClrMapping/>
+  </p:clrMapOvr>
+  <p:timing>
+    <p:tnLst>
+      <p:par>
+        <p:cTn id="1" dur="indefinite" restart="never" nodeType="tmRoot"/>
+      </p:par>
+    </p:tnLst>
+  </p:timing>
+</p:sld>
+</file>
+
+<file path=ppt/slides/slide8.xml><?xml version="1.0" encoding="utf-8"?>
+<p:sld xmlns:a="http://schemas.openxmlformats.org/drawingml/2006/main" xmlns:r="http://schemas.openxmlformats.org/officeDocument/2006/relationships" xmlns:p="http://schemas.openxmlformats.org/presentationml/2006/main">
+  <p:cSld>
+    <p:spTree>
+      <p:nvGrpSpPr>
+        <p:cNvPr id="1" name=""/>
+        <p:cNvGrpSpPr/>
+        <p:nvPr/>
+      </p:nvGrpSpPr>
+      <p:grpSpPr>
+        <a:xfrm>
+          <a:off x="0" y="0"/>
+          <a:ext cx="0" cy="0"/>
+          <a:chOff x="0" y="0"/>
+          <a:chExt cx="0" cy="0"/>
+        </a:xfrm>
+      </p:grpSpPr>
+      <p:sp>
+        <p:nvSpPr>
+          <p:cNvPr id="4" name="Title 1"/>
+          <p:cNvSpPr>
+            <a:spLocks noGrp="1"/>
+          </p:cNvSpPr>
+          <p:nvPr>
+            <p:ph type="title"/>
+          </p:nvPr>
+        </p:nvSpPr>
+        <p:spPr>
+          <a:xfrm>
+            <a:off x="1097280" y="436072"/>
+            <a:ext cx="10058400" cy="522289"/>
+          </a:xfrm>
+        </p:spPr>
+        <p:txBody>
+          <a:bodyPr>
+            <a:normAutofit/>
+          </a:bodyPr>
+          <a:lstStyle/>
+          <a:p>
+            <a:pPr lvl="0">
+              <a:lnSpc>
+                <a:spcPct val="100000"/>
+              </a:lnSpc>
+              <a:spcBef>
+                <a:spcPts val="0"/>
+              </a:spcBef>
+              <a:defRPr/>
+            </a:pPr>
+            <a:r>
+              <a:rPr lang="fr-FR" sz="2400" dirty="0"/>
+              <a:t>2 ) </a:t>
+            </a:r>
+            <a:r>
+              <a:rPr lang="fr-FR" sz="2400" dirty="0" err="1"/>
+              <a:t>Models</a:t>
+            </a:r>
+            <a:r>
+              <a:rPr lang="fr-FR" sz="2400" dirty="0"/>
+              <a:t> </a:t>
+            </a:r>
+            <a:r>
+              <a:rPr lang="fr-FR" sz="2400" dirty="0" err="1"/>
+              <a:t>tunning</a:t>
+            </a:r>
+            <a:endParaRPr lang="en-US" sz="2400" dirty="0"/>
+          </a:p>
+        </p:txBody>
+      </p:sp>
+      <p:sp>
+        <p:nvSpPr>
+          <p:cNvPr id="5" name="Rectangle 4"/>
+          <p:cNvSpPr/>
+          <p:nvPr/>
+        </p:nvSpPr>
+        <p:spPr>
+          <a:xfrm>
+            <a:off x="975946" y="1661746"/>
+            <a:ext cx="10179734" cy="237392"/>
+          </a:xfrm>
+          <a:prstGeom prst="rect">
+            <a:avLst/>
+          </a:prstGeom>
+          <a:solidFill>
+            <a:schemeClr val="bg1"/>
+          </a:solidFill>
+          <a:ln>
+            <a:solidFill>
+              <a:schemeClr val="bg1"/>
+            </a:solidFill>
+          </a:ln>
+        </p:spPr>
+        <p:style>
+          <a:lnRef idx="2">
+            <a:schemeClr val="accent1">
+              <a:shade val="50000"/>
+            </a:schemeClr>
+          </a:lnRef>
+          <a:fillRef idx="1">
+            <a:schemeClr val="accent1"/>
+          </a:fillRef>
+          <a:effectRef idx="0">
+            <a:schemeClr val="accent1"/>
+          </a:effectRef>
+          <a:fontRef idx="minor">
+            <a:schemeClr val="lt1"/>
+          </a:fontRef>
+        </p:style>
+        <p:txBody>
+          <a:bodyPr rtlCol="0" anchor="ctr"/>
+          <a:lstStyle/>
+          <a:p>
+            <a:pPr algn="ctr"/>
+            <a:endParaRPr lang="en-US"/>
+          </a:p>
+        </p:txBody>
+      </p:sp>
+      <p:pic>
+        <p:nvPicPr>
+          <p:cNvPr id="6" name="Picture 5"/>
+          <p:cNvPicPr>
+            <a:picLocks noChangeAspect="1"/>
+          </p:cNvPicPr>
+          <p:nvPr/>
+        </p:nvPicPr>
+        <p:blipFill>
+          <a:blip r:embed="rId2"/>
+          <a:stretch>
+            <a:fillRect/>
+          </a:stretch>
+        </p:blipFill>
+        <p:spPr>
+          <a:xfrm>
+            <a:off x="4200964" y="1028800"/>
+            <a:ext cx="3914335" cy="4780458"/>
+          </a:xfrm>
+          <a:prstGeom prst="rect">
+            <a:avLst/>
+          </a:prstGeom>
+          <a:ln>
+            <a:solidFill>
+              <a:schemeClr val="tx1"/>
+            </a:solidFill>
+          </a:ln>
+        </p:spPr>
+      </p:pic>
+      <p:sp>
+        <p:nvSpPr>
+          <p:cNvPr id="7" name="Title 1"/>
+          <p:cNvSpPr txBox="1">
+            <a:spLocks/>
+          </p:cNvSpPr>
+          <p:nvPr/>
+        </p:nvSpPr>
+        <p:spPr>
+          <a:xfrm>
+            <a:off x="4200964" y="5877340"/>
+            <a:ext cx="2790386" cy="309197"/>
+          </a:xfrm>
+          <a:prstGeom prst="rect">
+            <a:avLst/>
+          </a:prstGeom>
+        </p:spPr>
+        <p:txBody>
+          <a:bodyPr vert="horz" lIns="91440" tIns="45720" rIns="91440" bIns="45720" rtlCol="0" anchor="t">
+            <a:noAutofit/>
+          </a:bodyPr>
+          <a:lstStyle>
+            <a:lvl1pPr marL="0" algn="l" defTabSz="914400" rtl="0" eaLnBrk="1" latinLnBrk="0" hangingPunct="1">
+              <a:lnSpc>
+                <a:spcPct val="85000"/>
+              </a:lnSpc>
+              <a:spcBef>
+                <a:spcPct val="0"/>
+              </a:spcBef>
+              <a:buNone/>
+              <a:defRPr sz="4800" kern="1200" spc="-50" baseline="0">
+                <a:solidFill>
+                  <a:schemeClr val="tx1">
+                    <a:lumMod val="75000"/>
+                    <a:lumOff val="25000"/>
+                  </a:schemeClr>
+                </a:solidFill>
+                <a:latin typeface="+mj-lt"/>
+                <a:ea typeface="+mj-ea"/>
+                <a:cs typeface="+mj-cs"/>
+              </a:defRPr>
+            </a:lvl1pPr>
+          </a:lstStyle>
+          <a:p>
+            <a:r>
+              <a:rPr lang="fr-FR" sz="1600" dirty="0" err="1" smtClean="0"/>
+              <a:t>RandomForest</a:t>
+            </a:r>
+            <a:r>
+              <a:rPr lang="fr-FR" sz="1600" dirty="0" smtClean="0"/>
+              <a:t> Classifier</a:t>
+            </a:r>
+            <a:endParaRPr lang="en-US" sz="1600" dirty="0"/>
+          </a:p>
+        </p:txBody>
+      </p:sp>
+      <p:pic>
+        <p:nvPicPr>
+          <p:cNvPr id="8" name="Picture 7"/>
+          <p:cNvPicPr>
+            <a:picLocks noChangeAspect="1"/>
+          </p:cNvPicPr>
+          <p:nvPr/>
+        </p:nvPicPr>
+        <p:blipFill>
+          <a:blip r:embed="rId3"/>
+          <a:stretch>
+            <a:fillRect/>
+          </a:stretch>
+        </p:blipFill>
+        <p:spPr>
+          <a:xfrm>
+            <a:off x="8166294" y="1028800"/>
+            <a:ext cx="3905543" cy="4781909"/>
+          </a:xfrm>
+          <a:prstGeom prst="rect">
+            <a:avLst/>
+          </a:prstGeom>
+          <a:ln>
+            <a:solidFill>
+              <a:schemeClr val="tx1"/>
+            </a:solidFill>
+          </a:ln>
+        </p:spPr>
+      </p:pic>
+      <p:sp>
+        <p:nvSpPr>
+          <p:cNvPr id="9" name="Title 1"/>
+          <p:cNvSpPr txBox="1">
+            <a:spLocks/>
+          </p:cNvSpPr>
+          <p:nvPr/>
+        </p:nvSpPr>
+        <p:spPr>
+          <a:xfrm>
+            <a:off x="8166294" y="5877339"/>
+            <a:ext cx="2790386" cy="309197"/>
+          </a:xfrm>
+          <a:prstGeom prst="rect">
+            <a:avLst/>
+          </a:prstGeom>
+        </p:spPr>
+        <p:txBody>
+          <a:bodyPr vert="horz" lIns="91440" tIns="45720" rIns="91440" bIns="45720" rtlCol="0" anchor="t">
+            <a:noAutofit/>
+          </a:bodyPr>
+          <a:lstStyle>
+            <a:lvl1pPr marL="0" algn="l" defTabSz="914400" rtl="0" eaLnBrk="1" latinLnBrk="0" hangingPunct="1">
+              <a:lnSpc>
+                <a:spcPct val="85000"/>
+              </a:lnSpc>
+              <a:spcBef>
+                <a:spcPct val="0"/>
+              </a:spcBef>
+              <a:buNone/>
+              <a:defRPr sz="4800" kern="1200" spc="-50" baseline="0">
+                <a:solidFill>
+                  <a:schemeClr val="tx1">
+                    <a:lumMod val="75000"/>
+                    <a:lumOff val="25000"/>
+                  </a:schemeClr>
+                </a:solidFill>
+                <a:latin typeface="+mj-lt"/>
+                <a:ea typeface="+mj-ea"/>
+                <a:cs typeface="+mj-cs"/>
+              </a:defRPr>
+            </a:lvl1pPr>
+          </a:lstStyle>
+          <a:p>
+            <a:r>
+              <a:rPr lang="fr-FR" sz="1600" dirty="0"/>
+              <a:t>Support </a:t>
+            </a:r>
+            <a:r>
+              <a:rPr lang="fr-FR" sz="1600" dirty="0" err="1"/>
+              <a:t>Vector</a:t>
+            </a:r>
+            <a:r>
+              <a:rPr lang="fr-FR" sz="1600" dirty="0"/>
+              <a:t> Machines</a:t>
+            </a:r>
+            <a:endParaRPr lang="en-US" sz="1600" dirty="0"/>
+          </a:p>
+        </p:txBody>
+      </p:sp>
+      <p:pic>
+        <p:nvPicPr>
+          <p:cNvPr id="10" name="Picture 9"/>
+          <p:cNvPicPr>
+            <a:picLocks noChangeAspect="1"/>
+          </p:cNvPicPr>
+          <p:nvPr/>
+        </p:nvPicPr>
+        <p:blipFill rotWithShape="1">
+          <a:blip r:embed="rId4"/>
+          <a:srcRect l="1743" r="1104"/>
+          <a:stretch/>
+        </p:blipFill>
+        <p:spPr>
+          <a:xfrm>
+            <a:off x="131885" y="1028800"/>
+            <a:ext cx="4018084" cy="4780458"/>
+          </a:xfrm>
+          <a:prstGeom prst="rect">
+            <a:avLst/>
+          </a:prstGeom>
+          <a:ln>
+            <a:solidFill>
+              <a:schemeClr val="tx1"/>
+            </a:solidFill>
+          </a:ln>
+        </p:spPr>
+      </p:pic>
+      <p:sp>
+        <p:nvSpPr>
+          <p:cNvPr id="11" name="Title 1"/>
+          <p:cNvSpPr txBox="1">
+            <a:spLocks/>
+          </p:cNvSpPr>
+          <p:nvPr/>
+        </p:nvSpPr>
+        <p:spPr>
+          <a:xfrm>
+            <a:off x="131885" y="5877338"/>
+            <a:ext cx="2790386" cy="309197"/>
+          </a:xfrm>
+          <a:prstGeom prst="rect">
+            <a:avLst/>
+          </a:prstGeom>
+        </p:spPr>
+        <p:txBody>
+          <a:bodyPr vert="horz" lIns="91440" tIns="45720" rIns="91440" bIns="45720" rtlCol="0" anchor="t">
+            <a:noAutofit/>
+          </a:bodyPr>
+          <a:lstStyle>
+            <a:lvl1pPr marL="0" algn="l" defTabSz="914400" rtl="0" eaLnBrk="1" latinLnBrk="0" hangingPunct="1">
+              <a:lnSpc>
+                <a:spcPct val="85000"/>
+              </a:lnSpc>
+              <a:spcBef>
+                <a:spcPct val="0"/>
+              </a:spcBef>
+              <a:buNone/>
+              <a:defRPr sz="4800" kern="1200" spc="-50" baseline="0">
+                <a:solidFill>
+                  <a:schemeClr val="tx1">
+                    <a:lumMod val="75000"/>
+                    <a:lumOff val="25000"/>
+                  </a:schemeClr>
+                </a:solidFill>
+                <a:latin typeface="+mj-lt"/>
+                <a:ea typeface="+mj-ea"/>
+                <a:cs typeface="+mj-cs"/>
+              </a:defRPr>
+            </a:lvl1pPr>
+          </a:lstStyle>
+          <a:p>
+            <a:r>
+              <a:rPr lang="fr-FR" sz="1600" dirty="0" err="1" smtClean="0"/>
+              <a:t>Regression</a:t>
+            </a:r>
+            <a:r>
+              <a:rPr lang="fr-FR" sz="1600" dirty="0" smtClean="0"/>
+              <a:t> logistique</a:t>
+            </a:r>
+            <a:endParaRPr lang="en-US" sz="1600" dirty="0"/>
+          </a:p>
+        </p:txBody>
+      </p:sp>
     </p:spTree>
     <p:extLst>
       <p:ext uri="{BB962C8B-B14F-4D97-AF65-F5344CB8AC3E}">
         <p14:creationId xmlns:p14="http://schemas.microsoft.com/office/powerpoint/2010/main" val="3414355381"/>
+      </p:ext>
+    </p:extLst>
+  </p:cSld>
+  <p:clrMapOvr>
+    <a:masterClrMapping/>
+  </p:clrMapOvr>
+  <p:timing>
+    <p:tnLst>
+      <p:par>
+        <p:cTn id="1" dur="indefinite" restart="never" nodeType="tmRoot"/>
+      </p:par>
+    </p:tnLst>
+  </p:timing>
+</p:sld>
+</file>
+
+<file path=ppt/slides/slide9.xml><?xml version="1.0" encoding="utf-8"?>
+<p:sld xmlns:a="http://schemas.openxmlformats.org/drawingml/2006/main" xmlns:r="http://schemas.openxmlformats.org/officeDocument/2006/relationships" xmlns:p="http://schemas.openxmlformats.org/presentationml/2006/main">
+  <p:cSld>
+    <p:spTree>
+      <p:nvGrpSpPr>
+        <p:cNvPr id="1" name=""/>
+        <p:cNvGrpSpPr/>
+        <p:nvPr/>
+      </p:nvGrpSpPr>
+      <p:grpSpPr>
+        <a:xfrm>
+          <a:off x="0" y="0"/>
+          <a:ext cx="0" cy="0"/>
+          <a:chOff x="0" y="0"/>
+          <a:chExt cx="0" cy="0"/>
+        </a:xfrm>
+      </p:grpSpPr>
+      <p:sp>
+        <p:nvSpPr>
+          <p:cNvPr id="4" name="Title 1"/>
+          <p:cNvSpPr>
+            <a:spLocks noGrp="1"/>
+          </p:cNvSpPr>
+          <p:nvPr>
+            <p:ph type="title"/>
+          </p:nvPr>
+        </p:nvSpPr>
+        <p:spPr>
+          <a:xfrm>
+            <a:off x="1097280" y="436072"/>
+            <a:ext cx="10058400" cy="522289"/>
+          </a:xfrm>
+        </p:spPr>
+        <p:txBody>
+          <a:bodyPr>
+            <a:normAutofit/>
+          </a:bodyPr>
+          <a:lstStyle/>
+          <a:p>
+            <a:pPr lvl="0">
+              <a:lnSpc>
+                <a:spcPct val="100000"/>
+              </a:lnSpc>
+              <a:spcBef>
+                <a:spcPts val="0"/>
+              </a:spcBef>
+              <a:defRPr/>
+            </a:pPr>
+            <a:r>
+              <a:rPr lang="fr-FR" sz="2400" dirty="0"/>
+              <a:t>2 ) </a:t>
+            </a:r>
+            <a:r>
+              <a:rPr lang="fr-FR" sz="2400" dirty="0" err="1"/>
+              <a:t>Models</a:t>
+            </a:r>
+            <a:r>
+              <a:rPr lang="fr-FR" sz="2400" dirty="0"/>
+              <a:t> </a:t>
+            </a:r>
+            <a:r>
+              <a:rPr lang="fr-FR" sz="2400" dirty="0" err="1"/>
+              <a:t>tunning</a:t>
+            </a:r>
+            <a:endParaRPr lang="en-US" sz="2400" dirty="0"/>
+          </a:p>
+        </p:txBody>
+      </p:sp>
+      <p:sp>
+        <p:nvSpPr>
+          <p:cNvPr id="5" name="Rectangle 4"/>
+          <p:cNvSpPr/>
+          <p:nvPr/>
+        </p:nvSpPr>
+        <p:spPr>
+          <a:xfrm>
+            <a:off x="668215" y="2162908"/>
+            <a:ext cx="10179734" cy="237392"/>
+          </a:xfrm>
+          <a:prstGeom prst="rect">
+            <a:avLst/>
+          </a:prstGeom>
+          <a:solidFill>
+            <a:schemeClr val="bg1"/>
+          </a:solidFill>
+          <a:ln>
+            <a:solidFill>
+              <a:schemeClr val="bg1"/>
+            </a:solidFill>
+          </a:ln>
+        </p:spPr>
+        <p:style>
+          <a:lnRef idx="2">
+            <a:schemeClr val="accent1">
+              <a:shade val="50000"/>
+            </a:schemeClr>
+          </a:lnRef>
+          <a:fillRef idx="1">
+            <a:schemeClr val="accent1"/>
+          </a:fillRef>
+          <a:effectRef idx="0">
+            <a:schemeClr val="accent1"/>
+          </a:effectRef>
+          <a:fontRef idx="minor">
+            <a:schemeClr val="lt1"/>
+          </a:fontRef>
+        </p:style>
+        <p:txBody>
+          <a:bodyPr rtlCol="0" anchor="ctr"/>
+          <a:lstStyle/>
+          <a:p>
+            <a:pPr algn="ctr"/>
+            <a:endParaRPr lang="en-US"/>
+          </a:p>
+        </p:txBody>
+      </p:sp>
+      <p:sp>
+        <p:nvSpPr>
+          <p:cNvPr id="12" name="Title 1"/>
+          <p:cNvSpPr txBox="1">
+            <a:spLocks/>
+          </p:cNvSpPr>
+          <p:nvPr/>
+        </p:nvSpPr>
+        <p:spPr>
+          <a:xfrm>
+            <a:off x="1119553" y="4582596"/>
+            <a:ext cx="2790386" cy="309197"/>
+          </a:xfrm>
+          <a:prstGeom prst="rect">
+            <a:avLst/>
+          </a:prstGeom>
+        </p:spPr>
+        <p:txBody>
+          <a:bodyPr vert="horz" lIns="91440" tIns="45720" rIns="91440" bIns="45720" rtlCol="0" anchor="t">
+            <a:noAutofit/>
+          </a:bodyPr>
+          <a:lstStyle>
+            <a:lvl1pPr marL="0" algn="l" defTabSz="914400" rtl="0" eaLnBrk="1" latinLnBrk="0" hangingPunct="1">
+              <a:lnSpc>
+                <a:spcPct val="85000"/>
+              </a:lnSpc>
+              <a:spcBef>
+                <a:spcPct val="0"/>
+              </a:spcBef>
+              <a:buNone/>
+              <a:defRPr sz="4800" kern="1200" spc="-50" baseline="0">
+                <a:solidFill>
+                  <a:schemeClr val="tx1">
+                    <a:lumMod val="75000"/>
+                    <a:lumOff val="25000"/>
+                  </a:schemeClr>
+                </a:solidFill>
+                <a:latin typeface="+mj-lt"/>
+                <a:ea typeface="+mj-ea"/>
+                <a:cs typeface="+mj-cs"/>
+              </a:defRPr>
+            </a:lvl1pPr>
+          </a:lstStyle>
+          <a:p>
+            <a:r>
+              <a:rPr lang="fr-FR" sz="1600" dirty="0" err="1" smtClean="0"/>
+              <a:t>Max_iter</a:t>
+            </a:r>
+            <a:endParaRPr lang="en-US" sz="1600" dirty="0"/>
+          </a:p>
+        </p:txBody>
+      </p:sp>
+      <p:pic>
+        <p:nvPicPr>
+          <p:cNvPr id="3" name="Picture 2"/>
+          <p:cNvPicPr>
+            <a:picLocks noChangeAspect="1"/>
+          </p:cNvPicPr>
+          <p:nvPr/>
+        </p:nvPicPr>
+        <p:blipFill>
+          <a:blip r:embed="rId2"/>
+          <a:stretch>
+            <a:fillRect/>
+          </a:stretch>
+        </p:blipFill>
+        <p:spPr>
+          <a:xfrm>
+            <a:off x="429453" y="2229593"/>
+            <a:ext cx="3877216" cy="2353003"/>
+          </a:xfrm>
+          <a:prstGeom prst="rect">
+            <a:avLst/>
+          </a:prstGeom>
+        </p:spPr>
+      </p:pic>
+      <p:pic>
+        <p:nvPicPr>
+          <p:cNvPr id="13" name="Picture 12"/>
+          <p:cNvPicPr>
+            <a:picLocks noChangeAspect="1"/>
+          </p:cNvPicPr>
+          <p:nvPr/>
+        </p:nvPicPr>
+        <p:blipFill>
+          <a:blip r:embed="rId3"/>
+          <a:stretch>
+            <a:fillRect/>
+          </a:stretch>
+        </p:blipFill>
+        <p:spPr>
+          <a:xfrm>
+            <a:off x="4545431" y="2432123"/>
+            <a:ext cx="7221219" cy="367333"/>
+          </a:xfrm>
+          <a:prstGeom prst="rect">
+            <a:avLst/>
+          </a:prstGeom>
+        </p:spPr>
+      </p:pic>
+      <p:sp>
+        <p:nvSpPr>
+          <p:cNvPr id="14" name="Title 1"/>
+          <p:cNvSpPr txBox="1">
+            <a:spLocks/>
+          </p:cNvSpPr>
+          <p:nvPr/>
+        </p:nvSpPr>
+        <p:spPr>
+          <a:xfrm>
+            <a:off x="4545431" y="2845324"/>
+            <a:ext cx="2790386" cy="309197"/>
+          </a:xfrm>
+          <a:prstGeom prst="rect">
+            <a:avLst/>
+          </a:prstGeom>
+        </p:spPr>
+        <p:txBody>
+          <a:bodyPr vert="horz" lIns="91440" tIns="45720" rIns="91440" bIns="45720" rtlCol="0" anchor="t">
+            <a:noAutofit/>
+          </a:bodyPr>
+          <a:lstStyle>
+            <a:lvl1pPr marL="0" algn="l" defTabSz="914400" rtl="0" eaLnBrk="1" latinLnBrk="0" hangingPunct="1">
+              <a:lnSpc>
+                <a:spcPct val="85000"/>
+              </a:lnSpc>
+              <a:spcBef>
+                <a:spcPct val="0"/>
+              </a:spcBef>
+              <a:buNone/>
+              <a:defRPr sz="4800" kern="1200" spc="-50" baseline="0">
+                <a:solidFill>
+                  <a:schemeClr val="tx1">
+                    <a:lumMod val="75000"/>
+                    <a:lumOff val="25000"/>
+                  </a:schemeClr>
+                </a:solidFill>
+                <a:latin typeface="+mj-lt"/>
+                <a:ea typeface="+mj-ea"/>
+                <a:cs typeface="+mj-cs"/>
+              </a:defRPr>
+            </a:lvl1pPr>
+          </a:lstStyle>
+          <a:p>
+            <a:r>
+              <a:rPr lang="fr-FR" sz="1600" dirty="0" err="1" smtClean="0"/>
+              <a:t>Regularisation</a:t>
+            </a:r>
+            <a:r>
+              <a:rPr lang="fr-FR" sz="1600" dirty="0" smtClean="0"/>
+              <a:t> </a:t>
+            </a:r>
+            <a:r>
+              <a:rPr lang="fr-FR" sz="1600" dirty="0" err="1" smtClean="0"/>
+              <a:t>parameter</a:t>
+            </a:r>
+            <a:endParaRPr lang="en-US" sz="1600" dirty="0"/>
+          </a:p>
+        </p:txBody>
+      </p:sp>
+      <p:sp>
+        <p:nvSpPr>
+          <p:cNvPr id="15" name="Title 1"/>
+          <p:cNvSpPr txBox="1">
+            <a:spLocks/>
+          </p:cNvSpPr>
+          <p:nvPr/>
+        </p:nvSpPr>
+        <p:spPr>
+          <a:xfrm>
+            <a:off x="4306669" y="2624071"/>
+            <a:ext cx="656684" cy="166420"/>
+          </a:xfrm>
+          <a:prstGeom prst="rect">
+            <a:avLst/>
+          </a:prstGeom>
+        </p:spPr>
+        <p:txBody>
+          <a:bodyPr vert="horz" lIns="91440" tIns="45720" rIns="91440" bIns="45720" rtlCol="0" anchor="t">
+            <a:noAutofit/>
+          </a:bodyPr>
+          <a:lstStyle>
+            <a:lvl1pPr marL="0" algn="l" defTabSz="914400" rtl="0" eaLnBrk="1" latinLnBrk="0" hangingPunct="1">
+              <a:lnSpc>
+                <a:spcPct val="85000"/>
+              </a:lnSpc>
+              <a:spcBef>
+                <a:spcPct val="0"/>
+              </a:spcBef>
+              <a:buNone/>
+              <a:defRPr sz="4800" kern="1200" spc="-50" baseline="0">
+                <a:solidFill>
+                  <a:schemeClr val="tx1">
+                    <a:lumMod val="75000"/>
+                    <a:lumOff val="25000"/>
+                  </a:schemeClr>
+                </a:solidFill>
+                <a:latin typeface="+mj-lt"/>
+                <a:ea typeface="+mj-ea"/>
+                <a:cs typeface="+mj-cs"/>
+              </a:defRPr>
+            </a:lvl1pPr>
+          </a:lstStyle>
+          <a:p>
+            <a:r>
+              <a:rPr lang="fr-FR" sz="800" dirty="0" err="1" smtClean="0"/>
+              <a:t>acc</a:t>
+            </a:r>
+            <a:endParaRPr lang="en-US" sz="800" dirty="0"/>
+          </a:p>
+        </p:txBody>
+      </p:sp>
+      <p:sp>
+        <p:nvSpPr>
+          <p:cNvPr id="16" name="Title 1"/>
+          <p:cNvSpPr txBox="1">
+            <a:spLocks/>
+          </p:cNvSpPr>
+          <p:nvPr/>
+        </p:nvSpPr>
+        <p:spPr>
+          <a:xfrm>
+            <a:off x="4306669" y="2460268"/>
+            <a:ext cx="656684" cy="166420"/>
+          </a:xfrm>
+          <a:prstGeom prst="rect">
+            <a:avLst/>
+          </a:prstGeom>
+        </p:spPr>
+        <p:txBody>
+          <a:bodyPr vert="horz" lIns="91440" tIns="45720" rIns="91440" bIns="45720" rtlCol="0" anchor="t">
+            <a:noAutofit/>
+          </a:bodyPr>
+          <a:lstStyle>
+            <a:lvl1pPr marL="0" algn="l" defTabSz="914400" rtl="0" eaLnBrk="1" latinLnBrk="0" hangingPunct="1">
+              <a:lnSpc>
+                <a:spcPct val="85000"/>
+              </a:lnSpc>
+              <a:spcBef>
+                <a:spcPct val="0"/>
+              </a:spcBef>
+              <a:buNone/>
+              <a:defRPr sz="4800" kern="1200" spc="-50" baseline="0">
+                <a:solidFill>
+                  <a:schemeClr val="tx1">
+                    <a:lumMod val="75000"/>
+                    <a:lumOff val="25000"/>
+                  </a:schemeClr>
+                </a:solidFill>
+                <a:latin typeface="+mj-lt"/>
+                <a:ea typeface="+mj-ea"/>
+                <a:cs typeface="+mj-cs"/>
+              </a:defRPr>
+            </a:lvl1pPr>
+          </a:lstStyle>
+          <a:p>
+            <a:r>
+              <a:rPr lang="fr-FR" sz="800" dirty="0" smtClean="0"/>
+              <a:t>C</a:t>
+            </a:r>
+            <a:endParaRPr lang="en-US" sz="800" dirty="0"/>
+          </a:p>
+        </p:txBody>
+      </p:sp>
+      <p:pic>
+        <p:nvPicPr>
+          <p:cNvPr id="17" name="Picture 16"/>
+          <p:cNvPicPr>
+            <a:picLocks noChangeAspect="1"/>
+          </p:cNvPicPr>
+          <p:nvPr/>
+        </p:nvPicPr>
+        <p:blipFill>
+          <a:blip r:embed="rId4"/>
+          <a:stretch>
+            <a:fillRect/>
+          </a:stretch>
+        </p:blipFill>
+        <p:spPr>
+          <a:xfrm>
+            <a:off x="4545431" y="3539577"/>
+            <a:ext cx="4315427" cy="409632"/>
+          </a:xfrm>
+          <a:prstGeom prst="rect">
+            <a:avLst/>
+          </a:prstGeom>
+        </p:spPr>
+      </p:pic>
+      <p:sp>
+        <p:nvSpPr>
+          <p:cNvPr id="18" name="Title 1"/>
+          <p:cNvSpPr txBox="1">
+            <a:spLocks/>
+          </p:cNvSpPr>
+          <p:nvPr/>
+        </p:nvSpPr>
+        <p:spPr>
+          <a:xfrm>
+            <a:off x="4545431" y="4025068"/>
+            <a:ext cx="2790386" cy="309197"/>
+          </a:xfrm>
+          <a:prstGeom prst="rect">
+            <a:avLst/>
+          </a:prstGeom>
+        </p:spPr>
+        <p:txBody>
+          <a:bodyPr vert="horz" lIns="91440" tIns="45720" rIns="91440" bIns="45720" rtlCol="0" anchor="t">
+            <a:noAutofit/>
+          </a:bodyPr>
+          <a:lstStyle>
+            <a:lvl1pPr marL="0" algn="l" defTabSz="914400" rtl="0" eaLnBrk="1" latinLnBrk="0" hangingPunct="1">
+              <a:lnSpc>
+                <a:spcPct val="85000"/>
+              </a:lnSpc>
+              <a:spcBef>
+                <a:spcPct val="0"/>
+              </a:spcBef>
+              <a:buNone/>
+              <a:defRPr sz="4800" kern="1200" spc="-50" baseline="0">
+                <a:solidFill>
+                  <a:schemeClr val="tx1">
+                    <a:lumMod val="75000"/>
+                    <a:lumOff val="25000"/>
+                  </a:schemeClr>
+                </a:solidFill>
+                <a:latin typeface="+mj-lt"/>
+                <a:ea typeface="+mj-ea"/>
+                <a:cs typeface="+mj-cs"/>
+              </a:defRPr>
+            </a:lvl1pPr>
+          </a:lstStyle>
+          <a:p>
+            <a:r>
+              <a:rPr lang="fr-FR" sz="1600" dirty="0" err="1" smtClean="0"/>
+              <a:t>Tolerence</a:t>
+            </a:r>
+            <a:r>
+              <a:rPr lang="fr-FR" sz="1600" dirty="0" smtClean="0"/>
+              <a:t> </a:t>
+            </a:r>
+            <a:r>
+              <a:rPr lang="fr-FR" sz="1600" dirty="0" err="1" smtClean="0"/>
+              <a:t>parameter</a:t>
+            </a:r>
+            <a:endParaRPr lang="en-US" sz="1600" dirty="0"/>
+          </a:p>
+        </p:txBody>
+      </p:sp>
+      <p:sp>
+        <p:nvSpPr>
+          <p:cNvPr id="19" name="Rectangle 18"/>
+          <p:cNvSpPr/>
+          <p:nvPr/>
+        </p:nvSpPr>
+        <p:spPr>
+          <a:xfrm>
+            <a:off x="1036613" y="1637593"/>
+            <a:ext cx="10179734" cy="237392"/>
+          </a:xfrm>
+          <a:prstGeom prst="rect">
+            <a:avLst/>
+          </a:prstGeom>
+          <a:solidFill>
+            <a:schemeClr val="bg1"/>
+          </a:solidFill>
+          <a:ln>
+            <a:solidFill>
+              <a:schemeClr val="bg1"/>
+            </a:solidFill>
+          </a:ln>
+        </p:spPr>
+        <p:style>
+          <a:lnRef idx="2">
+            <a:schemeClr val="accent1">
+              <a:shade val="50000"/>
+            </a:schemeClr>
+          </a:lnRef>
+          <a:fillRef idx="1">
+            <a:schemeClr val="accent1"/>
+          </a:fillRef>
+          <a:effectRef idx="0">
+            <a:schemeClr val="accent1"/>
+          </a:effectRef>
+          <a:fontRef idx="minor">
+            <a:schemeClr val="lt1"/>
+          </a:fontRef>
+        </p:style>
+        <p:txBody>
+          <a:bodyPr rtlCol="0" anchor="ctr"/>
+          <a:lstStyle/>
+          <a:p>
+            <a:pPr algn="ctr"/>
+            <a:endParaRPr lang="en-US"/>
+          </a:p>
+        </p:txBody>
+      </p:sp>
+      <p:sp>
+        <p:nvSpPr>
+          <p:cNvPr id="9" name="Title 1"/>
+          <p:cNvSpPr txBox="1">
+            <a:spLocks/>
+          </p:cNvSpPr>
+          <p:nvPr/>
+        </p:nvSpPr>
+        <p:spPr>
+          <a:xfrm>
+            <a:off x="668215" y="1780124"/>
+            <a:ext cx="2790386" cy="309197"/>
+          </a:xfrm>
+          <a:prstGeom prst="rect">
+            <a:avLst/>
+          </a:prstGeom>
+        </p:spPr>
+        <p:txBody>
+          <a:bodyPr vert="horz" lIns="91440" tIns="45720" rIns="91440" bIns="45720" rtlCol="0" anchor="t">
+            <a:noAutofit/>
+          </a:bodyPr>
+          <a:lstStyle>
+            <a:lvl1pPr marL="0" algn="l" defTabSz="914400" rtl="0" eaLnBrk="1" latinLnBrk="0" hangingPunct="1">
+              <a:lnSpc>
+                <a:spcPct val="85000"/>
+              </a:lnSpc>
+              <a:spcBef>
+                <a:spcPct val="0"/>
+              </a:spcBef>
+              <a:buNone/>
+              <a:defRPr sz="4800" kern="1200" spc="-50" baseline="0">
+                <a:solidFill>
+                  <a:schemeClr val="tx1">
+                    <a:lumMod val="75000"/>
+                    <a:lumOff val="25000"/>
+                  </a:schemeClr>
+                </a:solidFill>
+                <a:latin typeface="+mj-lt"/>
+                <a:ea typeface="+mj-ea"/>
+                <a:cs typeface="+mj-cs"/>
+              </a:defRPr>
+            </a:lvl1pPr>
+          </a:lstStyle>
+          <a:p>
+            <a:r>
+              <a:rPr lang="fr-FR" sz="1600" b="1" dirty="0"/>
+              <a:t>Support </a:t>
+            </a:r>
+            <a:r>
+              <a:rPr lang="fr-FR" sz="1600" b="1" dirty="0" err="1"/>
+              <a:t>Vector</a:t>
+            </a:r>
+            <a:r>
+              <a:rPr lang="fr-FR" sz="1600" b="1" dirty="0"/>
+              <a:t> </a:t>
+            </a:r>
+            <a:r>
+              <a:rPr lang="fr-FR" sz="1600" b="1" dirty="0" smtClean="0"/>
+              <a:t>Machines </a:t>
+            </a:r>
+            <a:r>
+              <a:rPr lang="fr-FR" sz="1600" b="1" dirty="0" err="1" smtClean="0"/>
+              <a:t>Tunning</a:t>
+            </a:r>
+            <a:endParaRPr lang="en-US" sz="1600" b="1" dirty="0"/>
+          </a:p>
+        </p:txBody>
+      </p:sp>
+      <p:sp>
+        <p:nvSpPr>
+          <p:cNvPr id="20" name="Title 1"/>
+          <p:cNvSpPr txBox="1">
+            <a:spLocks/>
+          </p:cNvSpPr>
+          <p:nvPr/>
+        </p:nvSpPr>
+        <p:spPr>
+          <a:xfrm>
+            <a:off x="745975" y="5244949"/>
+            <a:ext cx="11150017" cy="1041551"/>
+          </a:xfrm>
+          <a:prstGeom prst="rect">
+            <a:avLst/>
+          </a:prstGeom>
+        </p:spPr>
+        <p:txBody>
+          <a:bodyPr vert="horz" lIns="91440" tIns="45720" rIns="91440" bIns="45720" rtlCol="0" anchor="t">
+            <a:noAutofit/>
+          </a:bodyPr>
+          <a:lstStyle>
+            <a:lvl1pPr marL="0" algn="l" defTabSz="914400" rtl="0" eaLnBrk="1" latinLnBrk="0" hangingPunct="1">
+              <a:lnSpc>
+                <a:spcPct val="85000"/>
+              </a:lnSpc>
+              <a:spcBef>
+                <a:spcPct val="0"/>
+              </a:spcBef>
+              <a:buNone/>
+              <a:defRPr sz="4800" kern="1200" spc="-50" baseline="0">
+                <a:solidFill>
+                  <a:schemeClr val="tx1">
+                    <a:lumMod val="75000"/>
+                    <a:lumOff val="25000"/>
+                  </a:schemeClr>
+                </a:solidFill>
+                <a:latin typeface="+mj-lt"/>
+                <a:ea typeface="+mj-ea"/>
+                <a:cs typeface="+mj-cs"/>
+              </a:defRPr>
+            </a:lvl1pPr>
+          </a:lstStyle>
+          <a:p>
+            <a:r>
+              <a:rPr lang="fr-FR" sz="1600" dirty="0" smtClean="0"/>
+              <a:t>Paramètres retenus :</a:t>
+            </a:r>
+          </a:p>
+          <a:p>
+            <a:r>
+              <a:rPr lang="fr-FR" sz="1600" dirty="0" smtClean="0"/>
+              <a:t> </a:t>
+            </a:r>
+          </a:p>
+          <a:p>
+            <a:r>
+              <a:rPr lang="en-US" sz="1600" dirty="0" err="1" smtClean="0"/>
+              <a:t>svm.SVC</a:t>
+            </a:r>
+            <a:r>
+              <a:rPr lang="en-US" sz="1600" dirty="0" smtClean="0"/>
+              <a:t>(gamma=0.001</a:t>
+            </a:r>
+            <a:r>
+              <a:rPr lang="en-US" sz="1600" dirty="0"/>
+              <a:t>, C=100., </a:t>
+            </a:r>
+            <a:r>
+              <a:rPr lang="en-US" sz="1600" dirty="0" err="1"/>
+              <a:t>decision_function_shape</a:t>
+            </a:r>
+            <a:r>
+              <a:rPr lang="en-US" sz="1600" dirty="0"/>
+              <a:t>='</a:t>
+            </a:r>
+            <a:r>
+              <a:rPr lang="en-US" sz="1600" dirty="0" err="1"/>
+              <a:t>ovr</a:t>
+            </a:r>
+            <a:r>
+              <a:rPr lang="en-US" sz="1600" dirty="0"/>
+              <a:t>', </a:t>
+            </a:r>
+            <a:r>
+              <a:rPr lang="en-US" sz="1600" dirty="0" err="1"/>
+              <a:t>random_state</a:t>
+            </a:r>
+            <a:r>
+              <a:rPr lang="en-US" sz="1600" dirty="0"/>
+              <a:t>=22, </a:t>
+            </a:r>
+            <a:r>
+              <a:rPr lang="en-US" sz="1600" dirty="0" err="1"/>
+              <a:t>max_iter</a:t>
+            </a:r>
+            <a:r>
+              <a:rPr lang="en-US" sz="1600" dirty="0"/>
+              <a:t>=2500, kernel='</a:t>
+            </a:r>
+            <a:r>
+              <a:rPr lang="en-US" sz="1600" dirty="0" err="1"/>
+              <a:t>rbf</a:t>
+            </a:r>
+            <a:r>
+              <a:rPr lang="en-US" sz="1600" dirty="0"/>
+              <a:t>', </a:t>
+            </a:r>
+            <a:r>
+              <a:rPr lang="en-US" sz="1600" dirty="0" err="1" smtClean="0"/>
+              <a:t>tol</a:t>
+            </a:r>
+            <a:r>
+              <a:rPr lang="en-US" sz="1600" dirty="0" smtClean="0"/>
+              <a:t>=0.0001)</a:t>
+            </a:r>
+            <a:endParaRPr lang="en-US" sz="1600" dirty="0"/>
+          </a:p>
+        </p:txBody>
+      </p:sp>
+      <p:sp>
+        <p:nvSpPr>
+          <p:cNvPr id="21" name="Rectangle 20"/>
+          <p:cNvSpPr/>
+          <p:nvPr/>
+        </p:nvSpPr>
+        <p:spPr>
+          <a:xfrm>
+            <a:off x="429452" y="1705708"/>
+            <a:ext cx="11337198" cy="3288323"/>
+          </a:xfrm>
+          <a:prstGeom prst="rect">
+            <a:avLst/>
+          </a:prstGeom>
+          <a:noFill/>
+          <a:ln w="9525" cap="flat" cmpd="sng" algn="ctr">
+            <a:solidFill>
+              <a:schemeClr val="accent6"/>
+            </a:solidFill>
+            <a:prstDash val="solid"/>
+            <a:round/>
+            <a:headEnd type="none" w="med" len="med"/>
+            <a:tailEnd type="none" w="med" len="med"/>
+          </a:ln>
+        </p:spPr>
+        <p:style>
+          <a:lnRef idx="0">
+            <a:scrgbClr r="0" g="0" b="0"/>
+          </a:lnRef>
+          <a:fillRef idx="0">
+            <a:scrgbClr r="0" g="0" b="0"/>
+          </a:fillRef>
+          <a:effectRef idx="0">
+            <a:scrgbClr r="0" g="0" b="0"/>
+          </a:effectRef>
+          <a:fontRef idx="minor">
+            <a:schemeClr val="accent6"/>
+          </a:fontRef>
+        </p:style>
+        <p:txBody>
+          <a:bodyPr rtlCol="0" anchor="ctr"/>
+          <a:lstStyle/>
+          <a:p>
+            <a:pPr algn="ctr"/>
+            <a:endParaRPr lang="en-US"/>
+          </a:p>
+        </p:txBody>
+      </p:sp>
+    </p:spTree>
+    <p:extLst>
+      <p:ext uri="{BB962C8B-B14F-4D97-AF65-F5344CB8AC3E}">
+        <p14:creationId xmlns:p14="http://schemas.microsoft.com/office/powerpoint/2010/main" val="1269892623"/>
       </p:ext>
     </p:extLst>
   </p:cSld>

--- a/rapport_marc_guynot.pptx
+++ b/rapport_marc_guynot.pptx
@@ -4,6 +4,9 @@
   <p:sldMasterIdLst>
     <p:sldMasterId id="2147483672" r:id="rId1"/>
   </p:sldMasterIdLst>
+  <p:notesMasterIdLst>
+    <p:notesMasterId r:id="rId14"/>
+  </p:notesMasterIdLst>
   <p:sldIdLst>
     <p:sldId id="256" r:id="rId2"/>
     <p:sldId id="263" r:id="rId3"/>
@@ -16,6 +19,7 @@
     <p:sldId id="264" r:id="rId10"/>
     <p:sldId id="265" r:id="rId11"/>
     <p:sldId id="266" r:id="rId12"/>
+    <p:sldId id="267" r:id="rId13"/>
   </p:sldIdLst>
   <p:sldSz cx="12192000" cy="6858000"/>
   <p:notesSz cx="6858000" cy="9144000"/>
@@ -117,6 +121,356 @@
 </p:presentation>
 </file>
 
+<file path=ppt/notesMasters/notesMaster1.xml><?xml version="1.0" encoding="utf-8"?>
+<p:notesMaster xmlns:a="http://schemas.openxmlformats.org/drawingml/2006/main" xmlns:r="http://schemas.openxmlformats.org/officeDocument/2006/relationships" xmlns:p="http://schemas.openxmlformats.org/presentationml/2006/main">
+  <p:cSld>
+    <p:bg>
+      <p:bgRef idx="1001">
+        <a:schemeClr val="bg1"/>
+      </p:bgRef>
+    </p:bg>
+    <p:spTree>
+      <p:nvGrpSpPr>
+        <p:cNvPr id="1" name=""/>
+        <p:cNvGrpSpPr/>
+        <p:nvPr/>
+      </p:nvGrpSpPr>
+      <p:grpSpPr>
+        <a:xfrm>
+          <a:off x="0" y="0"/>
+          <a:ext cx="0" cy="0"/>
+          <a:chOff x="0" y="0"/>
+          <a:chExt cx="0" cy="0"/>
+        </a:xfrm>
+      </p:grpSpPr>
+      <p:sp>
+        <p:nvSpPr>
+          <p:cNvPr id="2" name="Header Placeholder 1"/>
+          <p:cNvSpPr>
+            <a:spLocks noGrp="1"/>
+          </p:cNvSpPr>
+          <p:nvPr>
+            <p:ph type="hdr" sz="quarter"/>
+          </p:nvPr>
+        </p:nvSpPr>
+        <p:spPr>
+          <a:xfrm>
+            <a:off x="0" y="0"/>
+            <a:ext cx="2971800" cy="458788"/>
+          </a:xfrm>
+          <a:prstGeom prst="rect">
+            <a:avLst/>
+          </a:prstGeom>
+        </p:spPr>
+        <p:txBody>
+          <a:bodyPr vert="horz" lIns="91440" tIns="45720" rIns="91440" bIns="45720" rtlCol="0"/>
+          <a:lstStyle>
+            <a:lvl1pPr algn="l">
+              <a:defRPr sz="1200"/>
+            </a:lvl1pPr>
+          </a:lstStyle>
+          <a:p>
+            <a:endParaRPr lang="en-US"/>
+          </a:p>
+        </p:txBody>
+      </p:sp>
+      <p:sp>
+        <p:nvSpPr>
+          <p:cNvPr id="3" name="Date Placeholder 2"/>
+          <p:cNvSpPr>
+            <a:spLocks noGrp="1"/>
+          </p:cNvSpPr>
+          <p:nvPr>
+            <p:ph type="dt" idx="1"/>
+          </p:nvPr>
+        </p:nvSpPr>
+        <p:spPr>
+          <a:xfrm>
+            <a:off x="3884613" y="0"/>
+            <a:ext cx="2971800" cy="458788"/>
+          </a:xfrm>
+          <a:prstGeom prst="rect">
+            <a:avLst/>
+          </a:prstGeom>
+        </p:spPr>
+        <p:txBody>
+          <a:bodyPr vert="horz" lIns="91440" tIns="45720" rIns="91440" bIns="45720" rtlCol="0"/>
+          <a:lstStyle>
+            <a:lvl1pPr algn="r">
+              <a:defRPr sz="1200"/>
+            </a:lvl1pPr>
+          </a:lstStyle>
+          <a:p>
+            <a:fld id="{0B7ABDB3-4D2B-4EF2-80C7-F8F477742AEF}" type="datetimeFigureOut">
+              <a:rPr lang="en-US" smtClean="0"/>
+              <a:t>1/31/2020</a:t>
+            </a:fld>
+            <a:endParaRPr lang="en-US"/>
+          </a:p>
+        </p:txBody>
+      </p:sp>
+      <p:sp>
+        <p:nvSpPr>
+          <p:cNvPr id="4" name="Slide Image Placeholder 3"/>
+          <p:cNvSpPr>
+            <a:spLocks noGrp="1" noRot="1" noChangeAspect="1"/>
+          </p:cNvSpPr>
+          <p:nvPr>
+            <p:ph type="sldImg" idx="2"/>
+          </p:nvPr>
+        </p:nvSpPr>
+        <p:spPr>
+          <a:xfrm>
+            <a:off x="685800" y="1143000"/>
+            <a:ext cx="5486400" cy="3086100"/>
+          </a:xfrm>
+          <a:prstGeom prst="rect">
+            <a:avLst/>
+          </a:prstGeom>
+          <a:noFill/>
+          <a:ln w="12700">
+            <a:solidFill>
+              <a:prstClr val="black"/>
+            </a:solidFill>
+          </a:ln>
+        </p:spPr>
+        <p:txBody>
+          <a:bodyPr vert="horz" lIns="91440" tIns="45720" rIns="91440" bIns="45720" rtlCol="0" anchor="ctr"/>
+          <a:lstStyle/>
+          <a:p>
+            <a:endParaRPr lang="en-US"/>
+          </a:p>
+        </p:txBody>
+      </p:sp>
+      <p:sp>
+        <p:nvSpPr>
+          <p:cNvPr id="5" name="Notes Placeholder 4"/>
+          <p:cNvSpPr>
+            <a:spLocks noGrp="1"/>
+          </p:cNvSpPr>
+          <p:nvPr>
+            <p:ph type="body" sz="quarter" idx="3"/>
+          </p:nvPr>
+        </p:nvSpPr>
+        <p:spPr>
+          <a:xfrm>
+            <a:off x="685800" y="4400550"/>
+            <a:ext cx="5486400" cy="3600450"/>
+          </a:xfrm>
+          <a:prstGeom prst="rect">
+            <a:avLst/>
+          </a:prstGeom>
+        </p:spPr>
+        <p:txBody>
+          <a:bodyPr vert="horz" lIns="91440" tIns="45720" rIns="91440" bIns="45720" rtlCol="0"/>
+          <a:lstStyle/>
+          <a:p>
+            <a:pPr lvl="0"/>
+            <a:r>
+              <a:rPr lang="en-US" smtClean="0"/>
+              <a:t>Edit Master text styles</a:t>
+            </a:r>
+          </a:p>
+          <a:p>
+            <a:pPr lvl="1"/>
+            <a:r>
+              <a:rPr lang="en-US" smtClean="0"/>
+              <a:t>Second level</a:t>
+            </a:r>
+          </a:p>
+          <a:p>
+            <a:pPr lvl="2"/>
+            <a:r>
+              <a:rPr lang="en-US" smtClean="0"/>
+              <a:t>Third level</a:t>
+            </a:r>
+          </a:p>
+          <a:p>
+            <a:pPr lvl="3"/>
+            <a:r>
+              <a:rPr lang="en-US" smtClean="0"/>
+              <a:t>Fourth level</a:t>
+            </a:r>
+          </a:p>
+          <a:p>
+            <a:pPr lvl="4"/>
+            <a:r>
+              <a:rPr lang="en-US" smtClean="0"/>
+              <a:t>Fifth level</a:t>
+            </a:r>
+            <a:endParaRPr lang="en-US"/>
+          </a:p>
+        </p:txBody>
+      </p:sp>
+      <p:sp>
+        <p:nvSpPr>
+          <p:cNvPr id="6" name="Footer Placeholder 5"/>
+          <p:cNvSpPr>
+            <a:spLocks noGrp="1"/>
+          </p:cNvSpPr>
+          <p:nvPr>
+            <p:ph type="ftr" sz="quarter" idx="4"/>
+          </p:nvPr>
+        </p:nvSpPr>
+        <p:spPr>
+          <a:xfrm>
+            <a:off x="0" y="8685213"/>
+            <a:ext cx="2971800" cy="458787"/>
+          </a:xfrm>
+          <a:prstGeom prst="rect">
+            <a:avLst/>
+          </a:prstGeom>
+        </p:spPr>
+        <p:txBody>
+          <a:bodyPr vert="horz" lIns="91440" tIns="45720" rIns="91440" bIns="45720" rtlCol="0" anchor="b"/>
+          <a:lstStyle>
+            <a:lvl1pPr algn="l">
+              <a:defRPr sz="1200"/>
+            </a:lvl1pPr>
+          </a:lstStyle>
+          <a:p>
+            <a:endParaRPr lang="en-US"/>
+          </a:p>
+        </p:txBody>
+      </p:sp>
+      <p:sp>
+        <p:nvSpPr>
+          <p:cNvPr id="7" name="Slide Number Placeholder 6"/>
+          <p:cNvSpPr>
+            <a:spLocks noGrp="1"/>
+          </p:cNvSpPr>
+          <p:nvPr>
+            <p:ph type="sldNum" sz="quarter" idx="5"/>
+          </p:nvPr>
+        </p:nvSpPr>
+        <p:spPr>
+          <a:xfrm>
+            <a:off x="3884613" y="8685213"/>
+            <a:ext cx="2971800" cy="458787"/>
+          </a:xfrm>
+          <a:prstGeom prst="rect">
+            <a:avLst/>
+          </a:prstGeom>
+        </p:spPr>
+        <p:txBody>
+          <a:bodyPr vert="horz" lIns="91440" tIns="45720" rIns="91440" bIns="45720" rtlCol="0" anchor="b"/>
+          <a:lstStyle>
+            <a:lvl1pPr algn="r">
+              <a:defRPr sz="1200"/>
+            </a:lvl1pPr>
+          </a:lstStyle>
+          <a:p>
+            <a:fld id="{E8D298C0-6B1B-460A-8928-DB9FF66FE938}" type="slidenum">
+              <a:rPr lang="en-US" smtClean="0"/>
+              <a:t>‹#›</a:t>
+            </a:fld>
+            <a:endParaRPr lang="en-US"/>
+          </a:p>
+        </p:txBody>
+      </p:sp>
+    </p:spTree>
+    <p:extLst>
+      <p:ext uri="{BB962C8B-B14F-4D97-AF65-F5344CB8AC3E}">
+        <p14:creationId xmlns:p14="http://schemas.microsoft.com/office/powerpoint/2010/main" val="1285584905"/>
+      </p:ext>
+    </p:extLst>
+  </p:cSld>
+  <p:clrMap bg1="lt1" tx1="dk1" bg2="lt2" tx2="dk2" accent1="accent1" accent2="accent2" accent3="accent3" accent4="accent4" accent5="accent5" accent6="accent6" hlink="hlink" folHlink="folHlink"/>
+  <p:notesStyle>
+    <a:lvl1pPr marL="0" algn="l" defTabSz="914400" rtl="0" eaLnBrk="1" latinLnBrk="0" hangingPunct="1">
+      <a:defRPr sz="1200" kern="1200">
+        <a:solidFill>
+          <a:schemeClr val="tx1"/>
+        </a:solidFill>
+        <a:latin typeface="+mn-lt"/>
+        <a:ea typeface="+mn-ea"/>
+        <a:cs typeface="+mn-cs"/>
+      </a:defRPr>
+    </a:lvl1pPr>
+    <a:lvl2pPr marL="457200" algn="l" defTabSz="914400" rtl="0" eaLnBrk="1" latinLnBrk="0" hangingPunct="1">
+      <a:defRPr sz="1200" kern="1200">
+        <a:solidFill>
+          <a:schemeClr val="tx1"/>
+        </a:solidFill>
+        <a:latin typeface="+mn-lt"/>
+        <a:ea typeface="+mn-ea"/>
+        <a:cs typeface="+mn-cs"/>
+      </a:defRPr>
+    </a:lvl2pPr>
+    <a:lvl3pPr marL="914400" algn="l" defTabSz="914400" rtl="0" eaLnBrk="1" latinLnBrk="0" hangingPunct="1">
+      <a:defRPr sz="1200" kern="1200">
+        <a:solidFill>
+          <a:schemeClr val="tx1"/>
+        </a:solidFill>
+        <a:latin typeface="+mn-lt"/>
+        <a:ea typeface="+mn-ea"/>
+        <a:cs typeface="+mn-cs"/>
+      </a:defRPr>
+    </a:lvl3pPr>
+    <a:lvl4pPr marL="1371600" algn="l" defTabSz="914400" rtl="0" eaLnBrk="1" latinLnBrk="0" hangingPunct="1">
+      <a:defRPr sz="1200" kern="1200">
+        <a:solidFill>
+          <a:schemeClr val="tx1"/>
+        </a:solidFill>
+        <a:latin typeface="+mn-lt"/>
+        <a:ea typeface="+mn-ea"/>
+        <a:cs typeface="+mn-cs"/>
+      </a:defRPr>
+    </a:lvl4pPr>
+    <a:lvl5pPr marL="1828800" algn="l" defTabSz="914400" rtl="0" eaLnBrk="1" latinLnBrk="0" hangingPunct="1">
+      <a:defRPr sz="1200" kern="1200">
+        <a:solidFill>
+          <a:schemeClr val="tx1"/>
+        </a:solidFill>
+        <a:latin typeface="+mn-lt"/>
+        <a:ea typeface="+mn-ea"/>
+        <a:cs typeface="+mn-cs"/>
+      </a:defRPr>
+    </a:lvl5pPr>
+    <a:lvl6pPr marL="2286000" algn="l" defTabSz="914400" rtl="0" eaLnBrk="1" latinLnBrk="0" hangingPunct="1">
+      <a:defRPr sz="1200" kern="1200">
+        <a:solidFill>
+          <a:schemeClr val="tx1"/>
+        </a:solidFill>
+        <a:latin typeface="+mn-lt"/>
+        <a:ea typeface="+mn-ea"/>
+        <a:cs typeface="+mn-cs"/>
+      </a:defRPr>
+    </a:lvl6pPr>
+    <a:lvl7pPr marL="2743200" algn="l" defTabSz="914400" rtl="0" eaLnBrk="1" latinLnBrk="0" hangingPunct="1">
+      <a:defRPr sz="1200" kern="1200">
+        <a:solidFill>
+          <a:schemeClr val="tx1"/>
+        </a:solidFill>
+        <a:latin typeface="+mn-lt"/>
+        <a:ea typeface="+mn-ea"/>
+        <a:cs typeface="+mn-cs"/>
+      </a:defRPr>
+    </a:lvl7pPr>
+    <a:lvl8pPr marL="3200400" algn="l" defTabSz="914400" rtl="0" eaLnBrk="1" latinLnBrk="0" hangingPunct="1">
+      <a:defRPr sz="1200" kern="1200">
+        <a:solidFill>
+          <a:schemeClr val="tx1"/>
+        </a:solidFill>
+        <a:latin typeface="+mn-lt"/>
+        <a:ea typeface="+mn-ea"/>
+        <a:cs typeface="+mn-cs"/>
+      </a:defRPr>
+    </a:lvl8pPr>
+    <a:lvl9pPr marL="3657600" algn="l" defTabSz="914400" rtl="0" eaLnBrk="1" latinLnBrk="0" hangingPunct="1">
+      <a:defRPr sz="1200" kern="1200">
+        <a:solidFill>
+          <a:schemeClr val="tx1"/>
+        </a:solidFill>
+        <a:latin typeface="+mn-lt"/>
+        <a:ea typeface="+mn-ea"/>
+        <a:cs typeface="+mn-cs"/>
+      </a:defRPr>
+    </a:lvl9pPr>
+  </p:notesStyle>
+</p:notesMaster>
+</file>
+
 <file path=ppt/slideLayouts/slideLayout1.xml><?xml version="1.0" encoding="utf-8"?>
 <p:sldLayout xmlns:a="http://schemas.openxmlformats.org/drawingml/2006/main" xmlns:r="http://schemas.openxmlformats.org/officeDocument/2006/relationships" xmlns:p="http://schemas.openxmlformats.org/presentationml/2006/main" showMasterSp="0" type="title" preserve="1">
   <p:cSld name="Title Slide">
@@ -341,9 +695,9 @@
           <a:bodyPr/>
           <a:lstStyle/>
           <a:p>
-            <a:fld id="{4AAF8541-B639-48E3-803C-A6CDCBCCD19D}" type="datetimeFigureOut">
-              <a:rPr lang="en-US" smtClean="0"/>
-              <a:t>1/30/2020</a:t>
+            <a:fld id="{C0125FE5-16E8-4CB3-90C6-63B47F178051}" type="datetime1">
+              <a:rPr lang="en-US" smtClean="0"/>
+              <a:t>1/31/2020</a:t>
             </a:fld>
             <a:endParaRPr lang="en-US"/>
           </a:p>
@@ -364,6 +718,10 @@
           <a:bodyPr/>
           <a:lstStyle/>
           <a:p>
+            <a:r>
+              <a:rPr lang="fr-FR" smtClean="0"/>
+              <a:t>Marc Guynot de Boismenu - Devoir Maison Python for Data Analysis</a:t>
+            </a:r>
             <a:endParaRPr lang="en-US"/>
           </a:p>
         </p:txBody>
@@ -549,9 +907,9 @@
           <a:bodyPr/>
           <a:lstStyle/>
           <a:p>
-            <a:fld id="{4AAF8541-B639-48E3-803C-A6CDCBCCD19D}" type="datetimeFigureOut">
-              <a:rPr lang="en-US" smtClean="0"/>
-              <a:t>1/30/2020</a:t>
+            <a:fld id="{1B0F45CF-00F8-43A0-9E39-19D996EBE3C0}" type="datetime1">
+              <a:rPr lang="en-US" smtClean="0"/>
+              <a:t>1/31/2020</a:t>
             </a:fld>
             <a:endParaRPr lang="en-US"/>
           </a:p>
@@ -572,6 +930,10 @@
           <a:bodyPr/>
           <a:lstStyle/>
           <a:p>
+            <a:r>
+              <a:rPr lang="fr-FR" smtClean="0"/>
+              <a:t>Marc Guynot de Boismenu - Devoir Maison Python for Data Analysis</a:t>
+            </a:r>
             <a:endParaRPr lang="en-US"/>
           </a:p>
         </p:txBody>
@@ -805,9 +1167,9 @@
           <a:bodyPr/>
           <a:lstStyle/>
           <a:p>
-            <a:fld id="{4AAF8541-B639-48E3-803C-A6CDCBCCD19D}" type="datetimeFigureOut">
-              <a:rPr lang="en-US" smtClean="0"/>
-              <a:t>1/30/2020</a:t>
+            <a:fld id="{8DE8C1DB-6C76-4BB6-9B72-4196200DB2B4}" type="datetime1">
+              <a:rPr lang="en-US" smtClean="0"/>
+              <a:t>1/31/2020</a:t>
             </a:fld>
             <a:endParaRPr lang="en-US"/>
           </a:p>
@@ -828,6 +1190,10 @@
           <a:bodyPr/>
           <a:lstStyle/>
           <a:p>
+            <a:r>
+              <a:rPr lang="fr-FR" smtClean="0"/>
+              <a:t>Marc Guynot de Boismenu - Devoir Maison Python for Data Analysis</a:t>
+            </a:r>
             <a:endParaRPr lang="en-US"/>
           </a:p>
         </p:txBody>
@@ -979,9 +1345,9 @@
           <a:bodyPr/>
           <a:lstStyle/>
           <a:p>
-            <a:fld id="{4AAF8541-B639-48E3-803C-A6CDCBCCD19D}" type="datetimeFigureOut">
-              <a:rPr lang="en-US" smtClean="0"/>
-              <a:t>1/30/2020</a:t>
+            <a:fld id="{7BB42C43-9BD7-4B08-8B2D-D86AF1F04FA5}" type="datetime1">
+              <a:rPr lang="en-US" smtClean="0"/>
+              <a:t>1/31/2020</a:t>
             </a:fld>
             <a:endParaRPr lang="en-US"/>
           </a:p>
@@ -1002,6 +1368,10 @@
           <a:bodyPr/>
           <a:lstStyle/>
           <a:p>
+            <a:r>
+              <a:rPr lang="fr-FR" smtClean="0"/>
+              <a:t>Marc Guynot de Boismenu - Devoir Maison Python for Data Analysis</a:t>
+            </a:r>
             <a:endParaRPr lang="en-US"/>
           </a:p>
         </p:txBody>
@@ -1322,9 +1692,9 @@
           <a:bodyPr/>
           <a:lstStyle/>
           <a:p>
-            <a:fld id="{4AAF8541-B639-48E3-803C-A6CDCBCCD19D}" type="datetimeFigureOut">
-              <a:rPr lang="en-US" smtClean="0"/>
-              <a:t>1/30/2020</a:t>
+            <a:fld id="{AA2ECD60-8D37-43EA-8D8B-B2DC6F2D9C6A}" type="datetime1">
+              <a:rPr lang="en-US" smtClean="0"/>
+              <a:t>1/31/2020</a:t>
             </a:fld>
             <a:endParaRPr lang="en-US"/>
           </a:p>
@@ -1345,6 +1715,10 @@
           <a:bodyPr/>
           <a:lstStyle/>
           <a:p>
+            <a:r>
+              <a:rPr lang="fr-FR" smtClean="0"/>
+              <a:t>Marc Guynot de Boismenu - Devoir Maison Python for Data Analysis</a:t>
+            </a:r>
             <a:endParaRPr lang="en-US"/>
           </a:p>
         </p:txBody>
@@ -1597,9 +1971,9 @@
           <a:bodyPr/>
           <a:lstStyle/>
           <a:p>
-            <a:fld id="{4AAF8541-B639-48E3-803C-A6CDCBCCD19D}" type="datetimeFigureOut">
-              <a:rPr lang="en-US" smtClean="0"/>
-              <a:t>1/30/2020</a:t>
+            <a:fld id="{B5FE0F36-BB16-48D8-8926-484C2205211F}" type="datetime1">
+              <a:rPr lang="en-US" smtClean="0"/>
+              <a:t>1/31/2020</a:t>
             </a:fld>
             <a:endParaRPr lang="en-US"/>
           </a:p>
@@ -1620,6 +1994,10 @@
           <a:bodyPr/>
           <a:lstStyle/>
           <a:p>
+            <a:r>
+              <a:rPr lang="fr-FR" smtClean="0"/>
+              <a:t>Marc Guynot de Boismenu - Devoir Maison Python for Data Analysis</a:t>
+            </a:r>
             <a:endParaRPr lang="en-US"/>
           </a:p>
         </p:txBody>
@@ -1976,9 +2354,9 @@
           <a:bodyPr/>
           <a:lstStyle/>
           <a:p>
-            <a:fld id="{4AAF8541-B639-48E3-803C-A6CDCBCCD19D}" type="datetimeFigureOut">
-              <a:rPr lang="en-US" smtClean="0"/>
-              <a:t>1/30/2020</a:t>
+            <a:fld id="{32A889D3-6238-4F46-89A4-56A0F994D953}" type="datetime1">
+              <a:rPr lang="en-US" smtClean="0"/>
+              <a:t>1/31/2020</a:t>
             </a:fld>
             <a:endParaRPr lang="en-US"/>
           </a:p>
@@ -1999,6 +2377,10 @@
           <a:bodyPr/>
           <a:lstStyle/>
           <a:p>
+            <a:r>
+              <a:rPr lang="fr-FR" smtClean="0"/>
+              <a:t>Marc Guynot de Boismenu - Devoir Maison Python for Data Analysis</a:t>
+            </a:r>
             <a:endParaRPr lang="en-US"/>
           </a:p>
         </p:txBody>
@@ -2094,9 +2476,9 @@
           <a:bodyPr/>
           <a:lstStyle/>
           <a:p>
-            <a:fld id="{4AAF8541-B639-48E3-803C-A6CDCBCCD19D}" type="datetimeFigureOut">
-              <a:rPr lang="en-US" smtClean="0"/>
-              <a:t>1/30/2020</a:t>
+            <a:fld id="{89F3827A-250A-411D-83B4-37BB84F65A1F}" type="datetime1">
+              <a:rPr lang="en-US" smtClean="0"/>
+              <a:t>1/31/2020</a:t>
             </a:fld>
             <a:endParaRPr lang="en-US"/>
           </a:p>
@@ -2117,6 +2499,10 @@
           <a:bodyPr/>
           <a:lstStyle/>
           <a:p>
+            <a:r>
+              <a:rPr lang="fr-FR" smtClean="0"/>
+              <a:t>Marc Guynot de Boismenu - Devoir Maison Python for Data Analysis</a:t>
+            </a:r>
             <a:endParaRPr lang="en-US"/>
           </a:p>
         </p:txBody>
@@ -2265,9 +2651,9 @@
           <a:bodyPr/>
           <a:lstStyle/>
           <a:p>
-            <a:fld id="{4AAF8541-B639-48E3-803C-A6CDCBCCD19D}" type="datetimeFigureOut">
-              <a:rPr lang="en-US" smtClean="0"/>
-              <a:t>1/30/2020</a:t>
+            <a:fld id="{4C3FE07F-4C19-4451-B43F-8F50E3DE11DD}" type="datetime1">
+              <a:rPr lang="en-US" smtClean="0"/>
+              <a:t>1/31/2020</a:t>
             </a:fld>
             <a:endParaRPr lang="en-US"/>
           </a:p>
@@ -2296,6 +2682,10 @@
             </a:lvl1pPr>
           </a:lstStyle>
           <a:p>
+            <a:r>
+              <a:rPr lang="fr-FR" smtClean="0"/>
+              <a:t>Marc Guynot de Boismenu - Devoir Maison Python for Data Analysis</a:t>
+            </a:r>
             <a:endParaRPr lang="en-US"/>
           </a:p>
         </p:txBody>
@@ -2619,9 +3009,9 @@
             </a:lvl1pPr>
           </a:lstStyle>
           <a:p>
-            <a:fld id="{4AAF8541-B639-48E3-803C-A6CDCBCCD19D}" type="datetimeFigureOut">
-              <a:rPr lang="en-US" smtClean="0"/>
-              <a:t>1/30/2020</a:t>
+            <a:fld id="{7F24C644-7E2A-40FE-A40C-9AF569D6B0E7}" type="datetime1">
+              <a:rPr lang="en-US" smtClean="0"/>
+              <a:t>1/31/2020</a:t>
             </a:fld>
             <a:endParaRPr lang="en-US"/>
           </a:p>
@@ -2655,6 +3045,10 @@
             </a:lvl1pPr>
           </a:lstStyle>
           <a:p>
+            <a:r>
+              <a:rPr lang="fr-FR" smtClean="0"/>
+              <a:t>Marc Guynot de Boismenu - Devoir Maison Python for Data Analysis</a:t>
+            </a:r>
             <a:endParaRPr lang="en-US"/>
           </a:p>
         </p:txBody>
@@ -3001,9 +3395,9 @@
           <a:bodyPr/>
           <a:lstStyle/>
           <a:p>
-            <a:fld id="{4AAF8541-B639-48E3-803C-A6CDCBCCD19D}" type="datetimeFigureOut">
-              <a:rPr lang="en-US" smtClean="0"/>
-              <a:t>1/30/2020</a:t>
+            <a:fld id="{B8C880C8-E46E-419A-92C3-EC9A35C57A1A}" type="datetime1">
+              <a:rPr lang="en-US" smtClean="0"/>
+              <a:t>1/31/2020</a:t>
             </a:fld>
             <a:endParaRPr lang="en-US"/>
           </a:p>
@@ -3024,6 +3418,10 @@
           <a:bodyPr/>
           <a:lstStyle/>
           <a:p>
+            <a:r>
+              <a:rPr lang="fr-FR" smtClean="0"/>
+              <a:t>Marc Guynot de Boismenu - Devoir Maison Python for Data Analysis</a:t>
+            </a:r>
             <a:endParaRPr lang="en-US" dirty="0"/>
           </a:p>
         </p:txBody>
@@ -3288,9 +3686,9 @@
             </a:lvl1pPr>
           </a:lstStyle>
           <a:p>
-            <a:fld id="{4AAF8541-B639-48E3-803C-A6CDCBCCD19D}" type="datetimeFigureOut">
-              <a:rPr lang="en-US" smtClean="0"/>
-              <a:t>1/30/2020</a:t>
+            <a:fld id="{54328A43-921E-4643-BDF3-BFF4EB6CB848}" type="datetime1">
+              <a:rPr lang="en-US" smtClean="0"/>
+              <a:t>1/31/2020</a:t>
             </a:fld>
             <a:endParaRPr lang="en-US"/>
           </a:p>
@@ -3327,6 +3725,10 @@
             </a:lvl1pPr>
           </a:lstStyle>
           <a:p>
+            <a:r>
+              <a:rPr lang="fr-FR" smtClean="0"/>
+              <a:t>Marc Guynot de Boismenu - Devoir Maison Python for Data Analysis</a:t>
+            </a:r>
             <a:endParaRPr lang="en-US"/>
           </a:p>
         </p:txBody>
@@ -3429,6 +3831,7 @@
     <p:sldLayoutId id="2147483682" r:id="rId10"/>
     <p:sldLayoutId id="2147483683" r:id="rId11"/>
   </p:sldLayoutIdLst>
+  <p:hf hdr="0" dt="0"/>
   <p:txStyles>
     <p:titleStyle>
       <a:lvl1pPr algn="l" defTabSz="914400" rtl="0" eaLnBrk="1" latinLnBrk="0" hangingPunct="1">
@@ -3871,6 +4274,52 @@
           </a:p>
         </p:txBody>
       </p:sp>
+      <p:sp>
+        <p:nvSpPr>
+          <p:cNvPr id="4" name="Footer Placeholder 3"/>
+          <p:cNvSpPr>
+            <a:spLocks noGrp="1"/>
+          </p:cNvSpPr>
+          <p:nvPr>
+            <p:ph type="ftr" sz="quarter" idx="11"/>
+          </p:nvPr>
+        </p:nvSpPr>
+        <p:spPr/>
+        <p:txBody>
+          <a:bodyPr/>
+          <a:lstStyle/>
+          <a:p>
+            <a:r>
+              <a:rPr lang="fr-FR" smtClean="0"/>
+              <a:t>Marc Guynot de Boismenu - Devoir Maison Python for Data Analysis</a:t>
+            </a:r>
+            <a:endParaRPr lang="en-US"/>
+          </a:p>
+        </p:txBody>
+      </p:sp>
+      <p:sp>
+        <p:nvSpPr>
+          <p:cNvPr id="5" name="Slide Number Placeholder 4"/>
+          <p:cNvSpPr>
+            <a:spLocks noGrp="1"/>
+          </p:cNvSpPr>
+          <p:nvPr>
+            <p:ph type="sldNum" sz="quarter" idx="12"/>
+          </p:nvPr>
+        </p:nvSpPr>
+        <p:spPr/>
+        <p:txBody>
+          <a:bodyPr/>
+          <a:lstStyle/>
+          <a:p>
+            <a:fld id="{DB249ED2-F46C-4B1E-97C2-B7EB0C9E310A}" type="slidenum">
+              <a:rPr lang="en-US" smtClean="0"/>
+              <a:t>1</a:t>
+            </a:fld>
+            <a:endParaRPr lang="en-US"/>
+          </a:p>
+        </p:txBody>
+      </p:sp>
     </p:spTree>
     <p:extLst>
       <p:ext uri="{BB962C8B-B14F-4D97-AF65-F5344CB8AC3E}">
@@ -4203,6 +4652,52 @@
           </a:prstGeom>
         </p:spPr>
       </p:pic>
+      <p:sp>
+        <p:nvSpPr>
+          <p:cNvPr id="6" name="Footer Placeholder 5"/>
+          <p:cNvSpPr>
+            <a:spLocks noGrp="1"/>
+          </p:cNvSpPr>
+          <p:nvPr>
+            <p:ph type="ftr" sz="quarter" idx="11"/>
+          </p:nvPr>
+        </p:nvSpPr>
+        <p:spPr/>
+        <p:txBody>
+          <a:bodyPr/>
+          <a:lstStyle/>
+          <a:p>
+            <a:r>
+              <a:rPr lang="fr-FR" smtClean="0"/>
+              <a:t>Marc Guynot de Boismenu - Devoir Maison Python for Data Analysis</a:t>
+            </a:r>
+            <a:endParaRPr lang="en-US"/>
+          </a:p>
+        </p:txBody>
+      </p:sp>
+      <p:sp>
+        <p:nvSpPr>
+          <p:cNvPr id="7" name="Slide Number Placeholder 6"/>
+          <p:cNvSpPr>
+            <a:spLocks noGrp="1"/>
+          </p:cNvSpPr>
+          <p:nvPr>
+            <p:ph type="sldNum" sz="quarter" idx="12"/>
+          </p:nvPr>
+        </p:nvSpPr>
+        <p:spPr/>
+        <p:txBody>
+          <a:bodyPr/>
+          <a:lstStyle/>
+          <a:p>
+            <a:fld id="{DB249ED2-F46C-4B1E-97C2-B7EB0C9E310A}" type="slidenum">
+              <a:rPr lang="en-US" smtClean="0"/>
+              <a:t>10</a:t>
+            </a:fld>
+            <a:endParaRPr lang="en-US"/>
+          </a:p>
+        </p:txBody>
+      </p:sp>
     </p:spTree>
     <p:extLst>
       <p:ext uri="{BB962C8B-B14F-4D97-AF65-F5344CB8AC3E}">
@@ -4360,7 +4855,7 @@
         <p:spPr>
           <a:xfrm>
             <a:off x="3508125" y="1747095"/>
-            <a:ext cx="2971806" cy="3380962"/>
+            <a:ext cx="2971806" cy="2534759"/>
           </a:xfrm>
           <a:prstGeom prst="rect">
             <a:avLst/>
@@ -4420,7 +4915,40 @@
             </a:pPr>
             <a:r>
               <a:rPr lang="fr-FR" sz="1600" b="1" dirty="0" smtClean="0"/>
-              <a:t>En enlevant les postures intermédiaires qui sont présentes en sous nombre on améliore la prédiction</a:t>
+              <a:t>En enlevant les postures intermédiaires qui sont présentes en sous nombre on améliore la prédiction.</a:t>
+            </a:r>
+          </a:p>
+          <a:p>
+            <a:pPr marL="285750" indent="-285750">
+              <a:buFont typeface="Wingdings" panose="05000000000000000000" pitchFamily="2" charset="2"/>
+              <a:buChar char="Ø"/>
+            </a:pPr>
+            <a:endParaRPr lang="fr-FR" sz="1600" b="1" dirty="0" smtClean="0"/>
+          </a:p>
+          <a:p>
+            <a:pPr marL="285750" indent="-285750">
+              <a:buFont typeface="Wingdings" panose="05000000000000000000" pitchFamily="2" charset="2"/>
+              <a:buChar char="Ø"/>
+            </a:pPr>
+            <a:r>
+              <a:rPr lang="fr-FR" sz="1600" b="1" dirty="0" smtClean="0"/>
+              <a:t>Ces </a:t>
+            </a:r>
+            <a:r>
+              <a:rPr lang="fr-FR" sz="1600" b="1" dirty="0" err="1" smtClean="0"/>
+              <a:t>features</a:t>
+            </a:r>
+            <a:r>
+              <a:rPr lang="fr-FR" sz="1600" b="1" dirty="0" smtClean="0"/>
+              <a:t> étaient indiqué comme « complémentaires » dans la présentation du </a:t>
+            </a:r>
+            <a:r>
+              <a:rPr lang="fr-FR" sz="1600" b="1" dirty="0" err="1" smtClean="0"/>
+              <a:t>dataset</a:t>
+            </a:r>
+            <a:r>
+              <a:rPr lang="fr-FR" sz="1600" b="1" dirty="0" smtClean="0"/>
+              <a:t>.</a:t>
             </a:r>
             <a:endParaRPr lang="en-US" sz="1600" b="1" dirty="0"/>
           </a:p>
@@ -4495,30 +5023,6 @@
           </a:p>
         </p:txBody>
       </p:sp>
-      <p:pic>
-        <p:nvPicPr>
-          <p:cNvPr id="10" name="Picture 9"/>
-          <p:cNvPicPr>
-            <a:picLocks noChangeAspect="1"/>
-          </p:cNvPicPr>
-          <p:nvPr/>
-        </p:nvPicPr>
-        <p:blipFill>
-          <a:blip r:embed="rId3"/>
-          <a:stretch>
-            <a:fillRect/>
-          </a:stretch>
-        </p:blipFill>
-        <p:spPr>
-          <a:xfrm>
-            <a:off x="894803" y="4599345"/>
-            <a:ext cx="5553850" cy="1057423"/>
-          </a:xfrm>
-          <a:prstGeom prst="rect">
-            <a:avLst/>
-          </a:prstGeom>
-        </p:spPr>
-      </p:pic>
       <p:sp>
         <p:nvSpPr>
           <p:cNvPr id="11" name="Rectangle 10"/>
@@ -4528,7 +5032,7 @@
         <p:spPr>
           <a:xfrm>
             <a:off x="756138" y="1512277"/>
-            <a:ext cx="5890847" cy="4492869"/>
+            <a:ext cx="5890847" cy="4730261"/>
           </a:xfrm>
           <a:prstGeom prst="rect">
             <a:avLst/>
@@ -4576,7 +5080,7 @@
           <p:nvPr/>
         </p:nvPicPr>
         <p:blipFill>
-          <a:blip r:embed="rId4"/>
+          <a:blip r:embed="rId3"/>
           <a:stretch>
             <a:fillRect/>
           </a:stretch>
@@ -4691,10 +5195,321 @@
           </a:p>
         </p:txBody>
       </p:sp>
+      <p:pic>
+        <p:nvPicPr>
+          <p:cNvPr id="15" name="Picture 14"/>
+          <p:cNvPicPr>
+            <a:picLocks noChangeAspect="1"/>
+          </p:cNvPicPr>
+          <p:nvPr/>
+        </p:nvPicPr>
+        <p:blipFill>
+          <a:blip r:embed="rId4"/>
+          <a:stretch>
+            <a:fillRect/>
+          </a:stretch>
+        </p:blipFill>
+        <p:spPr>
+          <a:xfrm>
+            <a:off x="890381" y="4500592"/>
+            <a:ext cx="5472376" cy="1658551"/>
+          </a:xfrm>
+          <a:prstGeom prst="rect">
+            <a:avLst/>
+          </a:prstGeom>
+        </p:spPr>
+      </p:pic>
+      <p:sp>
+        <p:nvSpPr>
+          <p:cNvPr id="16" name="Footer Placeholder 15"/>
+          <p:cNvSpPr>
+            <a:spLocks noGrp="1"/>
+          </p:cNvSpPr>
+          <p:nvPr>
+            <p:ph type="ftr" sz="quarter" idx="11"/>
+          </p:nvPr>
+        </p:nvSpPr>
+        <p:spPr/>
+        <p:txBody>
+          <a:bodyPr/>
+          <a:lstStyle/>
+          <a:p>
+            <a:r>
+              <a:rPr lang="fr-FR" smtClean="0"/>
+              <a:t>Marc Guynot de Boismenu - Devoir Maison Python for Data Analysis</a:t>
+            </a:r>
+            <a:endParaRPr lang="en-US"/>
+          </a:p>
+        </p:txBody>
+      </p:sp>
+      <p:sp>
+        <p:nvSpPr>
+          <p:cNvPr id="17" name="Slide Number Placeholder 16"/>
+          <p:cNvSpPr>
+            <a:spLocks noGrp="1"/>
+          </p:cNvSpPr>
+          <p:nvPr>
+            <p:ph type="sldNum" sz="quarter" idx="12"/>
+          </p:nvPr>
+        </p:nvSpPr>
+        <p:spPr/>
+        <p:txBody>
+          <a:bodyPr/>
+          <a:lstStyle/>
+          <a:p>
+            <a:fld id="{DB249ED2-F46C-4B1E-97C2-B7EB0C9E310A}" type="slidenum">
+              <a:rPr lang="en-US" smtClean="0"/>
+              <a:t>11</a:t>
+            </a:fld>
+            <a:endParaRPr lang="en-US"/>
+          </a:p>
+        </p:txBody>
+      </p:sp>
     </p:spTree>
     <p:extLst>
       <p:ext uri="{BB962C8B-B14F-4D97-AF65-F5344CB8AC3E}">
         <p14:creationId xmlns:p14="http://schemas.microsoft.com/office/powerpoint/2010/main" val="1383090784"/>
+      </p:ext>
+    </p:extLst>
+  </p:cSld>
+  <p:clrMapOvr>
+    <a:masterClrMapping/>
+  </p:clrMapOvr>
+  <p:timing>
+    <p:tnLst>
+      <p:par>
+        <p:cTn id="1" dur="indefinite" restart="never" nodeType="tmRoot"/>
+      </p:par>
+    </p:tnLst>
+  </p:timing>
+</p:sld>
+</file>
+
+<file path=ppt/slides/slide12.xml><?xml version="1.0" encoding="utf-8"?>
+<p:sld xmlns:a="http://schemas.openxmlformats.org/drawingml/2006/main" xmlns:r="http://schemas.openxmlformats.org/officeDocument/2006/relationships" xmlns:p="http://schemas.openxmlformats.org/presentationml/2006/main">
+  <p:cSld>
+    <p:spTree>
+      <p:nvGrpSpPr>
+        <p:cNvPr id="1" name=""/>
+        <p:cNvGrpSpPr/>
+        <p:nvPr/>
+      </p:nvGrpSpPr>
+      <p:grpSpPr>
+        <a:xfrm>
+          <a:off x="0" y="0"/>
+          <a:ext cx="0" cy="0"/>
+          <a:chOff x="0" y="0"/>
+          <a:chExt cx="0" cy="0"/>
+        </a:xfrm>
+      </p:grpSpPr>
+      <p:sp>
+        <p:nvSpPr>
+          <p:cNvPr id="2" name="Title 1"/>
+          <p:cNvSpPr>
+            <a:spLocks noGrp="1"/>
+          </p:cNvSpPr>
+          <p:nvPr>
+            <p:ph type="title"/>
+          </p:nvPr>
+        </p:nvSpPr>
+        <p:spPr/>
+        <p:txBody>
+          <a:bodyPr/>
+          <a:lstStyle/>
+          <a:p>
+            <a:r>
+              <a:rPr lang="fr-FR" dirty="0" smtClean="0"/>
+              <a:t>Conclusion</a:t>
+            </a:r>
+            <a:endParaRPr lang="en-US" dirty="0"/>
+          </a:p>
+        </p:txBody>
+      </p:sp>
+      <p:sp>
+        <p:nvSpPr>
+          <p:cNvPr id="3" name="Title 1"/>
+          <p:cNvSpPr txBox="1">
+            <a:spLocks/>
+          </p:cNvSpPr>
+          <p:nvPr/>
+        </p:nvSpPr>
+        <p:spPr>
+          <a:xfrm>
+            <a:off x="1097280" y="2312377"/>
+            <a:ext cx="9831558" cy="2971800"/>
+          </a:xfrm>
+          <a:prstGeom prst="rect">
+            <a:avLst/>
+          </a:prstGeom>
+        </p:spPr>
+        <p:txBody>
+          <a:bodyPr vert="horz" lIns="91440" tIns="45720" rIns="91440" bIns="45720" rtlCol="0" anchor="t">
+            <a:noAutofit/>
+          </a:bodyPr>
+          <a:lstStyle>
+            <a:lvl1pPr marL="0" algn="l" defTabSz="914400" rtl="0" eaLnBrk="1" latinLnBrk="0" hangingPunct="1">
+              <a:lnSpc>
+                <a:spcPct val="85000"/>
+              </a:lnSpc>
+              <a:spcBef>
+                <a:spcPct val="0"/>
+              </a:spcBef>
+              <a:buNone/>
+              <a:defRPr sz="4800" kern="1200" spc="-50" baseline="0">
+                <a:solidFill>
+                  <a:schemeClr val="tx1">
+                    <a:lumMod val="75000"/>
+                    <a:lumOff val="25000"/>
+                  </a:schemeClr>
+                </a:solidFill>
+                <a:latin typeface="+mj-lt"/>
+                <a:ea typeface="+mj-ea"/>
+                <a:cs typeface="+mj-cs"/>
+              </a:defRPr>
+            </a:lvl1pPr>
+          </a:lstStyle>
+          <a:p>
+            <a:pPr marL="285750" indent="-285750">
+              <a:buFont typeface="Arial" panose="020B0604020202020204" pitchFamily="34" charset="0"/>
+              <a:buChar char="•"/>
+            </a:pPr>
+            <a:r>
+              <a:rPr lang="fr-FR" sz="1800" dirty="0" err="1" smtClean="0"/>
+              <a:t>DataSet</a:t>
+            </a:r>
+            <a:r>
+              <a:rPr lang="fr-FR" sz="1800" dirty="0" smtClean="0"/>
+              <a:t> très qualitatif, aucune nécessité de retravailler la données pour obtenir des premiers modèles satisfaisants.</a:t>
+            </a:r>
+          </a:p>
+          <a:p>
+            <a:pPr marL="285750" indent="-285750">
+              <a:buFont typeface="Arial" panose="020B0604020202020204" pitchFamily="34" charset="0"/>
+              <a:buChar char="•"/>
+            </a:pPr>
+            <a:endParaRPr lang="fr-FR" sz="1800" dirty="0"/>
+          </a:p>
+          <a:p>
+            <a:pPr marL="285750" indent="-285750">
+              <a:buFont typeface="Arial" panose="020B0604020202020204" pitchFamily="34" charset="0"/>
+              <a:buChar char="•"/>
+            </a:pPr>
+            <a:r>
+              <a:rPr lang="fr-FR" sz="1800" dirty="0" smtClean="0"/>
+              <a:t>Avec le </a:t>
+            </a:r>
+            <a:r>
+              <a:rPr lang="fr-FR" sz="1800" dirty="0" err="1" smtClean="0"/>
+              <a:t>DataSet</a:t>
+            </a:r>
+            <a:r>
+              <a:rPr lang="fr-FR" sz="1800" dirty="0" smtClean="0"/>
+              <a:t> complet et un modèle Support </a:t>
+            </a:r>
+            <a:r>
+              <a:rPr lang="fr-FR" sz="1800" dirty="0" err="1" smtClean="0"/>
+              <a:t>Vector</a:t>
+            </a:r>
+            <a:r>
+              <a:rPr lang="fr-FR" sz="1800" dirty="0" smtClean="0"/>
+              <a:t> Machine nous avons une prédiction de 95.4%</a:t>
+            </a:r>
+          </a:p>
+          <a:p>
+            <a:pPr marL="285750" indent="-285750">
+              <a:buFont typeface="Arial" panose="020B0604020202020204" pitchFamily="34" charset="0"/>
+              <a:buChar char="•"/>
+            </a:pPr>
+            <a:endParaRPr lang="fr-FR" sz="1800" dirty="0"/>
+          </a:p>
+          <a:p>
+            <a:pPr marL="285750" indent="-285750">
+              <a:buFont typeface="Arial" panose="020B0604020202020204" pitchFamily="34" charset="0"/>
+              <a:buChar char="•"/>
+            </a:pPr>
+            <a:r>
+              <a:rPr lang="fr-FR" sz="1800" dirty="0" smtClean="0"/>
+              <a:t>En retirant les classes complémentaires du </a:t>
+            </a:r>
+            <a:r>
+              <a:rPr lang="fr-FR" sz="1800" dirty="0" err="1" smtClean="0"/>
+              <a:t>dataset</a:t>
+            </a:r>
+            <a:r>
+              <a:rPr lang="fr-FR" sz="1800" dirty="0" smtClean="0"/>
+              <a:t> de départ on monte à 98.7% de précision</a:t>
+            </a:r>
+          </a:p>
+          <a:p>
+            <a:pPr marL="285750" indent="-285750">
+              <a:buFont typeface="Arial" panose="020B0604020202020204" pitchFamily="34" charset="0"/>
+              <a:buChar char="•"/>
+            </a:pPr>
+            <a:endParaRPr lang="fr-FR" sz="1800" dirty="0"/>
+          </a:p>
+          <a:p>
+            <a:pPr marL="285750" indent="-285750">
+              <a:buFont typeface="Arial" panose="020B0604020202020204" pitchFamily="34" charset="0"/>
+              <a:buChar char="•"/>
+            </a:pPr>
+            <a:r>
+              <a:rPr lang="fr-FR" sz="1800" dirty="0" smtClean="0"/>
+              <a:t>L’intégration Django quant à elle a un temps de réponse de 18ms  (en local) en moyenne quelque soit la quantité de prédiction demandée</a:t>
+            </a:r>
+            <a:endParaRPr lang="en-US" sz="1800" dirty="0"/>
+          </a:p>
+        </p:txBody>
+      </p:sp>
+      <p:sp>
+        <p:nvSpPr>
+          <p:cNvPr id="4" name="Footer Placeholder 3"/>
+          <p:cNvSpPr>
+            <a:spLocks noGrp="1"/>
+          </p:cNvSpPr>
+          <p:nvPr>
+            <p:ph type="ftr" sz="quarter" idx="11"/>
+          </p:nvPr>
+        </p:nvSpPr>
+        <p:spPr/>
+        <p:txBody>
+          <a:bodyPr/>
+          <a:lstStyle/>
+          <a:p>
+            <a:r>
+              <a:rPr lang="fr-FR" smtClean="0"/>
+              <a:t>Marc Guynot de Boismenu - Devoir Maison Python for Data Analysis</a:t>
+            </a:r>
+            <a:endParaRPr lang="en-US"/>
+          </a:p>
+        </p:txBody>
+      </p:sp>
+      <p:sp>
+        <p:nvSpPr>
+          <p:cNvPr id="5" name="Slide Number Placeholder 4"/>
+          <p:cNvSpPr>
+            <a:spLocks noGrp="1"/>
+          </p:cNvSpPr>
+          <p:nvPr>
+            <p:ph type="sldNum" sz="quarter" idx="12"/>
+          </p:nvPr>
+        </p:nvSpPr>
+        <p:spPr/>
+        <p:txBody>
+          <a:bodyPr/>
+          <a:lstStyle/>
+          <a:p>
+            <a:fld id="{DB249ED2-F46C-4B1E-97C2-B7EB0C9E310A}" type="slidenum">
+              <a:rPr lang="en-US" smtClean="0"/>
+              <a:t>12</a:t>
+            </a:fld>
+            <a:endParaRPr lang="en-US"/>
+          </a:p>
+        </p:txBody>
+      </p:sp>
+    </p:spTree>
+    <p:extLst>
+      <p:ext uri="{BB962C8B-B14F-4D97-AF65-F5344CB8AC3E}">
+        <p14:creationId xmlns:p14="http://schemas.microsoft.com/office/powerpoint/2010/main" val="3894545555"/>
       </p:ext>
     </p:extLst>
   </p:cSld>
@@ -4785,6 +5600,52 @@
               <a:rPr lang="fr-FR" dirty="0" smtClean="0"/>
               <a:t>&gt; Déterminer l’une des 12 postures labellisées</a:t>
             </a:r>
+          </a:p>
+        </p:txBody>
+      </p:sp>
+      <p:sp>
+        <p:nvSpPr>
+          <p:cNvPr id="4" name="Footer Placeholder 3"/>
+          <p:cNvSpPr>
+            <a:spLocks noGrp="1"/>
+          </p:cNvSpPr>
+          <p:nvPr>
+            <p:ph type="ftr" sz="quarter" idx="11"/>
+          </p:nvPr>
+        </p:nvSpPr>
+        <p:spPr/>
+        <p:txBody>
+          <a:bodyPr/>
+          <a:lstStyle/>
+          <a:p>
+            <a:r>
+              <a:rPr lang="fr-FR" smtClean="0"/>
+              <a:t>Marc Guynot de Boismenu - Devoir Maison Python for Data Analysis</a:t>
+            </a:r>
+            <a:endParaRPr lang="en-US"/>
+          </a:p>
+        </p:txBody>
+      </p:sp>
+      <p:sp>
+        <p:nvSpPr>
+          <p:cNvPr id="5" name="Slide Number Placeholder 4"/>
+          <p:cNvSpPr>
+            <a:spLocks noGrp="1"/>
+          </p:cNvSpPr>
+          <p:nvPr>
+            <p:ph type="sldNum" sz="quarter" idx="12"/>
+          </p:nvPr>
+        </p:nvSpPr>
+        <p:spPr/>
+        <p:txBody>
+          <a:bodyPr/>
+          <a:lstStyle/>
+          <a:p>
+            <a:fld id="{DB249ED2-F46C-4B1E-97C2-B7EB0C9E310A}" type="slidenum">
+              <a:rPr lang="en-US" smtClean="0"/>
+              <a:t>2</a:t>
+            </a:fld>
+            <a:endParaRPr lang="en-US"/>
           </a:p>
         </p:txBody>
       </p:sp>
@@ -5514,7 +6375,7 @@
         </p:nvCxnSpPr>
         <p:spPr>
           <a:xfrm flipH="1">
-            <a:off x="640703" y="1846263"/>
+            <a:off x="869303" y="1846263"/>
             <a:ext cx="18720" cy="2110275"/>
           </a:xfrm>
           <a:prstGeom prst="straightConnector1">
@@ -5582,7 +6443,7 @@
         </p:nvSpPr>
         <p:spPr>
           <a:xfrm rot="16200000">
-            <a:off x="-897018" y="2462779"/>
+            <a:off x="-668418" y="2462779"/>
             <a:ext cx="2436816" cy="410026"/>
           </a:xfrm>
           <a:prstGeom prst="rect">
@@ -5677,6 +6538,52 @@
               <a:t>Développement</a:t>
             </a:r>
             <a:endParaRPr lang="en-US" dirty="0"/>
+          </a:p>
+        </p:txBody>
+      </p:sp>
+      <p:sp>
+        <p:nvSpPr>
+          <p:cNvPr id="16" name="Footer Placeholder 15"/>
+          <p:cNvSpPr>
+            <a:spLocks noGrp="1"/>
+          </p:cNvSpPr>
+          <p:nvPr>
+            <p:ph type="ftr" sz="quarter" idx="11"/>
+          </p:nvPr>
+        </p:nvSpPr>
+        <p:spPr/>
+        <p:txBody>
+          <a:bodyPr/>
+          <a:lstStyle/>
+          <a:p>
+            <a:r>
+              <a:rPr lang="fr-FR" smtClean="0"/>
+              <a:t>Marc Guynot de Boismenu - Devoir Maison Python for Data Analysis</a:t>
+            </a:r>
+            <a:endParaRPr lang="en-US"/>
+          </a:p>
+        </p:txBody>
+      </p:sp>
+      <p:sp>
+        <p:nvSpPr>
+          <p:cNvPr id="17" name="Slide Number Placeholder 16"/>
+          <p:cNvSpPr>
+            <a:spLocks noGrp="1"/>
+          </p:cNvSpPr>
+          <p:nvPr>
+            <p:ph type="sldNum" sz="quarter" idx="12"/>
+          </p:nvPr>
+        </p:nvSpPr>
+        <p:spPr/>
+        <p:txBody>
+          <a:bodyPr/>
+          <a:lstStyle/>
+          <a:p>
+            <a:fld id="{DB249ED2-F46C-4B1E-97C2-B7EB0C9E310A}" type="slidenum">
+              <a:rPr lang="en-US" smtClean="0"/>
+              <a:t>3</a:t>
+            </a:fld>
+            <a:endParaRPr lang="en-US"/>
           </a:p>
         </p:txBody>
       </p:sp>
@@ -5916,6 +6823,52 @@
           </a:p>
         </p:txBody>
       </p:sp>
+      <p:sp>
+        <p:nvSpPr>
+          <p:cNvPr id="8" name="Footer Placeholder 7"/>
+          <p:cNvSpPr>
+            <a:spLocks noGrp="1"/>
+          </p:cNvSpPr>
+          <p:nvPr>
+            <p:ph type="ftr" sz="quarter" idx="11"/>
+          </p:nvPr>
+        </p:nvSpPr>
+        <p:spPr/>
+        <p:txBody>
+          <a:bodyPr/>
+          <a:lstStyle/>
+          <a:p>
+            <a:r>
+              <a:rPr lang="fr-FR" smtClean="0"/>
+              <a:t>Marc Guynot de Boismenu - Devoir Maison Python for Data Analysis</a:t>
+            </a:r>
+            <a:endParaRPr lang="en-US"/>
+          </a:p>
+        </p:txBody>
+      </p:sp>
+      <p:sp>
+        <p:nvSpPr>
+          <p:cNvPr id="9" name="Slide Number Placeholder 8"/>
+          <p:cNvSpPr>
+            <a:spLocks noGrp="1"/>
+          </p:cNvSpPr>
+          <p:nvPr>
+            <p:ph type="sldNum" sz="quarter" idx="12"/>
+          </p:nvPr>
+        </p:nvSpPr>
+        <p:spPr/>
+        <p:txBody>
+          <a:bodyPr/>
+          <a:lstStyle/>
+          <a:p>
+            <a:fld id="{DB249ED2-F46C-4B1E-97C2-B7EB0C9E310A}" type="slidenum">
+              <a:rPr lang="en-US" smtClean="0"/>
+              <a:t>4</a:t>
+            </a:fld>
+            <a:endParaRPr lang="en-US"/>
+          </a:p>
+        </p:txBody>
+      </p:sp>
     </p:spTree>
     <p:extLst>
       <p:ext uri="{BB962C8B-B14F-4D97-AF65-F5344CB8AC3E}">
@@ -6022,7 +6975,7 @@
         </p:spPr>
         <p:txBody>
           <a:bodyPr vert="horz" lIns="91440" tIns="45720" rIns="91440" bIns="45720" rtlCol="0" anchor="b">
-            <a:normAutofit/>
+            <a:normAutofit lnSpcReduction="10000"/>
           </a:bodyPr>
           <a:lstStyle>
             <a:lvl1pPr marL="0" algn="l" defTabSz="914400" rtl="0" eaLnBrk="1" latinLnBrk="0" hangingPunct="1">
@@ -6062,7 +7015,7 @@
           <a:p>
             <a:r>
               <a:rPr lang="fr-FR" sz="1800" dirty="0" smtClean="0"/>
-              <a:t>Régression logistique avec 94,7 % de précision pour un temps d’exécution de 77 secondes</a:t>
+              <a:t>Régression logistique avec 94,7 % de précision pour un temps d’exécution de 77 secondes et bonne matrice de confusion</a:t>
             </a:r>
             <a:endParaRPr lang="en-US" sz="1800" dirty="0"/>
           </a:p>
@@ -6224,6 +7177,52 @@
               <a:t>MODEL</a:t>
             </a:r>
             <a:endParaRPr lang="en-US" sz="2800" b="1" dirty="0"/>
+          </a:p>
+        </p:txBody>
+      </p:sp>
+      <p:sp>
+        <p:nvSpPr>
+          <p:cNvPr id="12" name="Footer Placeholder 11"/>
+          <p:cNvSpPr>
+            <a:spLocks noGrp="1"/>
+          </p:cNvSpPr>
+          <p:nvPr>
+            <p:ph type="ftr" sz="quarter" idx="11"/>
+          </p:nvPr>
+        </p:nvSpPr>
+        <p:spPr/>
+        <p:txBody>
+          <a:bodyPr/>
+          <a:lstStyle/>
+          <a:p>
+            <a:r>
+              <a:rPr lang="fr-FR" smtClean="0"/>
+              <a:t>Marc Guynot de Boismenu - Devoir Maison Python for Data Analysis</a:t>
+            </a:r>
+            <a:endParaRPr lang="en-US"/>
+          </a:p>
+        </p:txBody>
+      </p:sp>
+      <p:sp>
+        <p:nvSpPr>
+          <p:cNvPr id="13" name="Slide Number Placeholder 12"/>
+          <p:cNvSpPr>
+            <a:spLocks noGrp="1"/>
+          </p:cNvSpPr>
+          <p:nvPr>
+            <p:ph type="sldNum" sz="quarter" idx="12"/>
+          </p:nvPr>
+        </p:nvSpPr>
+        <p:spPr/>
+        <p:txBody>
+          <a:bodyPr/>
+          <a:lstStyle/>
+          <a:p>
+            <a:fld id="{DB249ED2-F46C-4B1E-97C2-B7EB0C9E310A}" type="slidenum">
+              <a:rPr lang="en-US" smtClean="0"/>
+              <a:t>5</a:t>
+            </a:fld>
+            <a:endParaRPr lang="en-US"/>
           </a:p>
         </p:txBody>
       </p:sp>
@@ -6328,7 +7327,7 @@
         </p:blipFill>
         <p:spPr>
           <a:xfrm>
-            <a:off x="1961321" y="1309272"/>
+            <a:off x="1961321" y="1637567"/>
             <a:ext cx="4887007" cy="704948"/>
           </a:xfrm>
           <a:prstGeom prst="rect">
@@ -6401,7 +7400,7 @@
         </p:nvSpPr>
         <p:spPr>
           <a:xfrm>
-            <a:off x="1961321" y="2103987"/>
+            <a:off x="1885121" y="1296006"/>
             <a:ext cx="1706587" cy="261144"/>
           </a:xfrm>
           <a:prstGeom prst="rect">
@@ -6459,7 +7458,7 @@
         </p:blipFill>
         <p:spPr>
           <a:xfrm>
-            <a:off x="7383904" y="1309272"/>
+            <a:off x="7393429" y="1637567"/>
             <a:ext cx="2097191" cy="4344182"/>
           </a:xfrm>
           <a:prstGeom prst="rect">
@@ -6482,7 +7481,7 @@
         </p:nvSpPr>
         <p:spPr>
           <a:xfrm>
-            <a:off x="7301183" y="5743221"/>
+            <a:off x="7316769" y="1345418"/>
             <a:ext cx="2001079" cy="261144"/>
           </a:xfrm>
           <a:prstGeom prst="rect">
@@ -6534,7 +7533,7 @@
         </p:nvSpPr>
         <p:spPr>
           <a:xfrm>
-            <a:off x="1961321" y="5743221"/>
+            <a:off x="1885121" y="2602523"/>
             <a:ext cx="2232609" cy="261144"/>
           </a:xfrm>
           <a:prstGeom prst="rect">
@@ -6653,7 +7652,7 @@
         </p:blipFill>
         <p:spPr>
           <a:xfrm>
-            <a:off x="1961321" y="2454898"/>
+            <a:off x="1961321" y="2834967"/>
             <a:ext cx="4972744" cy="3096057"/>
           </a:xfrm>
           <a:prstGeom prst="rect">
@@ -6666,6 +7665,52 @@
           </a:ln>
         </p:spPr>
       </p:pic>
+      <p:sp>
+        <p:nvSpPr>
+          <p:cNvPr id="14" name="Footer Placeholder 13"/>
+          <p:cNvSpPr>
+            <a:spLocks noGrp="1"/>
+          </p:cNvSpPr>
+          <p:nvPr>
+            <p:ph type="ftr" sz="quarter" idx="11"/>
+          </p:nvPr>
+        </p:nvSpPr>
+        <p:spPr/>
+        <p:txBody>
+          <a:bodyPr/>
+          <a:lstStyle/>
+          <a:p>
+            <a:r>
+              <a:rPr lang="fr-FR" smtClean="0"/>
+              <a:t>Marc Guynot de Boismenu - Devoir Maison Python for Data Analysis</a:t>
+            </a:r>
+            <a:endParaRPr lang="en-US"/>
+          </a:p>
+        </p:txBody>
+      </p:sp>
+      <p:sp>
+        <p:nvSpPr>
+          <p:cNvPr id="15" name="Slide Number Placeholder 14"/>
+          <p:cNvSpPr>
+            <a:spLocks noGrp="1"/>
+          </p:cNvSpPr>
+          <p:nvPr>
+            <p:ph type="sldNum" sz="quarter" idx="12"/>
+          </p:nvPr>
+        </p:nvSpPr>
+        <p:spPr/>
+        <p:txBody>
+          <a:bodyPr/>
+          <a:lstStyle/>
+          <a:p>
+            <a:fld id="{DB249ED2-F46C-4B1E-97C2-B7EB0C9E310A}" type="slidenum">
+              <a:rPr lang="en-US" smtClean="0"/>
+              <a:t>6</a:t>
+            </a:fld>
+            <a:endParaRPr lang="en-US"/>
+          </a:p>
+        </p:txBody>
+      </p:sp>
     </p:spTree>
     <p:extLst>
       <p:ext uri="{BB962C8B-B14F-4D97-AF65-F5344CB8AC3E}">
@@ -7039,6 +8084,52 @@
           </a:p>
         </p:txBody>
       </p:sp>
+      <p:sp>
+        <p:nvSpPr>
+          <p:cNvPr id="15" name="Footer Placeholder 14"/>
+          <p:cNvSpPr>
+            <a:spLocks noGrp="1"/>
+          </p:cNvSpPr>
+          <p:nvPr>
+            <p:ph type="ftr" sz="quarter" idx="11"/>
+          </p:nvPr>
+        </p:nvSpPr>
+        <p:spPr/>
+        <p:txBody>
+          <a:bodyPr/>
+          <a:lstStyle/>
+          <a:p>
+            <a:r>
+              <a:rPr lang="fr-FR" smtClean="0"/>
+              <a:t>Marc Guynot de Boismenu - Devoir Maison Python for Data Analysis</a:t>
+            </a:r>
+            <a:endParaRPr lang="en-US"/>
+          </a:p>
+        </p:txBody>
+      </p:sp>
+      <p:sp>
+        <p:nvSpPr>
+          <p:cNvPr id="16" name="Slide Number Placeholder 15"/>
+          <p:cNvSpPr>
+            <a:spLocks noGrp="1"/>
+          </p:cNvSpPr>
+          <p:nvPr>
+            <p:ph type="sldNum" sz="quarter" idx="12"/>
+          </p:nvPr>
+        </p:nvSpPr>
+        <p:spPr/>
+        <p:txBody>
+          <a:bodyPr/>
+          <a:lstStyle/>
+          <a:p>
+            <a:fld id="{DB249ED2-F46C-4B1E-97C2-B7EB0C9E310A}" type="slidenum">
+              <a:rPr lang="en-US" smtClean="0"/>
+              <a:t>7</a:t>
+            </a:fld>
+            <a:endParaRPr lang="en-US"/>
+          </a:p>
+        </p:txBody>
+      </p:sp>
     </p:spTree>
     <p:extLst>
       <p:ext uri="{BB962C8B-B14F-4D97-AF65-F5344CB8AC3E}">
@@ -7175,35 +8266,6 @@
           </a:p>
         </p:txBody>
       </p:sp>
-      <p:pic>
-        <p:nvPicPr>
-          <p:cNvPr id="6" name="Picture 5"/>
-          <p:cNvPicPr>
-            <a:picLocks noChangeAspect="1"/>
-          </p:cNvPicPr>
-          <p:nvPr/>
-        </p:nvPicPr>
-        <p:blipFill>
-          <a:blip r:embed="rId2"/>
-          <a:stretch>
-            <a:fillRect/>
-          </a:stretch>
-        </p:blipFill>
-        <p:spPr>
-          <a:xfrm>
-            <a:off x="4200964" y="1028800"/>
-            <a:ext cx="3914335" cy="4780458"/>
-          </a:xfrm>
-          <a:prstGeom prst="rect">
-            <a:avLst/>
-          </a:prstGeom>
-          <a:ln>
-            <a:solidFill>
-              <a:schemeClr val="tx1"/>
-            </a:solidFill>
-          </a:ln>
-        </p:spPr>
-      </p:pic>
       <p:sp>
         <p:nvSpPr>
           <p:cNvPr id="7" name="Title 1"/>
@@ -7269,7 +8331,7 @@
           <p:nvPr/>
         </p:nvPicPr>
         <p:blipFill>
-          <a:blip r:embed="rId3"/>
+          <a:blip r:embed="rId2"/>
           <a:stretch>
             <a:fillRect/>
           </a:stretch>
@@ -7358,7 +8420,7 @@
           <p:nvPr/>
         </p:nvPicPr>
         <p:blipFill rotWithShape="1">
-          <a:blip r:embed="rId4"/>
+          <a:blip r:embed="rId3"/>
           <a:srcRect l="1743" r="1104"/>
           <a:stretch/>
         </p:blipFill>
@@ -7430,6 +8492,81 @@
               <a:t> logistique</a:t>
             </a:r>
             <a:endParaRPr lang="en-US" sz="1600" dirty="0"/>
+          </a:p>
+        </p:txBody>
+      </p:sp>
+      <p:pic>
+        <p:nvPicPr>
+          <p:cNvPr id="13" name="Picture 12"/>
+          <p:cNvPicPr>
+            <a:picLocks noChangeAspect="1"/>
+          </p:cNvPicPr>
+          <p:nvPr/>
+        </p:nvPicPr>
+        <p:blipFill>
+          <a:blip r:embed="rId4"/>
+          <a:stretch>
+            <a:fillRect/>
+          </a:stretch>
+        </p:blipFill>
+        <p:spPr>
+          <a:xfrm>
+            <a:off x="4200964" y="1028800"/>
+            <a:ext cx="3877482" cy="4780458"/>
+          </a:xfrm>
+          <a:prstGeom prst="rect">
+            <a:avLst/>
+          </a:prstGeom>
+          <a:ln>
+            <a:solidFill>
+              <a:schemeClr val="tx1"/>
+            </a:solidFill>
+          </a:ln>
+        </p:spPr>
+      </p:pic>
+      <p:sp>
+        <p:nvSpPr>
+          <p:cNvPr id="14" name="Footer Placeholder 13"/>
+          <p:cNvSpPr>
+            <a:spLocks noGrp="1"/>
+          </p:cNvSpPr>
+          <p:nvPr>
+            <p:ph type="ftr" sz="quarter" idx="11"/>
+          </p:nvPr>
+        </p:nvSpPr>
+        <p:spPr/>
+        <p:txBody>
+          <a:bodyPr/>
+          <a:lstStyle/>
+          <a:p>
+            <a:r>
+              <a:rPr lang="fr-FR" smtClean="0"/>
+              <a:t>Marc Guynot de Boismenu - Devoir Maison Python for Data Analysis</a:t>
+            </a:r>
+            <a:endParaRPr lang="en-US"/>
+          </a:p>
+        </p:txBody>
+      </p:sp>
+      <p:sp>
+        <p:nvSpPr>
+          <p:cNvPr id="15" name="Slide Number Placeholder 14"/>
+          <p:cNvSpPr>
+            <a:spLocks noGrp="1"/>
+          </p:cNvSpPr>
+          <p:nvPr>
+            <p:ph type="sldNum" sz="quarter" idx="12"/>
+          </p:nvPr>
+        </p:nvSpPr>
+        <p:spPr/>
+        <p:txBody>
+          <a:bodyPr/>
+          <a:lstStyle/>
+          <a:p>
+            <a:fld id="{DB249ED2-F46C-4B1E-97C2-B7EB0C9E310A}" type="slidenum">
+              <a:rPr lang="en-US" smtClean="0"/>
+              <a:t>8</a:t>
+            </a:fld>
+            <a:endParaRPr lang="en-US"/>
           </a:p>
         </p:txBody>
       </p:sp>
@@ -7849,7 +8986,7 @@
         </p:blipFill>
         <p:spPr>
           <a:xfrm>
-            <a:off x="4545431" y="3539577"/>
+            <a:off x="4775706" y="3883901"/>
             <a:ext cx="4315427" cy="409632"/>
           </a:xfrm>
           <a:prstGeom prst="rect">
@@ -7867,7 +9004,7 @@
         </p:nvSpPr>
         <p:spPr>
           <a:xfrm>
-            <a:off x="4545431" y="4025068"/>
+            <a:off x="4775706" y="4369392"/>
             <a:ext cx="2790386" cy="309197"/>
           </a:xfrm>
           <a:prstGeom prst="rect">
@@ -8079,7 +9216,7 @@
           <a:p>
             <a:r>
               <a:rPr lang="fr-FR" sz="1600" dirty="0" smtClean="0"/>
-              <a:t>Paramètres retenus :</a:t>
+              <a:t>Paramètres retenus pour 95,38% :</a:t>
             </a:r>
           </a:p>
           <a:p>
@@ -8197,6 +9334,52 @@
           <a:lstStyle/>
           <a:p>
             <a:pPr algn="ctr"/>
+            <a:endParaRPr lang="en-US"/>
+          </a:p>
+        </p:txBody>
+      </p:sp>
+      <p:sp>
+        <p:nvSpPr>
+          <p:cNvPr id="22" name="Footer Placeholder 21"/>
+          <p:cNvSpPr>
+            <a:spLocks noGrp="1"/>
+          </p:cNvSpPr>
+          <p:nvPr>
+            <p:ph type="ftr" sz="quarter" idx="11"/>
+          </p:nvPr>
+        </p:nvSpPr>
+        <p:spPr/>
+        <p:txBody>
+          <a:bodyPr/>
+          <a:lstStyle/>
+          <a:p>
+            <a:r>
+              <a:rPr lang="fr-FR" smtClean="0"/>
+              <a:t>Marc Guynot de Boismenu - Devoir Maison Python for Data Analysis</a:t>
+            </a:r>
+            <a:endParaRPr lang="en-US"/>
+          </a:p>
+        </p:txBody>
+      </p:sp>
+      <p:sp>
+        <p:nvSpPr>
+          <p:cNvPr id="23" name="Slide Number Placeholder 22"/>
+          <p:cNvSpPr>
+            <a:spLocks noGrp="1"/>
+          </p:cNvSpPr>
+          <p:nvPr>
+            <p:ph type="sldNum" sz="quarter" idx="12"/>
+          </p:nvPr>
+        </p:nvSpPr>
+        <p:spPr/>
+        <p:txBody>
+          <a:bodyPr/>
+          <a:lstStyle/>
+          <a:p>
+            <a:fld id="{DB249ED2-F46C-4B1E-97C2-B7EB0C9E310A}" type="slidenum">
+              <a:rPr lang="en-US" smtClean="0"/>
+              <a:t>9</a:t>
+            </a:fld>
             <a:endParaRPr lang="en-US"/>
           </a:p>
         </p:txBody>
@@ -8502,4 +9685,265 @@
     </a:ext>
   </a:extLst>
 </a:theme>
+</file>
+
+<file path=ppt/theme/theme2.xml><?xml version="1.0" encoding="utf-8"?>
+<a:theme xmlns:a="http://schemas.openxmlformats.org/drawingml/2006/main" name="Office Theme">
+  <a:themeElements>
+    <a:clrScheme name="Office">
+      <a:dk1>
+        <a:sysClr val="windowText" lastClr="000000"/>
+      </a:dk1>
+      <a:lt1>
+        <a:sysClr val="window" lastClr="FFFFFF"/>
+      </a:lt1>
+      <a:dk2>
+        <a:srgbClr val="44546A"/>
+      </a:dk2>
+      <a:lt2>
+        <a:srgbClr val="E7E6E6"/>
+      </a:lt2>
+      <a:accent1>
+        <a:srgbClr val="5B9BD5"/>
+      </a:accent1>
+      <a:accent2>
+        <a:srgbClr val="ED7D31"/>
+      </a:accent2>
+      <a:accent3>
+        <a:srgbClr val="A5A5A5"/>
+      </a:accent3>
+      <a:accent4>
+        <a:srgbClr val="FFC000"/>
+      </a:accent4>
+      <a:accent5>
+        <a:srgbClr val="4472C4"/>
+      </a:accent5>
+      <a:accent6>
+        <a:srgbClr val="70AD47"/>
+      </a:accent6>
+      <a:hlink>
+        <a:srgbClr val="0563C1"/>
+      </a:hlink>
+      <a:folHlink>
+        <a:srgbClr val="954F72"/>
+      </a:folHlink>
+    </a:clrScheme>
+    <a:fontScheme name="Office">
+      <a:majorFont>
+        <a:latin typeface="Calibri Light" panose="020F0302020204030204"/>
+        <a:ea typeface=""/>
+        <a:cs typeface=""/>
+        <a:font script="Jpan" typeface="游ゴシック Light"/>
+        <a:font script="Hang" typeface="맑은 고딕"/>
+        <a:font script="Hans" typeface="等线 Light"/>
+        <a:font script="Hant" typeface="新細明體"/>
+        <a:font script="Arab" typeface="Times New Roman"/>
+        <a:font script="Hebr" typeface="Times New Roman"/>
+        <a:font script="Thai" typeface="Angsana New"/>
+        <a:font script="Ethi" typeface="Nyala"/>
+        <a:font script="Beng" typeface="Vrinda"/>
+        <a:font script="Gujr" typeface="Shruti"/>
+        <a:font script="Khmr" typeface="MoolBoran"/>
+        <a:font script="Knda" typeface="Tunga"/>
+        <a:font script="Guru" typeface="Raavi"/>
+        <a:font script="Cans" typeface="Euphemia"/>
+        <a:font script="Cher" typeface="Plantagenet Cherokee"/>
+        <a:font script="Yiii" typeface="Microsoft Yi Baiti"/>
+        <a:font script="Tibt" typeface="Microsoft Himalaya"/>
+        <a:font script="Thaa" typeface="MV Boli"/>
+        <a:font script="Deva" typeface="Mangal"/>
+        <a:font script="Telu" typeface="Gautami"/>
+        <a:font script="Taml" typeface="Latha"/>
+        <a:font script="Syrc" typeface="Estrangelo Edessa"/>
+        <a:font script="Orya" typeface="Kalinga"/>
+        <a:font script="Mlym" typeface="Kartika"/>
+        <a:font script="Laoo" typeface="DokChampa"/>
+        <a:font script="Sinh" typeface="Iskoola Pota"/>
+        <a:font script="Mong" typeface="Mongolian Baiti"/>
+        <a:font script="Viet" typeface="Times New Roman"/>
+        <a:font script="Uigh" typeface="Microsoft Uighur"/>
+        <a:font script="Geor" typeface="Sylfaen"/>
+      </a:majorFont>
+      <a:minorFont>
+        <a:latin typeface="Calibri" panose="020F0502020204030204"/>
+        <a:ea typeface=""/>
+        <a:cs typeface=""/>
+        <a:font script="Jpan" typeface="游ゴシック"/>
+        <a:font script="Hang" typeface="맑은 고딕"/>
+        <a:font script="Hans" typeface="等线"/>
+        <a:font script="Hant" typeface="新細明體"/>
+        <a:font script="Arab" typeface="Arial"/>
+        <a:font script="Hebr" typeface="Arial"/>
+        <a:font script="Thai" typeface="Cordia New"/>
+        <a:font script="Ethi" typeface="Nyala"/>
+        <a:font script="Beng" typeface="Vrinda"/>
+        <a:font script="Gujr" typeface="Shruti"/>
+        <a:font script="Khmr" typeface="DaunPenh"/>
+        <a:font script="Knda" typeface="Tunga"/>
+        <a:font script="Guru" typeface="Raavi"/>
+        <a:font script="Cans" typeface="Euphemia"/>
+        <a:font script="Cher" typeface="Plantagenet Cherokee"/>
+        <a:font script="Yiii" typeface="Microsoft Yi Baiti"/>
+        <a:font script="Tibt" typeface="Microsoft Himalaya"/>
+        <a:font script="Thaa" typeface="MV Boli"/>
+        <a:font script="Deva" typeface="Mangal"/>
+        <a:font script="Telu" typeface="Gautami"/>
+        <a:font script="Taml" typeface="Latha"/>
+        <a:font script="Syrc" typeface="Estrangelo Edessa"/>
+        <a:font script="Orya" typeface="Kalinga"/>
+        <a:font script="Mlym" typeface="Kartika"/>
+        <a:font script="Laoo" typeface="DokChampa"/>
+        <a:font script="Sinh" typeface="Iskoola Pota"/>
+        <a:font script="Mong" typeface="Mongolian Baiti"/>
+        <a:font script="Viet" typeface="Arial"/>
+        <a:font script="Uigh" typeface="Microsoft Uighur"/>
+        <a:font script="Geor" typeface="Sylfaen"/>
+      </a:minorFont>
+    </a:fontScheme>
+    <a:fmtScheme name="Office">
+      <a:fillStyleLst>
+        <a:solidFill>
+          <a:schemeClr val="phClr"/>
+        </a:solidFill>
+        <a:gradFill rotWithShape="1">
+          <a:gsLst>
+            <a:gs pos="0">
+              <a:schemeClr val="phClr">
+                <a:lumMod val="110000"/>
+                <a:satMod val="105000"/>
+                <a:tint val="67000"/>
+              </a:schemeClr>
+            </a:gs>
+            <a:gs pos="50000">
+              <a:schemeClr val="phClr">
+                <a:lumMod val="105000"/>
+                <a:satMod val="103000"/>
+                <a:tint val="73000"/>
+              </a:schemeClr>
+            </a:gs>
+            <a:gs pos="100000">
+              <a:schemeClr val="phClr">
+                <a:lumMod val="105000"/>
+                <a:satMod val="109000"/>
+                <a:tint val="81000"/>
+              </a:schemeClr>
+            </a:gs>
+          </a:gsLst>
+          <a:lin ang="5400000" scaled="0"/>
+        </a:gradFill>
+        <a:gradFill rotWithShape="1">
+          <a:gsLst>
+            <a:gs pos="0">
+              <a:schemeClr val="phClr">
+                <a:satMod val="103000"/>
+                <a:lumMod val="102000"/>
+                <a:tint val="94000"/>
+              </a:schemeClr>
+            </a:gs>
+            <a:gs pos="50000">
+              <a:schemeClr val="phClr">
+                <a:satMod val="110000"/>
+                <a:lumMod val="100000"/>
+                <a:shade val="100000"/>
+              </a:schemeClr>
+            </a:gs>
+            <a:gs pos="100000">
+              <a:schemeClr val="phClr">
+                <a:lumMod val="99000"/>
+                <a:satMod val="120000"/>
+                <a:shade val="78000"/>
+              </a:schemeClr>
+            </a:gs>
+          </a:gsLst>
+          <a:lin ang="5400000" scaled="0"/>
+        </a:gradFill>
+      </a:fillStyleLst>
+      <a:lnStyleLst>
+        <a:ln w="6350" cap="flat" cmpd="sng" algn="ctr">
+          <a:solidFill>
+            <a:schemeClr val="phClr"/>
+          </a:solidFill>
+          <a:prstDash val="solid"/>
+          <a:miter lim="800000"/>
+        </a:ln>
+        <a:ln w="12700" cap="flat" cmpd="sng" algn="ctr">
+          <a:solidFill>
+            <a:schemeClr val="phClr"/>
+          </a:solidFill>
+          <a:prstDash val="solid"/>
+          <a:miter lim="800000"/>
+        </a:ln>
+        <a:ln w="19050" cap="flat" cmpd="sng" algn="ctr">
+          <a:solidFill>
+            <a:schemeClr val="phClr"/>
+          </a:solidFill>
+          <a:prstDash val="solid"/>
+          <a:miter lim="800000"/>
+        </a:ln>
+      </a:lnStyleLst>
+      <a:effectStyleLst>
+        <a:effectStyle>
+          <a:effectLst/>
+        </a:effectStyle>
+        <a:effectStyle>
+          <a:effectLst/>
+        </a:effectStyle>
+        <a:effectStyle>
+          <a:effectLst>
+            <a:outerShdw blurRad="57150" dist="19050" dir="5400000" algn="ctr" rotWithShape="0">
+              <a:srgbClr val="000000">
+                <a:alpha val="63000"/>
+              </a:srgbClr>
+            </a:outerShdw>
+          </a:effectLst>
+        </a:effectStyle>
+      </a:effectStyleLst>
+      <a:bgFillStyleLst>
+        <a:solidFill>
+          <a:schemeClr val="phClr"/>
+        </a:solidFill>
+        <a:solidFill>
+          <a:schemeClr val="phClr">
+            <a:tint val="95000"/>
+            <a:satMod val="170000"/>
+          </a:schemeClr>
+        </a:solidFill>
+        <a:gradFill rotWithShape="1">
+          <a:gsLst>
+            <a:gs pos="0">
+              <a:schemeClr val="phClr">
+                <a:tint val="93000"/>
+                <a:satMod val="150000"/>
+                <a:shade val="98000"/>
+                <a:lumMod val="102000"/>
+              </a:schemeClr>
+            </a:gs>
+            <a:gs pos="50000">
+              <a:schemeClr val="phClr">
+                <a:tint val="98000"/>
+                <a:satMod val="130000"/>
+                <a:shade val="90000"/>
+                <a:lumMod val="103000"/>
+              </a:schemeClr>
+            </a:gs>
+            <a:gs pos="100000">
+              <a:schemeClr val="phClr">
+                <a:shade val="63000"/>
+                <a:satMod val="120000"/>
+              </a:schemeClr>
+            </a:gs>
+          </a:gsLst>
+          <a:lin ang="5400000" scaled="0"/>
+        </a:gradFill>
+      </a:bgFillStyleLst>
+    </a:fmtScheme>
+  </a:themeElements>
+  <a:objectDefaults/>
+  <a:extraClrSchemeLst/>
+  <a:extLst>
+    <a:ext uri="{05A4C25C-085E-4340-85A3-A5531E510DB2}">
+      <thm15:themeFamily xmlns:thm15="http://schemas.microsoft.com/office/thememl/2012/main" name="Office Theme" id="{62F939B6-93AF-4DB8-9C6B-D6C7DFDC589F}" vid="{4A3C46E8-61CC-4603-A589-7422A47A8E4A}"/>
+    </a:ext>
+  </a:extLst>
+</a:theme>
 </file>